--- a/presentation/VorlageStatusbericht.pptx
+++ b/presentation/VorlageStatusbericht.pptx
@@ -1,19 +1,467 @@
 
 <file path=ppt/presentation.xml><?xml version="1.0" encoding="utf-8"?>
-<p:presentation xmlns:a="http://schemas.openxmlformats.org/drawingml/2006/main" xmlns:p="http://schemas.openxmlformats.org/presentationml/2006/main" xmlns:r="http://schemas.openxmlformats.org/officeDocument/2006/relationships" xmlns:p14="http://schemas.microsoft.com/office/powerpoint/2010/main" xmlns:p15="http://schemas.microsoft.com/office/powerpoint/2012/main" xmlns:mc="http://schemas.openxmlformats.org/markup-compatibility/2006">
+<p:presentation xmlns:a="http://schemas.openxmlformats.org/drawingml/2006/main" xmlns:r="http://schemas.openxmlformats.org/officeDocument/2006/relationships" xmlns:p="http://schemas.openxmlformats.org/presentationml/2006/main" saveSubsetFonts="1">
   <p:sldMasterIdLst>
-    <p:sldMasterId id="2147483648" r:id="rId2"/>
+    <p:sldMasterId id="2147483648" r:id="rId1"/>
   </p:sldMasterIdLst>
+  <p:notesMasterIdLst>
+    <p:notesMasterId r:id="rId3"/>
+  </p:notesMasterIdLst>
   <p:sldIdLst>
-    <p:sldId id="256" r:id="rId3"/>
+    <p:sldId id="256" r:id="rId2"/>
   </p:sldIdLst>
-  <p:sldSz cx="9144000" cy="6858000"/>
+  <p:sldSz cx="9144000" cy="6858000" type="screen4x3"/>
   <p:notesSz cx="7772400" cy="10058400"/>
+  <p:defaultTextStyle>
+    <a:defPPr>
+      <a:defRPr lang="de-DE"/>
+    </a:defPPr>
+    <a:lvl1pPr marL="0" algn="l" defTabSz="914400" rtl="0" eaLnBrk="1" latinLnBrk="0" hangingPunct="1">
+      <a:defRPr sz="1800" kern="1200">
+        <a:solidFill>
+          <a:schemeClr val="tx1"/>
+        </a:solidFill>
+        <a:latin typeface="+mn-lt"/>
+        <a:ea typeface="+mn-ea"/>
+        <a:cs typeface="+mn-cs"/>
+      </a:defRPr>
+    </a:lvl1pPr>
+    <a:lvl2pPr marL="457200" algn="l" defTabSz="914400" rtl="0" eaLnBrk="1" latinLnBrk="0" hangingPunct="1">
+      <a:defRPr sz="1800" kern="1200">
+        <a:solidFill>
+          <a:schemeClr val="tx1"/>
+        </a:solidFill>
+        <a:latin typeface="+mn-lt"/>
+        <a:ea typeface="+mn-ea"/>
+        <a:cs typeface="+mn-cs"/>
+      </a:defRPr>
+    </a:lvl2pPr>
+    <a:lvl3pPr marL="914400" algn="l" defTabSz="914400" rtl="0" eaLnBrk="1" latinLnBrk="0" hangingPunct="1">
+      <a:defRPr sz="1800" kern="1200">
+        <a:solidFill>
+          <a:schemeClr val="tx1"/>
+        </a:solidFill>
+        <a:latin typeface="+mn-lt"/>
+        <a:ea typeface="+mn-ea"/>
+        <a:cs typeface="+mn-cs"/>
+      </a:defRPr>
+    </a:lvl3pPr>
+    <a:lvl4pPr marL="1371600" algn="l" defTabSz="914400" rtl="0" eaLnBrk="1" latinLnBrk="0" hangingPunct="1">
+      <a:defRPr sz="1800" kern="1200">
+        <a:solidFill>
+          <a:schemeClr val="tx1"/>
+        </a:solidFill>
+        <a:latin typeface="+mn-lt"/>
+        <a:ea typeface="+mn-ea"/>
+        <a:cs typeface="+mn-cs"/>
+      </a:defRPr>
+    </a:lvl4pPr>
+    <a:lvl5pPr marL="1828800" algn="l" defTabSz="914400" rtl="0" eaLnBrk="1" latinLnBrk="0" hangingPunct="1">
+      <a:defRPr sz="1800" kern="1200">
+        <a:solidFill>
+          <a:schemeClr val="tx1"/>
+        </a:solidFill>
+        <a:latin typeface="+mn-lt"/>
+        <a:ea typeface="+mn-ea"/>
+        <a:cs typeface="+mn-cs"/>
+      </a:defRPr>
+    </a:lvl5pPr>
+    <a:lvl6pPr marL="2286000" algn="l" defTabSz="914400" rtl="0" eaLnBrk="1" latinLnBrk="0" hangingPunct="1">
+      <a:defRPr sz="1800" kern="1200">
+        <a:solidFill>
+          <a:schemeClr val="tx1"/>
+        </a:solidFill>
+        <a:latin typeface="+mn-lt"/>
+        <a:ea typeface="+mn-ea"/>
+        <a:cs typeface="+mn-cs"/>
+      </a:defRPr>
+    </a:lvl6pPr>
+    <a:lvl7pPr marL="2743200" algn="l" defTabSz="914400" rtl="0" eaLnBrk="1" latinLnBrk="0" hangingPunct="1">
+      <a:defRPr sz="1800" kern="1200">
+        <a:solidFill>
+          <a:schemeClr val="tx1"/>
+        </a:solidFill>
+        <a:latin typeface="+mn-lt"/>
+        <a:ea typeface="+mn-ea"/>
+        <a:cs typeface="+mn-cs"/>
+      </a:defRPr>
+    </a:lvl7pPr>
+    <a:lvl8pPr marL="3200400" algn="l" defTabSz="914400" rtl="0" eaLnBrk="1" latinLnBrk="0" hangingPunct="1">
+      <a:defRPr sz="1800" kern="1200">
+        <a:solidFill>
+          <a:schemeClr val="tx1"/>
+        </a:solidFill>
+        <a:latin typeface="+mn-lt"/>
+        <a:ea typeface="+mn-ea"/>
+        <a:cs typeface="+mn-cs"/>
+      </a:defRPr>
+    </a:lvl8pPr>
+    <a:lvl9pPr marL="3657600" algn="l" defTabSz="914400" rtl="0" eaLnBrk="1" latinLnBrk="0" hangingPunct="1">
+      <a:defRPr sz="1800" kern="1200">
+        <a:solidFill>
+          <a:schemeClr val="tx1"/>
+        </a:solidFill>
+        <a:latin typeface="+mn-lt"/>
+        <a:ea typeface="+mn-ea"/>
+        <a:cs typeface="+mn-cs"/>
+      </a:defRPr>
+    </a:lvl9pPr>
+  </p:defaultTextStyle>
 </p:presentation>
 </file>
 
+<file path=ppt/notesMasters/notesMaster1.xml><?xml version="1.0" encoding="utf-8"?>
+<p:notesMaster xmlns:a="http://schemas.openxmlformats.org/drawingml/2006/main" xmlns:r="http://schemas.openxmlformats.org/officeDocument/2006/relationships" xmlns:p="http://schemas.openxmlformats.org/presentationml/2006/main">
+  <p:cSld>
+    <p:bg>
+      <p:bgRef idx="1001">
+        <a:schemeClr val="bg1"/>
+      </p:bgRef>
+    </p:bg>
+    <p:spTree>
+      <p:nvGrpSpPr>
+        <p:cNvPr id="1" name=""/>
+        <p:cNvGrpSpPr/>
+        <p:nvPr/>
+      </p:nvGrpSpPr>
+      <p:grpSpPr>
+        <a:xfrm>
+          <a:off x="0" y="0"/>
+          <a:ext cx="0" cy="0"/>
+          <a:chOff x="0" y="0"/>
+          <a:chExt cx="0" cy="0"/>
+        </a:xfrm>
+      </p:grpSpPr>
+      <p:sp>
+        <p:nvSpPr>
+          <p:cNvPr id="2" name="Kopfzeilenplatzhalter 1"/>
+          <p:cNvSpPr>
+            <a:spLocks noGrp="1"/>
+          </p:cNvSpPr>
+          <p:nvPr>
+            <p:ph type="hdr" sz="quarter"/>
+          </p:nvPr>
+        </p:nvSpPr>
+        <p:spPr>
+          <a:xfrm>
+            <a:off x="0" y="0"/>
+            <a:ext cx="3368675" cy="504825"/>
+          </a:xfrm>
+          <a:prstGeom prst="rect">
+            <a:avLst/>
+          </a:prstGeom>
+        </p:spPr>
+        <p:txBody>
+          <a:bodyPr vert="horz" lIns="91440" tIns="45720" rIns="91440" bIns="45720" rtlCol="0"/>
+          <a:lstStyle>
+            <a:lvl1pPr algn="l">
+              <a:defRPr sz="1200"/>
+            </a:lvl1pPr>
+          </a:lstStyle>
+          <a:p>
+            <a:endParaRPr lang="de-DE"/>
+          </a:p>
+        </p:txBody>
+      </p:sp>
+      <p:sp>
+        <p:nvSpPr>
+          <p:cNvPr id="3" name="Datumsplatzhalter 2"/>
+          <p:cNvSpPr>
+            <a:spLocks noGrp="1"/>
+          </p:cNvSpPr>
+          <p:nvPr>
+            <p:ph type="dt" idx="1"/>
+          </p:nvPr>
+        </p:nvSpPr>
+        <p:spPr>
+          <a:xfrm>
+            <a:off x="4402138" y="0"/>
+            <a:ext cx="3368675" cy="504825"/>
+          </a:xfrm>
+          <a:prstGeom prst="rect">
+            <a:avLst/>
+          </a:prstGeom>
+        </p:spPr>
+        <p:txBody>
+          <a:bodyPr vert="horz" lIns="91440" tIns="45720" rIns="91440" bIns="45720" rtlCol="0"/>
+          <a:lstStyle>
+            <a:lvl1pPr algn="r">
+              <a:defRPr sz="1200"/>
+            </a:lvl1pPr>
+          </a:lstStyle>
+          <a:p>
+            <a:fld id="{55F936BC-FBB5-144F-B456-1983B4080356}" type="datetimeFigureOut">
+              <a:rPr lang="de-DE" smtClean="0"/>
+              <a:t>25.08.17</a:t>
+            </a:fld>
+            <a:endParaRPr lang="de-DE"/>
+          </a:p>
+        </p:txBody>
+      </p:sp>
+      <p:sp>
+        <p:nvSpPr>
+          <p:cNvPr id="4" name="Folienbildplatzhalter 3"/>
+          <p:cNvSpPr>
+            <a:spLocks noGrp="1" noRot="1" noChangeAspect="1"/>
+          </p:cNvSpPr>
+          <p:nvPr>
+            <p:ph type="sldImg" idx="2"/>
+          </p:nvPr>
+        </p:nvSpPr>
+        <p:spPr>
+          <a:xfrm>
+            <a:off x="1624013" y="1257300"/>
+            <a:ext cx="4524375" cy="3394075"/>
+          </a:xfrm>
+          <a:prstGeom prst="rect">
+            <a:avLst/>
+          </a:prstGeom>
+          <a:noFill/>
+          <a:ln w="12700">
+            <a:solidFill>
+              <a:prstClr val="black"/>
+            </a:solidFill>
+          </a:ln>
+        </p:spPr>
+        <p:txBody>
+          <a:bodyPr vert="horz" lIns="91440" tIns="45720" rIns="91440" bIns="45720" rtlCol="0" anchor="ctr"/>
+          <a:lstStyle/>
+          <a:p>
+            <a:endParaRPr lang="de-DE"/>
+          </a:p>
+        </p:txBody>
+      </p:sp>
+      <p:sp>
+        <p:nvSpPr>
+          <p:cNvPr id="5" name="Notizenplatzhalter 4"/>
+          <p:cNvSpPr>
+            <a:spLocks noGrp="1"/>
+          </p:cNvSpPr>
+          <p:nvPr>
+            <p:ph type="body" sz="quarter" idx="3"/>
+          </p:nvPr>
+        </p:nvSpPr>
+        <p:spPr>
+          <a:xfrm>
+            <a:off x="777875" y="4840288"/>
+            <a:ext cx="6216650" cy="3960812"/>
+          </a:xfrm>
+          <a:prstGeom prst="rect">
+            <a:avLst/>
+          </a:prstGeom>
+        </p:spPr>
+        <p:txBody>
+          <a:bodyPr vert="horz" lIns="91440" tIns="45720" rIns="91440" bIns="45720" rtlCol="0"/>
+          <a:lstStyle/>
+          <a:p>
+            <a:pPr lvl="0"/>
+            <a:r>
+              <a:rPr lang="de-DE" smtClean="0"/>
+              <a:t>Mastertextformat bearbeiten</a:t>
+            </a:r>
+          </a:p>
+          <a:p>
+            <a:pPr lvl="1"/>
+            <a:r>
+              <a:rPr lang="de-DE" smtClean="0"/>
+              <a:t>Zweite Ebene</a:t>
+            </a:r>
+          </a:p>
+          <a:p>
+            <a:pPr lvl="2"/>
+            <a:r>
+              <a:rPr lang="de-DE" smtClean="0"/>
+              <a:t>Dritte Ebene</a:t>
+            </a:r>
+          </a:p>
+          <a:p>
+            <a:pPr lvl="3"/>
+            <a:r>
+              <a:rPr lang="de-DE" smtClean="0"/>
+              <a:t>Vierte Ebene</a:t>
+            </a:r>
+          </a:p>
+          <a:p>
+            <a:pPr lvl="4"/>
+            <a:r>
+              <a:rPr lang="de-DE" smtClean="0"/>
+              <a:t>Fünfte Ebene</a:t>
+            </a:r>
+            <a:endParaRPr lang="de-DE"/>
+          </a:p>
+        </p:txBody>
+      </p:sp>
+      <p:sp>
+        <p:nvSpPr>
+          <p:cNvPr id="6" name="Fußzeilenplatzhalter 5"/>
+          <p:cNvSpPr>
+            <a:spLocks noGrp="1"/>
+          </p:cNvSpPr>
+          <p:nvPr>
+            <p:ph type="ftr" sz="quarter" idx="4"/>
+          </p:nvPr>
+        </p:nvSpPr>
+        <p:spPr>
+          <a:xfrm>
+            <a:off x="0" y="9553575"/>
+            <a:ext cx="3368675" cy="504825"/>
+          </a:xfrm>
+          <a:prstGeom prst="rect">
+            <a:avLst/>
+          </a:prstGeom>
+        </p:spPr>
+        <p:txBody>
+          <a:bodyPr vert="horz" lIns="91440" tIns="45720" rIns="91440" bIns="45720" rtlCol="0" anchor="b"/>
+          <a:lstStyle>
+            <a:lvl1pPr algn="l">
+              <a:defRPr sz="1200"/>
+            </a:lvl1pPr>
+          </a:lstStyle>
+          <a:p>
+            <a:endParaRPr lang="de-DE"/>
+          </a:p>
+        </p:txBody>
+      </p:sp>
+      <p:sp>
+        <p:nvSpPr>
+          <p:cNvPr id="7" name="Foliennummernplatzhalter 6"/>
+          <p:cNvSpPr>
+            <a:spLocks noGrp="1"/>
+          </p:cNvSpPr>
+          <p:nvPr>
+            <p:ph type="sldNum" sz="quarter" idx="5"/>
+          </p:nvPr>
+        </p:nvSpPr>
+        <p:spPr>
+          <a:xfrm>
+            <a:off x="4402138" y="9553575"/>
+            <a:ext cx="3368675" cy="504825"/>
+          </a:xfrm>
+          <a:prstGeom prst="rect">
+            <a:avLst/>
+          </a:prstGeom>
+        </p:spPr>
+        <p:txBody>
+          <a:bodyPr vert="horz" lIns="91440" tIns="45720" rIns="91440" bIns="45720" rtlCol="0" anchor="b"/>
+          <a:lstStyle>
+            <a:lvl1pPr algn="r">
+              <a:defRPr sz="1200"/>
+            </a:lvl1pPr>
+          </a:lstStyle>
+          <a:p>
+            <a:fld id="{717AE4B5-8177-9740-A662-3FA87E10CC76}" type="slidenum">
+              <a:rPr lang="de-DE" smtClean="0"/>
+              <a:t>‹Nr.›</a:t>
+            </a:fld>
+            <a:endParaRPr lang="de-DE"/>
+          </a:p>
+        </p:txBody>
+      </p:sp>
+    </p:spTree>
+    <p:extLst>
+      <p:ext uri="{BB962C8B-B14F-4D97-AF65-F5344CB8AC3E}">
+        <p14:creationId xmlns:p14="http://schemas.microsoft.com/office/powerpoint/2010/main" val="63641305"/>
+      </p:ext>
+    </p:extLst>
+  </p:cSld>
+  <p:clrMap bg1="lt1" tx1="dk1" bg2="lt2" tx2="dk2" accent1="accent1" accent2="accent2" accent3="accent3" accent4="accent4" accent5="accent5" accent6="accent6" hlink="hlink" folHlink="folHlink"/>
+  <p:notesStyle>
+    <a:lvl1pPr marL="0" algn="l" defTabSz="914400" rtl="0" eaLnBrk="1" latinLnBrk="0" hangingPunct="1">
+      <a:defRPr sz="1200" kern="1200">
+        <a:solidFill>
+          <a:schemeClr val="tx1"/>
+        </a:solidFill>
+        <a:latin typeface="+mn-lt"/>
+        <a:ea typeface="+mn-ea"/>
+        <a:cs typeface="+mn-cs"/>
+      </a:defRPr>
+    </a:lvl1pPr>
+    <a:lvl2pPr marL="457200" algn="l" defTabSz="914400" rtl="0" eaLnBrk="1" latinLnBrk="0" hangingPunct="1">
+      <a:defRPr sz="1200" kern="1200">
+        <a:solidFill>
+          <a:schemeClr val="tx1"/>
+        </a:solidFill>
+        <a:latin typeface="+mn-lt"/>
+        <a:ea typeface="+mn-ea"/>
+        <a:cs typeface="+mn-cs"/>
+      </a:defRPr>
+    </a:lvl2pPr>
+    <a:lvl3pPr marL="914400" algn="l" defTabSz="914400" rtl="0" eaLnBrk="1" latinLnBrk="0" hangingPunct="1">
+      <a:defRPr sz="1200" kern="1200">
+        <a:solidFill>
+          <a:schemeClr val="tx1"/>
+        </a:solidFill>
+        <a:latin typeface="+mn-lt"/>
+        <a:ea typeface="+mn-ea"/>
+        <a:cs typeface="+mn-cs"/>
+      </a:defRPr>
+    </a:lvl3pPr>
+    <a:lvl4pPr marL="1371600" algn="l" defTabSz="914400" rtl="0" eaLnBrk="1" latinLnBrk="0" hangingPunct="1">
+      <a:defRPr sz="1200" kern="1200">
+        <a:solidFill>
+          <a:schemeClr val="tx1"/>
+        </a:solidFill>
+        <a:latin typeface="+mn-lt"/>
+        <a:ea typeface="+mn-ea"/>
+        <a:cs typeface="+mn-cs"/>
+      </a:defRPr>
+    </a:lvl4pPr>
+    <a:lvl5pPr marL="1828800" algn="l" defTabSz="914400" rtl="0" eaLnBrk="1" latinLnBrk="0" hangingPunct="1">
+      <a:defRPr sz="1200" kern="1200">
+        <a:solidFill>
+          <a:schemeClr val="tx1"/>
+        </a:solidFill>
+        <a:latin typeface="+mn-lt"/>
+        <a:ea typeface="+mn-ea"/>
+        <a:cs typeface="+mn-cs"/>
+      </a:defRPr>
+    </a:lvl5pPr>
+    <a:lvl6pPr marL="2286000" algn="l" defTabSz="914400" rtl="0" eaLnBrk="1" latinLnBrk="0" hangingPunct="1">
+      <a:defRPr sz="1200" kern="1200">
+        <a:solidFill>
+          <a:schemeClr val="tx1"/>
+        </a:solidFill>
+        <a:latin typeface="+mn-lt"/>
+        <a:ea typeface="+mn-ea"/>
+        <a:cs typeface="+mn-cs"/>
+      </a:defRPr>
+    </a:lvl6pPr>
+    <a:lvl7pPr marL="2743200" algn="l" defTabSz="914400" rtl="0" eaLnBrk="1" latinLnBrk="0" hangingPunct="1">
+      <a:defRPr sz="1200" kern="1200">
+        <a:solidFill>
+          <a:schemeClr val="tx1"/>
+        </a:solidFill>
+        <a:latin typeface="+mn-lt"/>
+        <a:ea typeface="+mn-ea"/>
+        <a:cs typeface="+mn-cs"/>
+      </a:defRPr>
+    </a:lvl7pPr>
+    <a:lvl8pPr marL="3200400" algn="l" defTabSz="914400" rtl="0" eaLnBrk="1" latinLnBrk="0" hangingPunct="1">
+      <a:defRPr sz="1200" kern="1200">
+        <a:solidFill>
+          <a:schemeClr val="tx1"/>
+        </a:solidFill>
+        <a:latin typeface="+mn-lt"/>
+        <a:ea typeface="+mn-ea"/>
+        <a:cs typeface="+mn-cs"/>
+      </a:defRPr>
+    </a:lvl8pPr>
+    <a:lvl9pPr marL="3657600" algn="l" defTabSz="914400" rtl="0" eaLnBrk="1" latinLnBrk="0" hangingPunct="1">
+      <a:defRPr sz="1200" kern="1200">
+        <a:solidFill>
+          <a:schemeClr val="tx1"/>
+        </a:solidFill>
+        <a:latin typeface="+mn-lt"/>
+        <a:ea typeface="+mn-ea"/>
+        <a:cs typeface="+mn-cs"/>
+      </a:defRPr>
+    </a:lvl9pPr>
+  </p:notesStyle>
+</p:notesMaster>
+</file>
+
 <file path=ppt/slideLayouts/slideLayout1.xml><?xml version="1.0" encoding="utf-8"?>
-<p:sldLayout xmlns:a="http://schemas.openxmlformats.org/drawingml/2006/main" xmlns:p="http://schemas.openxmlformats.org/presentationml/2006/main" xmlns:r="http://schemas.openxmlformats.org/officeDocument/2006/relationships" xmlns:p14="http://schemas.microsoft.com/office/powerpoint/2010/main" xmlns:p15="http://schemas.microsoft.com/office/powerpoint/2012/main" xmlns:mc="http://schemas.openxmlformats.org/markup-compatibility/2006" type="blank" preserve="1">
+<p:sldLayout xmlns:a="http://schemas.openxmlformats.org/drawingml/2006/main" xmlns:r="http://schemas.openxmlformats.org/officeDocument/2006/relationships" xmlns:p="http://schemas.openxmlformats.org/presentationml/2006/main" type="blank" preserve="1">
   <p:cSld name="Blank Slide">
     <p:spTree>
       <p:nvGrpSpPr>
@@ -31,11 +479,14 @@
       </p:grpSpPr>
     </p:spTree>
   </p:cSld>
+  <p:clrMapOvr>
+    <a:masterClrMapping/>
+  </p:clrMapOvr>
 </p:sldLayout>
 </file>
 
 <file path=ppt/slideLayouts/slideLayout10.xml><?xml version="1.0" encoding="utf-8"?>
-<p:sldLayout xmlns:a="http://schemas.openxmlformats.org/drawingml/2006/main" xmlns:p="http://schemas.openxmlformats.org/presentationml/2006/main" xmlns:r="http://schemas.openxmlformats.org/officeDocument/2006/relationships" xmlns:p14="http://schemas.microsoft.com/office/powerpoint/2010/main" xmlns:p15="http://schemas.microsoft.com/office/powerpoint/2012/main" xmlns:mc="http://schemas.openxmlformats.org/markup-compatibility/2006" type="objOverTx" preserve="1">
+<p:sldLayout xmlns:a="http://schemas.openxmlformats.org/drawingml/2006/main" xmlns:r="http://schemas.openxmlformats.org/officeDocument/2006/relationships" xmlns:p="http://schemas.openxmlformats.org/presentationml/2006/main" type="objOverTx" preserve="1">
   <p:cSld name="Title, Content over Content">
     <p:spTree>
       <p:nvGrpSpPr>
@@ -71,15 +522,16 @@
           </a:prstGeom>
         </p:spPr>
         <p:txBody>
-          <a:bodyPr lIns="0" rIns="0" tIns="0" bIns="0" anchor="ctr"/>
+          <a:bodyPr lIns="0" tIns="0" rIns="0" bIns="0" anchor="ctr"/>
+          <a:lstStyle/>
           <a:p>
-            <a:endParaRPr b="0" lang="de-DE" sz="1800" spc="-1" strike="noStrike">
+            <a:endParaRPr lang="de-DE" sz="1800" b="0" strike="noStrike" spc="-1">
               <a:solidFill>
                 <a:srgbClr val="000000"/>
               </a:solidFill>
               <a:uFill>
                 <a:solidFill>
-                  <a:srgbClr val="ffffff"/>
+                  <a:srgbClr val="FFFFFF"/>
                 </a:solidFill>
               </a:uFill>
               <a:latin typeface="BMW Group Condensed"/>
@@ -107,17 +559,18 @@
           </a:prstGeom>
         </p:spPr>
         <p:txBody>
-          <a:bodyPr lIns="0" rIns="0" tIns="0" bIns="0">
+          <a:bodyPr lIns="0" tIns="0" rIns="0" bIns="0">
             <a:normAutofit/>
           </a:bodyPr>
+          <a:lstStyle/>
           <a:p>
-            <a:endParaRPr b="0" lang="de-DE" sz="2400" spc="-1" strike="noStrike">
+            <a:endParaRPr lang="de-DE" sz="2400" b="0" strike="noStrike" spc="-1">
               <a:solidFill>
                 <a:srgbClr val="000000"/>
               </a:solidFill>
               <a:uFill>
                 <a:solidFill>
-                  <a:srgbClr val="ffffff"/>
+                  <a:srgbClr val="FFFFFF"/>
                 </a:solidFill>
               </a:uFill>
               <a:latin typeface="BMW Group Condensed"/>
@@ -145,17 +598,18 @@
           </a:prstGeom>
         </p:spPr>
         <p:txBody>
-          <a:bodyPr lIns="0" rIns="0" tIns="0" bIns="0">
+          <a:bodyPr lIns="0" tIns="0" rIns="0" bIns="0">
             <a:normAutofit/>
           </a:bodyPr>
+          <a:lstStyle/>
           <a:p>
-            <a:endParaRPr b="0" lang="de-DE" sz="2400" spc="-1" strike="noStrike">
+            <a:endParaRPr lang="de-DE" sz="2400" b="0" strike="noStrike" spc="-1">
               <a:solidFill>
                 <a:srgbClr val="000000"/>
               </a:solidFill>
               <a:uFill>
                 <a:solidFill>
-                  <a:srgbClr val="ffffff"/>
+                  <a:srgbClr val="FFFFFF"/>
                 </a:solidFill>
               </a:uFill>
               <a:latin typeface="BMW Group Condensed"/>
@@ -165,11 +619,14 @@
       </p:sp>
     </p:spTree>
   </p:cSld>
+  <p:clrMapOvr>
+    <a:masterClrMapping/>
+  </p:clrMapOvr>
 </p:sldLayout>
 </file>
 
 <file path=ppt/slideLayouts/slideLayout11.xml><?xml version="1.0" encoding="utf-8"?>
-<p:sldLayout xmlns:a="http://schemas.openxmlformats.org/drawingml/2006/main" xmlns:p="http://schemas.openxmlformats.org/presentationml/2006/main" xmlns:r="http://schemas.openxmlformats.org/officeDocument/2006/relationships" xmlns:p14="http://schemas.microsoft.com/office/powerpoint/2010/main" xmlns:p15="http://schemas.microsoft.com/office/powerpoint/2012/main" xmlns:mc="http://schemas.openxmlformats.org/markup-compatibility/2006" type="fourObj" preserve="1">
+<p:sldLayout xmlns:a="http://schemas.openxmlformats.org/drawingml/2006/main" xmlns:r="http://schemas.openxmlformats.org/officeDocument/2006/relationships" xmlns:p="http://schemas.openxmlformats.org/presentationml/2006/main" type="fourObj" preserve="1">
   <p:cSld name="Title, 4 Content">
     <p:spTree>
       <p:nvGrpSpPr>
@@ -205,15 +662,16 @@
           </a:prstGeom>
         </p:spPr>
         <p:txBody>
-          <a:bodyPr lIns="0" rIns="0" tIns="0" bIns="0" anchor="ctr"/>
+          <a:bodyPr lIns="0" tIns="0" rIns="0" bIns="0" anchor="ctr"/>
+          <a:lstStyle/>
           <a:p>
-            <a:endParaRPr b="0" lang="de-DE" sz="1800" spc="-1" strike="noStrike">
+            <a:endParaRPr lang="de-DE" sz="1800" b="0" strike="noStrike" spc="-1">
               <a:solidFill>
                 <a:srgbClr val="000000"/>
               </a:solidFill>
               <a:uFill>
                 <a:solidFill>
-                  <a:srgbClr val="ffffff"/>
+                  <a:srgbClr val="FFFFFF"/>
                 </a:solidFill>
               </a:uFill>
               <a:latin typeface="BMW Group Condensed"/>
@@ -241,17 +699,18 @@
           </a:prstGeom>
         </p:spPr>
         <p:txBody>
-          <a:bodyPr lIns="0" rIns="0" tIns="0" bIns="0">
+          <a:bodyPr lIns="0" tIns="0" rIns="0" bIns="0">
             <a:normAutofit/>
           </a:bodyPr>
+          <a:lstStyle/>
           <a:p>
-            <a:endParaRPr b="0" lang="de-DE" sz="2400" spc="-1" strike="noStrike">
+            <a:endParaRPr lang="de-DE" sz="2400" b="0" strike="noStrike" spc="-1">
               <a:solidFill>
                 <a:srgbClr val="000000"/>
               </a:solidFill>
               <a:uFill>
                 <a:solidFill>
-                  <a:srgbClr val="ffffff"/>
+                  <a:srgbClr val="FFFFFF"/>
                 </a:solidFill>
               </a:uFill>
               <a:latin typeface="BMW Group Condensed"/>
@@ -279,17 +738,18 @@
           </a:prstGeom>
         </p:spPr>
         <p:txBody>
-          <a:bodyPr lIns="0" rIns="0" tIns="0" bIns="0">
+          <a:bodyPr lIns="0" tIns="0" rIns="0" bIns="0">
             <a:normAutofit/>
           </a:bodyPr>
+          <a:lstStyle/>
           <a:p>
-            <a:endParaRPr b="0" lang="de-DE" sz="2400" spc="-1" strike="noStrike">
+            <a:endParaRPr lang="de-DE" sz="2400" b="0" strike="noStrike" spc="-1">
               <a:solidFill>
                 <a:srgbClr val="000000"/>
               </a:solidFill>
               <a:uFill>
                 <a:solidFill>
-                  <a:srgbClr val="ffffff"/>
+                  <a:srgbClr val="FFFFFF"/>
                 </a:solidFill>
               </a:uFill>
               <a:latin typeface="BMW Group Condensed"/>
@@ -317,17 +777,18 @@
           </a:prstGeom>
         </p:spPr>
         <p:txBody>
-          <a:bodyPr lIns="0" rIns="0" tIns="0" bIns="0">
+          <a:bodyPr lIns="0" tIns="0" rIns="0" bIns="0">
             <a:normAutofit/>
           </a:bodyPr>
+          <a:lstStyle/>
           <a:p>
-            <a:endParaRPr b="0" lang="de-DE" sz="2400" spc="-1" strike="noStrike">
+            <a:endParaRPr lang="de-DE" sz="2400" b="0" strike="noStrike" spc="-1">
               <a:solidFill>
                 <a:srgbClr val="000000"/>
               </a:solidFill>
               <a:uFill>
                 <a:solidFill>
-                  <a:srgbClr val="ffffff"/>
+                  <a:srgbClr val="FFFFFF"/>
                 </a:solidFill>
               </a:uFill>
               <a:latin typeface="BMW Group Condensed"/>
@@ -355,17 +816,18 @@
           </a:prstGeom>
         </p:spPr>
         <p:txBody>
-          <a:bodyPr lIns="0" rIns="0" tIns="0" bIns="0">
+          <a:bodyPr lIns="0" tIns="0" rIns="0" bIns="0">
             <a:normAutofit/>
           </a:bodyPr>
+          <a:lstStyle/>
           <a:p>
-            <a:endParaRPr b="0" lang="de-DE" sz="2400" spc="-1" strike="noStrike">
+            <a:endParaRPr lang="de-DE" sz="2400" b="0" strike="noStrike" spc="-1">
               <a:solidFill>
                 <a:srgbClr val="000000"/>
               </a:solidFill>
               <a:uFill>
                 <a:solidFill>
-                  <a:srgbClr val="ffffff"/>
+                  <a:srgbClr val="FFFFFF"/>
                 </a:solidFill>
               </a:uFill>
               <a:latin typeface="BMW Group Condensed"/>
@@ -375,11 +837,14 @@
       </p:sp>
     </p:spTree>
   </p:cSld>
+  <p:clrMapOvr>
+    <a:masterClrMapping/>
+  </p:clrMapOvr>
 </p:sldLayout>
 </file>
 
 <file path=ppt/slideLayouts/slideLayout12.xml><?xml version="1.0" encoding="utf-8"?>
-<p:sldLayout xmlns:a="http://schemas.openxmlformats.org/drawingml/2006/main" xmlns:p="http://schemas.openxmlformats.org/presentationml/2006/main" xmlns:r="http://schemas.openxmlformats.org/officeDocument/2006/relationships" xmlns:p14="http://schemas.microsoft.com/office/powerpoint/2010/main" xmlns:p15="http://schemas.microsoft.com/office/powerpoint/2012/main" xmlns:mc="http://schemas.openxmlformats.org/markup-compatibility/2006" type="blank" preserve="1">
+<p:sldLayout xmlns:a="http://schemas.openxmlformats.org/drawingml/2006/main" xmlns:r="http://schemas.openxmlformats.org/officeDocument/2006/relationships" xmlns:p="http://schemas.openxmlformats.org/presentationml/2006/main" type="blank" preserve="1">
   <p:cSld name="Title, 6 Content">
     <p:spTree>
       <p:nvGrpSpPr>
@@ -415,15 +880,16 @@
           </a:prstGeom>
         </p:spPr>
         <p:txBody>
-          <a:bodyPr lIns="0" rIns="0" tIns="0" bIns="0" anchor="ctr"/>
+          <a:bodyPr lIns="0" tIns="0" rIns="0" bIns="0" anchor="ctr"/>
+          <a:lstStyle/>
           <a:p>
-            <a:endParaRPr b="0" lang="de-DE" sz="1800" spc="-1" strike="noStrike">
+            <a:endParaRPr lang="de-DE" sz="1800" b="0" strike="noStrike" spc="-1">
               <a:solidFill>
                 <a:srgbClr val="000000"/>
               </a:solidFill>
               <a:uFill>
                 <a:solidFill>
-                  <a:srgbClr val="ffffff"/>
+                  <a:srgbClr val="FFFFFF"/>
                 </a:solidFill>
               </a:uFill>
               <a:latin typeface="BMW Group Condensed"/>
@@ -451,17 +917,18 @@
           </a:prstGeom>
         </p:spPr>
         <p:txBody>
-          <a:bodyPr lIns="0" rIns="0" tIns="0" bIns="0">
+          <a:bodyPr lIns="0" tIns="0" rIns="0" bIns="0">
             <a:normAutofit/>
           </a:bodyPr>
+          <a:lstStyle/>
           <a:p>
-            <a:endParaRPr b="0" lang="de-DE" sz="2400" spc="-1" strike="noStrike">
+            <a:endParaRPr lang="de-DE" sz="2400" b="0" strike="noStrike" spc="-1">
               <a:solidFill>
                 <a:srgbClr val="000000"/>
               </a:solidFill>
               <a:uFill>
                 <a:solidFill>
-                  <a:srgbClr val="ffffff"/>
+                  <a:srgbClr val="FFFFFF"/>
                 </a:solidFill>
               </a:uFill>
               <a:latin typeface="BMW Group Condensed"/>
@@ -489,17 +956,18 @@
           </a:prstGeom>
         </p:spPr>
         <p:txBody>
-          <a:bodyPr lIns="0" rIns="0" tIns="0" bIns="0">
+          <a:bodyPr lIns="0" tIns="0" rIns="0" bIns="0">
             <a:normAutofit/>
           </a:bodyPr>
+          <a:lstStyle/>
           <a:p>
-            <a:endParaRPr b="0" lang="de-DE" sz="2400" spc="-1" strike="noStrike">
+            <a:endParaRPr lang="de-DE" sz="2400" b="0" strike="noStrike" spc="-1">
               <a:solidFill>
                 <a:srgbClr val="000000"/>
               </a:solidFill>
               <a:uFill>
                 <a:solidFill>
-                  <a:srgbClr val="ffffff"/>
+                  <a:srgbClr val="FFFFFF"/>
                 </a:solidFill>
               </a:uFill>
               <a:latin typeface="BMW Group Condensed"/>
@@ -527,17 +995,18 @@
           </a:prstGeom>
         </p:spPr>
         <p:txBody>
-          <a:bodyPr lIns="0" rIns="0" tIns="0" bIns="0">
+          <a:bodyPr lIns="0" tIns="0" rIns="0" bIns="0">
             <a:normAutofit/>
           </a:bodyPr>
+          <a:lstStyle/>
           <a:p>
-            <a:endParaRPr b="0" lang="de-DE" sz="2400" spc="-1" strike="noStrike">
+            <a:endParaRPr lang="de-DE" sz="2400" b="0" strike="noStrike" spc="-1">
               <a:solidFill>
                 <a:srgbClr val="000000"/>
               </a:solidFill>
               <a:uFill>
                 <a:solidFill>
-                  <a:srgbClr val="ffffff"/>
+                  <a:srgbClr val="FFFFFF"/>
                 </a:solidFill>
               </a:uFill>
               <a:latin typeface="BMW Group Condensed"/>
@@ -565,17 +1034,18 @@
           </a:prstGeom>
         </p:spPr>
         <p:txBody>
-          <a:bodyPr lIns="0" rIns="0" tIns="0" bIns="0">
+          <a:bodyPr lIns="0" tIns="0" rIns="0" bIns="0">
             <a:normAutofit/>
           </a:bodyPr>
+          <a:lstStyle/>
           <a:p>
-            <a:endParaRPr b="0" lang="de-DE" sz="2400" spc="-1" strike="noStrike">
+            <a:endParaRPr lang="de-DE" sz="2400" b="0" strike="noStrike" spc="-1">
               <a:solidFill>
                 <a:srgbClr val="000000"/>
               </a:solidFill>
               <a:uFill>
                 <a:solidFill>
-                  <a:srgbClr val="ffffff"/>
+                  <a:srgbClr val="FFFFFF"/>
                 </a:solidFill>
               </a:uFill>
               <a:latin typeface="BMW Group Condensed"/>
@@ -603,17 +1073,18 @@
           </a:prstGeom>
         </p:spPr>
         <p:txBody>
-          <a:bodyPr lIns="0" rIns="0" tIns="0" bIns="0">
+          <a:bodyPr lIns="0" tIns="0" rIns="0" bIns="0">
             <a:normAutofit/>
           </a:bodyPr>
+          <a:lstStyle/>
           <a:p>
-            <a:endParaRPr b="0" lang="de-DE" sz="2400" spc="-1" strike="noStrike">
+            <a:endParaRPr lang="de-DE" sz="2400" b="0" strike="noStrike" spc="-1">
               <a:solidFill>
                 <a:srgbClr val="000000"/>
               </a:solidFill>
               <a:uFill>
                 <a:solidFill>
-                  <a:srgbClr val="ffffff"/>
+                  <a:srgbClr val="FFFFFF"/>
                 </a:solidFill>
               </a:uFill>
               <a:latin typeface="BMW Group Condensed"/>
@@ -641,17 +1112,18 @@
           </a:prstGeom>
         </p:spPr>
         <p:txBody>
-          <a:bodyPr lIns="0" rIns="0" tIns="0" bIns="0">
+          <a:bodyPr lIns="0" tIns="0" rIns="0" bIns="0">
             <a:normAutofit/>
           </a:bodyPr>
+          <a:lstStyle/>
           <a:p>
-            <a:endParaRPr b="0" lang="de-DE" sz="2400" spc="-1" strike="noStrike">
+            <a:endParaRPr lang="de-DE" sz="2400" b="0" strike="noStrike" spc="-1">
               <a:solidFill>
                 <a:srgbClr val="000000"/>
               </a:solidFill>
               <a:uFill>
                 <a:solidFill>
-                  <a:srgbClr val="ffffff"/>
+                  <a:srgbClr val="FFFFFF"/>
                 </a:solidFill>
               </a:uFill>
               <a:latin typeface="BMW Group Condensed"/>
@@ -661,11 +1133,14 @@
       </p:sp>
     </p:spTree>
   </p:cSld>
+  <p:clrMapOvr>
+    <a:masterClrMapping/>
+  </p:clrMapOvr>
 </p:sldLayout>
 </file>
 
 <file path=ppt/slideLayouts/slideLayout2.xml><?xml version="1.0" encoding="utf-8"?>
-<p:sldLayout xmlns:a="http://schemas.openxmlformats.org/drawingml/2006/main" xmlns:p="http://schemas.openxmlformats.org/presentationml/2006/main" xmlns:r="http://schemas.openxmlformats.org/officeDocument/2006/relationships" xmlns:p14="http://schemas.microsoft.com/office/powerpoint/2010/main" xmlns:p15="http://schemas.microsoft.com/office/powerpoint/2012/main" xmlns:mc="http://schemas.openxmlformats.org/markup-compatibility/2006" type="tx" preserve="1">
+<p:sldLayout xmlns:a="http://schemas.openxmlformats.org/drawingml/2006/main" xmlns:r="http://schemas.openxmlformats.org/officeDocument/2006/relationships" xmlns:p="http://schemas.openxmlformats.org/presentationml/2006/main" type="tx" preserve="1">
   <p:cSld name="Title Slide">
     <p:spTree>
       <p:nvGrpSpPr>
@@ -701,15 +1176,16 @@
           </a:prstGeom>
         </p:spPr>
         <p:txBody>
-          <a:bodyPr lIns="0" rIns="0" tIns="0" bIns="0" anchor="ctr"/>
+          <a:bodyPr lIns="0" tIns="0" rIns="0" bIns="0" anchor="ctr"/>
+          <a:lstStyle/>
           <a:p>
-            <a:endParaRPr b="0" lang="de-DE" sz="1800" spc="-1" strike="noStrike">
+            <a:endParaRPr lang="de-DE" sz="1800" b="0" strike="noStrike" spc="-1">
               <a:solidFill>
                 <a:srgbClr val="000000"/>
               </a:solidFill>
               <a:uFill>
                 <a:solidFill>
-                  <a:srgbClr val="ffffff"/>
+                  <a:srgbClr val="FFFFFF"/>
                 </a:solidFill>
               </a:uFill>
               <a:latin typeface="BMW Group Condensed"/>
@@ -737,16 +1213,17 @@
           </a:prstGeom>
         </p:spPr>
         <p:txBody>
-          <a:bodyPr lIns="0" rIns="0" tIns="0" bIns="0" anchor="ctr"/>
+          <a:bodyPr lIns="0" tIns="0" rIns="0" bIns="0" anchor="ctr"/>
+          <a:lstStyle/>
           <a:p>
             <a:pPr algn="ctr"/>
-            <a:endParaRPr b="0" lang="en-US" sz="3200" spc="-1" strike="noStrike">
+            <a:endParaRPr lang="en-US" sz="3200" b="0" strike="noStrike" spc="-1">
               <a:solidFill>
                 <a:srgbClr val="000000"/>
               </a:solidFill>
               <a:uFill>
                 <a:solidFill>
-                  <a:srgbClr val="ffffff"/>
+                  <a:srgbClr val="FFFFFF"/>
                 </a:solidFill>
               </a:uFill>
               <a:latin typeface="Arial"/>
@@ -756,11 +1233,14 @@
       </p:sp>
     </p:spTree>
   </p:cSld>
+  <p:clrMapOvr>
+    <a:masterClrMapping/>
+  </p:clrMapOvr>
 </p:sldLayout>
 </file>
 
 <file path=ppt/slideLayouts/slideLayout3.xml><?xml version="1.0" encoding="utf-8"?>
-<p:sldLayout xmlns:a="http://schemas.openxmlformats.org/drawingml/2006/main" xmlns:p="http://schemas.openxmlformats.org/presentationml/2006/main" xmlns:r="http://schemas.openxmlformats.org/officeDocument/2006/relationships" xmlns:p14="http://schemas.microsoft.com/office/powerpoint/2010/main" xmlns:p15="http://schemas.microsoft.com/office/powerpoint/2012/main" xmlns:mc="http://schemas.openxmlformats.org/markup-compatibility/2006" type="obj" preserve="1">
+<p:sldLayout xmlns:a="http://schemas.openxmlformats.org/drawingml/2006/main" xmlns:r="http://schemas.openxmlformats.org/officeDocument/2006/relationships" xmlns:p="http://schemas.openxmlformats.org/presentationml/2006/main" type="obj" preserve="1">
   <p:cSld name="Title, Content">
     <p:spTree>
       <p:nvGrpSpPr>
@@ -796,15 +1276,16 @@
           </a:prstGeom>
         </p:spPr>
         <p:txBody>
-          <a:bodyPr lIns="0" rIns="0" tIns="0" bIns="0" anchor="ctr"/>
+          <a:bodyPr lIns="0" tIns="0" rIns="0" bIns="0" anchor="ctr"/>
+          <a:lstStyle/>
           <a:p>
-            <a:endParaRPr b="0" lang="de-DE" sz="1800" spc="-1" strike="noStrike">
+            <a:endParaRPr lang="de-DE" sz="1800" b="0" strike="noStrike" spc="-1">
               <a:solidFill>
                 <a:srgbClr val="000000"/>
               </a:solidFill>
               <a:uFill>
                 <a:solidFill>
-                  <a:srgbClr val="ffffff"/>
+                  <a:srgbClr val="FFFFFF"/>
                 </a:solidFill>
               </a:uFill>
               <a:latin typeface="BMW Group Condensed"/>
@@ -832,17 +1313,18 @@
           </a:prstGeom>
         </p:spPr>
         <p:txBody>
-          <a:bodyPr lIns="0" rIns="0" tIns="0" bIns="0">
+          <a:bodyPr lIns="0" tIns="0" rIns="0" bIns="0">
             <a:normAutofit/>
           </a:bodyPr>
+          <a:lstStyle/>
           <a:p>
-            <a:endParaRPr b="0" lang="de-DE" sz="2400" spc="-1" strike="noStrike">
+            <a:endParaRPr lang="de-DE" sz="2400" b="0" strike="noStrike" spc="-1">
               <a:solidFill>
                 <a:srgbClr val="000000"/>
               </a:solidFill>
               <a:uFill>
                 <a:solidFill>
-                  <a:srgbClr val="ffffff"/>
+                  <a:srgbClr val="FFFFFF"/>
                 </a:solidFill>
               </a:uFill>
               <a:latin typeface="BMW Group Condensed"/>
@@ -852,11 +1334,14 @@
       </p:sp>
     </p:spTree>
   </p:cSld>
+  <p:clrMapOvr>
+    <a:masterClrMapping/>
+  </p:clrMapOvr>
 </p:sldLayout>
 </file>
 
 <file path=ppt/slideLayouts/slideLayout4.xml><?xml version="1.0" encoding="utf-8"?>
-<p:sldLayout xmlns:a="http://schemas.openxmlformats.org/drawingml/2006/main" xmlns:p="http://schemas.openxmlformats.org/presentationml/2006/main" xmlns:r="http://schemas.openxmlformats.org/officeDocument/2006/relationships" xmlns:p14="http://schemas.microsoft.com/office/powerpoint/2010/main" xmlns:p15="http://schemas.microsoft.com/office/powerpoint/2012/main" xmlns:mc="http://schemas.openxmlformats.org/markup-compatibility/2006" type="twoObj" preserve="1">
+<p:sldLayout xmlns:a="http://schemas.openxmlformats.org/drawingml/2006/main" xmlns:r="http://schemas.openxmlformats.org/officeDocument/2006/relationships" xmlns:p="http://schemas.openxmlformats.org/presentationml/2006/main" type="twoObj" preserve="1">
   <p:cSld name="Title, 2 Content">
     <p:spTree>
       <p:nvGrpSpPr>
@@ -892,15 +1377,16 @@
           </a:prstGeom>
         </p:spPr>
         <p:txBody>
-          <a:bodyPr lIns="0" rIns="0" tIns="0" bIns="0" anchor="ctr"/>
+          <a:bodyPr lIns="0" tIns="0" rIns="0" bIns="0" anchor="ctr"/>
+          <a:lstStyle/>
           <a:p>
-            <a:endParaRPr b="0" lang="de-DE" sz="1800" spc="-1" strike="noStrike">
+            <a:endParaRPr lang="de-DE" sz="1800" b="0" strike="noStrike" spc="-1">
               <a:solidFill>
                 <a:srgbClr val="000000"/>
               </a:solidFill>
               <a:uFill>
                 <a:solidFill>
-                  <a:srgbClr val="ffffff"/>
+                  <a:srgbClr val="FFFFFF"/>
                 </a:solidFill>
               </a:uFill>
               <a:latin typeface="BMW Group Condensed"/>
@@ -928,17 +1414,18 @@
           </a:prstGeom>
         </p:spPr>
         <p:txBody>
-          <a:bodyPr lIns="0" rIns="0" tIns="0" bIns="0">
+          <a:bodyPr lIns="0" tIns="0" rIns="0" bIns="0">
             <a:normAutofit/>
           </a:bodyPr>
+          <a:lstStyle/>
           <a:p>
-            <a:endParaRPr b="0" lang="de-DE" sz="2400" spc="-1" strike="noStrike">
+            <a:endParaRPr lang="de-DE" sz="2400" b="0" strike="noStrike" spc="-1">
               <a:solidFill>
                 <a:srgbClr val="000000"/>
               </a:solidFill>
               <a:uFill>
                 <a:solidFill>
-                  <a:srgbClr val="ffffff"/>
+                  <a:srgbClr val="FFFFFF"/>
                 </a:solidFill>
               </a:uFill>
               <a:latin typeface="BMW Group Condensed"/>
@@ -966,17 +1453,18 @@
           </a:prstGeom>
         </p:spPr>
         <p:txBody>
-          <a:bodyPr lIns="0" rIns="0" tIns="0" bIns="0">
+          <a:bodyPr lIns="0" tIns="0" rIns="0" bIns="0">
             <a:normAutofit/>
           </a:bodyPr>
+          <a:lstStyle/>
           <a:p>
-            <a:endParaRPr b="0" lang="de-DE" sz="2400" spc="-1" strike="noStrike">
+            <a:endParaRPr lang="de-DE" sz="2400" b="0" strike="noStrike" spc="-1">
               <a:solidFill>
                 <a:srgbClr val="000000"/>
               </a:solidFill>
               <a:uFill>
                 <a:solidFill>
-                  <a:srgbClr val="ffffff"/>
+                  <a:srgbClr val="FFFFFF"/>
                 </a:solidFill>
               </a:uFill>
               <a:latin typeface="BMW Group Condensed"/>
@@ -986,11 +1474,14 @@
       </p:sp>
     </p:spTree>
   </p:cSld>
+  <p:clrMapOvr>
+    <a:masterClrMapping/>
+  </p:clrMapOvr>
 </p:sldLayout>
 </file>
 
 <file path=ppt/slideLayouts/slideLayout5.xml><?xml version="1.0" encoding="utf-8"?>
-<p:sldLayout xmlns:a="http://schemas.openxmlformats.org/drawingml/2006/main" xmlns:p="http://schemas.openxmlformats.org/presentationml/2006/main" xmlns:r="http://schemas.openxmlformats.org/officeDocument/2006/relationships" xmlns:p14="http://schemas.microsoft.com/office/powerpoint/2010/main" xmlns:p15="http://schemas.microsoft.com/office/powerpoint/2012/main" xmlns:mc="http://schemas.openxmlformats.org/markup-compatibility/2006" type="titleOnly" preserve="1">
+<p:sldLayout xmlns:a="http://schemas.openxmlformats.org/drawingml/2006/main" xmlns:r="http://schemas.openxmlformats.org/officeDocument/2006/relationships" xmlns:p="http://schemas.openxmlformats.org/presentationml/2006/main" type="titleOnly" preserve="1">
   <p:cSld name="Title Only">
     <p:spTree>
       <p:nvGrpSpPr>
@@ -1026,15 +1517,16 @@
           </a:prstGeom>
         </p:spPr>
         <p:txBody>
-          <a:bodyPr lIns="0" rIns="0" tIns="0" bIns="0" anchor="ctr"/>
+          <a:bodyPr lIns="0" tIns="0" rIns="0" bIns="0" anchor="ctr"/>
+          <a:lstStyle/>
           <a:p>
-            <a:endParaRPr b="0" lang="de-DE" sz="1800" spc="-1" strike="noStrike">
+            <a:endParaRPr lang="de-DE" sz="1800" b="0" strike="noStrike" spc="-1">
               <a:solidFill>
                 <a:srgbClr val="000000"/>
               </a:solidFill>
               <a:uFill>
                 <a:solidFill>
-                  <a:srgbClr val="ffffff"/>
+                  <a:srgbClr val="FFFFFF"/>
                 </a:solidFill>
               </a:uFill>
               <a:latin typeface="BMW Group Condensed"/>
@@ -1044,11 +1536,14 @@
       </p:sp>
     </p:spTree>
   </p:cSld>
+  <p:clrMapOvr>
+    <a:masterClrMapping/>
+  </p:clrMapOvr>
 </p:sldLayout>
 </file>
 
 <file path=ppt/slideLayouts/slideLayout6.xml><?xml version="1.0" encoding="utf-8"?>
-<p:sldLayout xmlns:a="http://schemas.openxmlformats.org/drawingml/2006/main" xmlns:p="http://schemas.openxmlformats.org/presentationml/2006/main" xmlns:r="http://schemas.openxmlformats.org/officeDocument/2006/relationships" xmlns:p14="http://schemas.microsoft.com/office/powerpoint/2010/main" xmlns:p15="http://schemas.microsoft.com/office/powerpoint/2012/main" xmlns:mc="http://schemas.openxmlformats.org/markup-compatibility/2006" type="objOnly" preserve="1">
+<p:sldLayout xmlns:a="http://schemas.openxmlformats.org/drawingml/2006/main" xmlns:r="http://schemas.openxmlformats.org/officeDocument/2006/relationships" xmlns:p="http://schemas.openxmlformats.org/presentationml/2006/main" type="objOnly" preserve="1">
   <p:cSld name="Centered Text">
     <p:spTree>
       <p:nvGrpSpPr>
@@ -1084,16 +1579,17 @@
           </a:prstGeom>
         </p:spPr>
         <p:txBody>
-          <a:bodyPr lIns="0" rIns="0" tIns="0" bIns="0" anchor="ctr"/>
+          <a:bodyPr lIns="0" tIns="0" rIns="0" bIns="0" anchor="ctr"/>
+          <a:lstStyle/>
           <a:p>
             <a:pPr algn="ctr"/>
-            <a:endParaRPr b="0" lang="en-US" sz="3200" spc="-1" strike="noStrike">
+            <a:endParaRPr lang="en-US" sz="3200" b="0" strike="noStrike" spc="-1">
               <a:solidFill>
                 <a:srgbClr val="000000"/>
               </a:solidFill>
               <a:uFill>
                 <a:solidFill>
-                  <a:srgbClr val="ffffff"/>
+                  <a:srgbClr val="FFFFFF"/>
                 </a:solidFill>
               </a:uFill>
               <a:latin typeface="Arial"/>
@@ -1103,11 +1599,14 @@
       </p:sp>
     </p:spTree>
   </p:cSld>
+  <p:clrMapOvr>
+    <a:masterClrMapping/>
+  </p:clrMapOvr>
 </p:sldLayout>
 </file>
 
 <file path=ppt/slideLayouts/slideLayout7.xml><?xml version="1.0" encoding="utf-8"?>
-<p:sldLayout xmlns:a="http://schemas.openxmlformats.org/drawingml/2006/main" xmlns:p="http://schemas.openxmlformats.org/presentationml/2006/main" xmlns:r="http://schemas.openxmlformats.org/officeDocument/2006/relationships" xmlns:p14="http://schemas.microsoft.com/office/powerpoint/2010/main" xmlns:p15="http://schemas.microsoft.com/office/powerpoint/2012/main" xmlns:mc="http://schemas.openxmlformats.org/markup-compatibility/2006" type="twoObjAndObj" preserve="1">
+<p:sldLayout xmlns:a="http://schemas.openxmlformats.org/drawingml/2006/main" xmlns:r="http://schemas.openxmlformats.org/officeDocument/2006/relationships" xmlns:p="http://schemas.openxmlformats.org/presentationml/2006/main" type="twoObjAndObj" preserve="1">
   <p:cSld name="Title, 2 Content and Content">
     <p:spTree>
       <p:nvGrpSpPr>
@@ -1143,15 +1642,16 @@
           </a:prstGeom>
         </p:spPr>
         <p:txBody>
-          <a:bodyPr lIns="0" rIns="0" tIns="0" bIns="0" anchor="ctr"/>
+          <a:bodyPr lIns="0" tIns="0" rIns="0" bIns="0" anchor="ctr"/>
+          <a:lstStyle/>
           <a:p>
-            <a:endParaRPr b="0" lang="de-DE" sz="1800" spc="-1" strike="noStrike">
+            <a:endParaRPr lang="de-DE" sz="1800" b="0" strike="noStrike" spc="-1">
               <a:solidFill>
                 <a:srgbClr val="000000"/>
               </a:solidFill>
               <a:uFill>
                 <a:solidFill>
-                  <a:srgbClr val="ffffff"/>
+                  <a:srgbClr val="FFFFFF"/>
                 </a:solidFill>
               </a:uFill>
               <a:latin typeface="BMW Group Condensed"/>
@@ -1179,17 +1679,18 @@
           </a:prstGeom>
         </p:spPr>
         <p:txBody>
-          <a:bodyPr lIns="0" rIns="0" tIns="0" bIns="0">
+          <a:bodyPr lIns="0" tIns="0" rIns="0" bIns="0">
             <a:normAutofit/>
           </a:bodyPr>
+          <a:lstStyle/>
           <a:p>
-            <a:endParaRPr b="0" lang="de-DE" sz="2400" spc="-1" strike="noStrike">
+            <a:endParaRPr lang="de-DE" sz="2400" b="0" strike="noStrike" spc="-1">
               <a:solidFill>
                 <a:srgbClr val="000000"/>
               </a:solidFill>
               <a:uFill>
                 <a:solidFill>
-                  <a:srgbClr val="ffffff"/>
+                  <a:srgbClr val="FFFFFF"/>
                 </a:solidFill>
               </a:uFill>
               <a:latin typeface="BMW Group Condensed"/>
@@ -1217,17 +1718,18 @@
           </a:prstGeom>
         </p:spPr>
         <p:txBody>
-          <a:bodyPr lIns="0" rIns="0" tIns="0" bIns="0">
+          <a:bodyPr lIns="0" tIns="0" rIns="0" bIns="0">
             <a:normAutofit/>
           </a:bodyPr>
+          <a:lstStyle/>
           <a:p>
-            <a:endParaRPr b="0" lang="de-DE" sz="2400" spc="-1" strike="noStrike">
+            <a:endParaRPr lang="de-DE" sz="2400" b="0" strike="noStrike" spc="-1">
               <a:solidFill>
                 <a:srgbClr val="000000"/>
               </a:solidFill>
               <a:uFill>
                 <a:solidFill>
-                  <a:srgbClr val="ffffff"/>
+                  <a:srgbClr val="FFFFFF"/>
                 </a:solidFill>
               </a:uFill>
               <a:latin typeface="BMW Group Condensed"/>
@@ -1255,17 +1757,18 @@
           </a:prstGeom>
         </p:spPr>
         <p:txBody>
-          <a:bodyPr lIns="0" rIns="0" tIns="0" bIns="0">
+          <a:bodyPr lIns="0" tIns="0" rIns="0" bIns="0">
             <a:normAutofit/>
           </a:bodyPr>
+          <a:lstStyle/>
           <a:p>
-            <a:endParaRPr b="0" lang="de-DE" sz="2400" spc="-1" strike="noStrike">
+            <a:endParaRPr lang="de-DE" sz="2400" b="0" strike="noStrike" spc="-1">
               <a:solidFill>
                 <a:srgbClr val="000000"/>
               </a:solidFill>
               <a:uFill>
                 <a:solidFill>
-                  <a:srgbClr val="ffffff"/>
+                  <a:srgbClr val="FFFFFF"/>
                 </a:solidFill>
               </a:uFill>
               <a:latin typeface="BMW Group Condensed"/>
@@ -1275,11 +1778,14 @@
       </p:sp>
     </p:spTree>
   </p:cSld>
+  <p:clrMapOvr>
+    <a:masterClrMapping/>
+  </p:clrMapOvr>
 </p:sldLayout>
 </file>
 
 <file path=ppt/slideLayouts/slideLayout8.xml><?xml version="1.0" encoding="utf-8"?>
-<p:sldLayout xmlns:a="http://schemas.openxmlformats.org/drawingml/2006/main" xmlns:p="http://schemas.openxmlformats.org/presentationml/2006/main" xmlns:r="http://schemas.openxmlformats.org/officeDocument/2006/relationships" xmlns:p14="http://schemas.microsoft.com/office/powerpoint/2010/main" xmlns:p15="http://schemas.microsoft.com/office/powerpoint/2012/main" xmlns:mc="http://schemas.openxmlformats.org/markup-compatibility/2006" type="objAndTwoObj" preserve="1">
+<p:sldLayout xmlns:a="http://schemas.openxmlformats.org/drawingml/2006/main" xmlns:r="http://schemas.openxmlformats.org/officeDocument/2006/relationships" xmlns:p="http://schemas.openxmlformats.org/presentationml/2006/main" type="objAndTwoObj" preserve="1">
   <p:cSld name="Title Content and 2 Content">
     <p:spTree>
       <p:nvGrpSpPr>
@@ -1315,15 +1821,16 @@
           </a:prstGeom>
         </p:spPr>
         <p:txBody>
-          <a:bodyPr lIns="0" rIns="0" tIns="0" bIns="0" anchor="ctr"/>
+          <a:bodyPr lIns="0" tIns="0" rIns="0" bIns="0" anchor="ctr"/>
+          <a:lstStyle/>
           <a:p>
-            <a:endParaRPr b="0" lang="de-DE" sz="1800" spc="-1" strike="noStrike">
+            <a:endParaRPr lang="de-DE" sz="1800" b="0" strike="noStrike" spc="-1">
               <a:solidFill>
                 <a:srgbClr val="000000"/>
               </a:solidFill>
               <a:uFill>
                 <a:solidFill>
-                  <a:srgbClr val="ffffff"/>
+                  <a:srgbClr val="FFFFFF"/>
                 </a:solidFill>
               </a:uFill>
               <a:latin typeface="BMW Group Condensed"/>
@@ -1351,17 +1858,18 @@
           </a:prstGeom>
         </p:spPr>
         <p:txBody>
-          <a:bodyPr lIns="0" rIns="0" tIns="0" bIns="0">
+          <a:bodyPr lIns="0" tIns="0" rIns="0" bIns="0">
             <a:normAutofit/>
           </a:bodyPr>
+          <a:lstStyle/>
           <a:p>
-            <a:endParaRPr b="0" lang="de-DE" sz="2400" spc="-1" strike="noStrike">
+            <a:endParaRPr lang="de-DE" sz="2400" b="0" strike="noStrike" spc="-1">
               <a:solidFill>
                 <a:srgbClr val="000000"/>
               </a:solidFill>
               <a:uFill>
                 <a:solidFill>
-                  <a:srgbClr val="ffffff"/>
+                  <a:srgbClr val="FFFFFF"/>
                 </a:solidFill>
               </a:uFill>
               <a:latin typeface="BMW Group Condensed"/>
@@ -1389,17 +1897,18 @@
           </a:prstGeom>
         </p:spPr>
         <p:txBody>
-          <a:bodyPr lIns="0" rIns="0" tIns="0" bIns="0">
+          <a:bodyPr lIns="0" tIns="0" rIns="0" bIns="0">
             <a:normAutofit/>
           </a:bodyPr>
+          <a:lstStyle/>
           <a:p>
-            <a:endParaRPr b="0" lang="de-DE" sz="2400" spc="-1" strike="noStrike">
+            <a:endParaRPr lang="de-DE" sz="2400" b="0" strike="noStrike" spc="-1">
               <a:solidFill>
                 <a:srgbClr val="000000"/>
               </a:solidFill>
               <a:uFill>
                 <a:solidFill>
-                  <a:srgbClr val="ffffff"/>
+                  <a:srgbClr val="FFFFFF"/>
                 </a:solidFill>
               </a:uFill>
               <a:latin typeface="BMW Group Condensed"/>
@@ -1427,17 +1936,18 @@
           </a:prstGeom>
         </p:spPr>
         <p:txBody>
-          <a:bodyPr lIns="0" rIns="0" tIns="0" bIns="0">
+          <a:bodyPr lIns="0" tIns="0" rIns="0" bIns="0">
             <a:normAutofit/>
           </a:bodyPr>
+          <a:lstStyle/>
           <a:p>
-            <a:endParaRPr b="0" lang="de-DE" sz="2400" spc="-1" strike="noStrike">
+            <a:endParaRPr lang="de-DE" sz="2400" b="0" strike="noStrike" spc="-1">
               <a:solidFill>
                 <a:srgbClr val="000000"/>
               </a:solidFill>
               <a:uFill>
                 <a:solidFill>
-                  <a:srgbClr val="ffffff"/>
+                  <a:srgbClr val="FFFFFF"/>
                 </a:solidFill>
               </a:uFill>
               <a:latin typeface="BMW Group Condensed"/>
@@ -1447,11 +1957,14 @@
       </p:sp>
     </p:spTree>
   </p:cSld>
+  <p:clrMapOvr>
+    <a:masterClrMapping/>
+  </p:clrMapOvr>
 </p:sldLayout>
 </file>
 
 <file path=ppt/slideLayouts/slideLayout9.xml><?xml version="1.0" encoding="utf-8"?>
-<p:sldLayout xmlns:a="http://schemas.openxmlformats.org/drawingml/2006/main" xmlns:p="http://schemas.openxmlformats.org/presentationml/2006/main" xmlns:r="http://schemas.openxmlformats.org/officeDocument/2006/relationships" xmlns:p14="http://schemas.microsoft.com/office/powerpoint/2010/main" xmlns:p15="http://schemas.microsoft.com/office/powerpoint/2012/main" xmlns:mc="http://schemas.openxmlformats.org/markup-compatibility/2006" type="twoObjOverTx" preserve="1">
+<p:sldLayout xmlns:a="http://schemas.openxmlformats.org/drawingml/2006/main" xmlns:r="http://schemas.openxmlformats.org/officeDocument/2006/relationships" xmlns:p="http://schemas.openxmlformats.org/presentationml/2006/main" type="twoObjOverTx" preserve="1">
   <p:cSld name="Title, 2 Content over Content">
     <p:spTree>
       <p:nvGrpSpPr>
@@ -1487,15 +2000,16 @@
           </a:prstGeom>
         </p:spPr>
         <p:txBody>
-          <a:bodyPr lIns="0" rIns="0" tIns="0" bIns="0" anchor="ctr"/>
+          <a:bodyPr lIns="0" tIns="0" rIns="0" bIns="0" anchor="ctr"/>
+          <a:lstStyle/>
           <a:p>
-            <a:endParaRPr b="0" lang="de-DE" sz="1800" spc="-1" strike="noStrike">
+            <a:endParaRPr lang="de-DE" sz="1800" b="0" strike="noStrike" spc="-1">
               <a:solidFill>
                 <a:srgbClr val="000000"/>
               </a:solidFill>
               <a:uFill>
                 <a:solidFill>
-                  <a:srgbClr val="ffffff"/>
+                  <a:srgbClr val="FFFFFF"/>
                 </a:solidFill>
               </a:uFill>
               <a:latin typeface="BMW Group Condensed"/>
@@ -1523,17 +2037,18 @@
           </a:prstGeom>
         </p:spPr>
         <p:txBody>
-          <a:bodyPr lIns="0" rIns="0" tIns="0" bIns="0">
+          <a:bodyPr lIns="0" tIns="0" rIns="0" bIns="0">
             <a:normAutofit/>
           </a:bodyPr>
+          <a:lstStyle/>
           <a:p>
-            <a:endParaRPr b="0" lang="de-DE" sz="2400" spc="-1" strike="noStrike">
+            <a:endParaRPr lang="de-DE" sz="2400" b="0" strike="noStrike" spc="-1">
               <a:solidFill>
                 <a:srgbClr val="000000"/>
               </a:solidFill>
               <a:uFill>
                 <a:solidFill>
-                  <a:srgbClr val="ffffff"/>
+                  <a:srgbClr val="FFFFFF"/>
                 </a:solidFill>
               </a:uFill>
               <a:latin typeface="BMW Group Condensed"/>
@@ -1561,17 +2076,18 @@
           </a:prstGeom>
         </p:spPr>
         <p:txBody>
-          <a:bodyPr lIns="0" rIns="0" tIns="0" bIns="0">
+          <a:bodyPr lIns="0" tIns="0" rIns="0" bIns="0">
             <a:normAutofit/>
           </a:bodyPr>
+          <a:lstStyle/>
           <a:p>
-            <a:endParaRPr b="0" lang="de-DE" sz="2400" spc="-1" strike="noStrike">
+            <a:endParaRPr lang="de-DE" sz="2400" b="0" strike="noStrike" spc="-1">
               <a:solidFill>
                 <a:srgbClr val="000000"/>
               </a:solidFill>
               <a:uFill>
                 <a:solidFill>
-                  <a:srgbClr val="ffffff"/>
+                  <a:srgbClr val="FFFFFF"/>
                 </a:solidFill>
               </a:uFill>
               <a:latin typeface="BMW Group Condensed"/>
@@ -1599,17 +2115,18 @@
           </a:prstGeom>
         </p:spPr>
         <p:txBody>
-          <a:bodyPr lIns="0" rIns="0" tIns="0" bIns="0">
+          <a:bodyPr lIns="0" tIns="0" rIns="0" bIns="0">
             <a:normAutofit/>
           </a:bodyPr>
+          <a:lstStyle/>
           <a:p>
-            <a:endParaRPr b="0" lang="de-DE" sz="2400" spc="-1" strike="noStrike">
+            <a:endParaRPr lang="de-DE" sz="2400" b="0" strike="noStrike" spc="-1">
               <a:solidFill>
                 <a:srgbClr val="000000"/>
               </a:solidFill>
               <a:uFill>
                 <a:solidFill>
-                  <a:srgbClr val="ffffff"/>
+                  <a:srgbClr val="FFFFFF"/>
                 </a:solidFill>
               </a:uFill>
               <a:latin typeface="BMW Group Condensed"/>
@@ -1619,17 +2136,21 @@
       </p:sp>
     </p:spTree>
   </p:cSld>
+  <p:clrMapOvr>
+    <a:masterClrMapping/>
+  </p:clrMapOvr>
 </p:sldLayout>
 </file>
 
 <file path=ppt/slideMasters/slideMaster1.xml><?xml version="1.0" encoding="utf-8"?>
-<p:sldMaster xmlns:a="http://schemas.openxmlformats.org/drawingml/2006/main" xmlns:p="http://schemas.openxmlformats.org/presentationml/2006/main" xmlns:r="http://schemas.openxmlformats.org/officeDocument/2006/relationships" xmlns:p14="http://schemas.microsoft.com/office/powerpoint/2010/main" xmlns:p15="http://schemas.microsoft.com/office/powerpoint/2012/main" xmlns:mc="http://schemas.openxmlformats.org/markup-compatibility/2006">
+<p:sldMaster xmlns:a="http://schemas.openxmlformats.org/drawingml/2006/main" xmlns:r="http://schemas.openxmlformats.org/officeDocument/2006/relationships" xmlns:p="http://schemas.openxmlformats.org/presentationml/2006/main">
   <p:cSld>
     <p:bg>
       <p:bgPr>
         <a:solidFill>
-          <a:srgbClr val="ffffff"/>
+          <a:srgbClr val="FFFFFF"/>
         </a:solidFill>
+        <a:effectLst/>
       </p:bgPr>
     </p:bg>
     <p:spTree>
@@ -1648,7 +2169,7 @@
       </p:grpSpPr>
       <p:sp>
         <p:nvSpPr>
-          <p:cNvPr id="0" name="PlaceHolder 1"/>
+          <p:cNvPr id="4" name="PlaceHolder 1"/>
           <p:cNvSpPr>
             <a:spLocks noGrp="1"/>
           </p:cNvSpPr>
@@ -1666,7 +2187,8 @@
           </a:prstGeom>
         </p:spPr>
         <p:txBody>
-          <a:bodyPr lIns="0" rIns="0" tIns="0" bIns="0" anchor="ctr"/>
+          <a:bodyPr lIns="0" tIns="0" rIns="0" bIns="0" anchor="ctr"/>
+          <a:lstStyle/>
           <a:p>
             <a:pPr>
               <a:lnSpc>
@@ -1674,26 +2196,26 @@
               </a:lnSpc>
             </a:pPr>
             <a:r>
-              <a:rPr b="0" lang="en-US" sz="900" spc="-1" strike="noStrike">
+              <a:rPr lang="en-US" sz="900" b="0" strike="noStrike" spc="-1">
                 <a:solidFill>
                   <a:srgbClr val="000000"/>
                 </a:solidFill>
                 <a:uFill>
                   <a:solidFill>
-                    <a:srgbClr val="ffffff"/>
+                    <a:srgbClr val="FFFFFF"/>
                   </a:solidFill>
                 </a:uFill>
                 <a:latin typeface="BMW Group Condensed"/>
               </a:rPr>
               <a:t>28.08.2015</a:t>
             </a:r>
-            <a:endParaRPr b="0" lang="en-US" sz="900" spc="-1" strike="noStrike">
+            <a:endParaRPr lang="en-US" sz="900" b="0" strike="noStrike" spc="-1">
               <a:solidFill>
                 <a:srgbClr val="000000"/>
               </a:solidFill>
               <a:uFill>
                 <a:solidFill>
-                  <a:srgbClr val="ffffff"/>
+                  <a:srgbClr val="FFFFFF"/>
                 </a:solidFill>
               </a:uFill>
               <a:latin typeface="Times New Roman"/>
@@ -1703,7 +2225,7 @@
       </p:sp>
       <p:sp>
         <p:nvSpPr>
-          <p:cNvPr id="1" name="PlaceHolder 2"/>
+          <p:cNvPr id="5" name="PlaceHolder 2"/>
           <p:cNvSpPr>
             <a:spLocks noGrp="1"/>
           </p:cNvSpPr>
@@ -1721,7 +2243,8 @@
           </a:prstGeom>
         </p:spPr>
         <p:txBody>
-          <a:bodyPr lIns="0" rIns="0" tIns="0" bIns="0" anchor="ctr"/>
+          <a:bodyPr lIns="0" tIns="0" rIns="0" bIns="0" anchor="ctr"/>
+          <a:lstStyle/>
           <a:p>
             <a:pPr algn="r">
               <a:lnSpc>
@@ -1729,13 +2252,13 @@
               </a:lnSpc>
             </a:pPr>
             <a:r>
-              <a:rPr b="0" lang="en-US" sz="900" spc="-1" strike="noStrike">
+              <a:rPr lang="en-US" sz="900" b="0" strike="noStrike" spc="-1">
                 <a:solidFill>
                   <a:srgbClr val="000000"/>
                 </a:solidFill>
                 <a:uFill>
                   <a:solidFill>
-                    <a:srgbClr val="ffffff"/>
+                    <a:srgbClr val="FFFFFF"/>
                   </a:solidFill>
                 </a:uFill>
                 <a:latin typeface="BMW Group Condensed"/>
@@ -1743,26 +2266,26 @@
               <a:t>Seite </a:t>
             </a:r>
             <a:fld id="{B182575F-F6AE-4F6E-A88C-ABFE4CD9AA6E}" type="slidenum">
-              <a:rPr b="0" lang="en-US" sz="900" spc="-1" strike="noStrike">
+              <a:rPr lang="en-US" sz="900" b="0" strike="noStrike" spc="-1">
                 <a:solidFill>
                   <a:srgbClr val="000000"/>
                 </a:solidFill>
                 <a:uFill>
                   <a:solidFill>
-                    <a:srgbClr val="ffffff"/>
+                    <a:srgbClr val="FFFFFF"/>
                   </a:solidFill>
                 </a:uFill>
                 <a:latin typeface="BMW Group Condensed"/>
               </a:rPr>
-              <a:t>&lt;number&gt;</a:t>
+              <a:t>‹Nr.›</a:t>
             </a:fld>
-            <a:endParaRPr b="0" lang="en-US" sz="900" spc="-1" strike="noStrike">
+            <a:endParaRPr lang="en-US" sz="900" b="0" strike="noStrike" spc="-1">
               <a:solidFill>
                 <a:srgbClr val="000000"/>
               </a:solidFill>
               <a:uFill>
                 <a:solidFill>
-                  <a:srgbClr val="ffffff"/>
+                  <a:srgbClr val="FFFFFF"/>
                 </a:solidFill>
               </a:uFill>
               <a:latin typeface="Times New Roman"/>
@@ -1790,7 +2313,8 @@
           </a:prstGeom>
         </p:spPr>
         <p:txBody>
-          <a:bodyPr lIns="0" rIns="0" tIns="0" bIns="0"/>
+          <a:bodyPr lIns="0" tIns="0" rIns="0" bIns="0"/>
+          <a:lstStyle/>
           <a:p>
             <a:pPr>
               <a:lnSpc>
@@ -1801,13 +2325,13 @@
               </a:spcAft>
             </a:pPr>
             <a:r>
-              <a:rPr b="0" lang="de-DE" sz="2000" spc="-1" strike="noStrike">
+              <a:rPr lang="de-DE" sz="2000" b="0" strike="noStrike" spc="-1">
                 <a:solidFill>
                   <a:srgbClr val="000000"/>
                 </a:solidFill>
                 <a:uFill>
                   <a:solidFill>
-                    <a:srgbClr val="ffffff"/>
+                    <a:srgbClr val="FFFFFF"/>
                   </a:solidFill>
                 </a:uFill>
                 <a:latin typeface="BMW Group Condensed"/>
@@ -1815,20 +2339,20 @@
               </a:rPr>
               <a:t>Kleinen Fließtext durch Klicken bearbeiten</a:t>
             </a:r>
-            <a:endParaRPr b="0" lang="de-DE" sz="2000" spc="-1" strike="noStrike">
+            <a:endParaRPr lang="de-DE" sz="2000" b="0" strike="noStrike" spc="-1">
               <a:solidFill>
                 <a:srgbClr val="000000"/>
               </a:solidFill>
               <a:uFill>
                 <a:solidFill>
-                  <a:srgbClr val="ffffff"/>
+                  <a:srgbClr val="FFFFFF"/>
                 </a:solidFill>
               </a:uFill>
               <a:latin typeface="BMW Group Condensed"/>
             </a:endParaRPr>
           </a:p>
           <a:p>
-            <a:pPr lvl="1" marL="200160" indent="-199800">
+            <a:pPr marL="200160" lvl="1" indent="-199800">
               <a:lnSpc>
                 <a:spcPct val="100000"/>
               </a:lnSpc>
@@ -1842,13 +2366,13 @@
               <a:buChar char="-"/>
             </a:pPr>
             <a:r>
-              <a:rPr b="0" lang="de-DE" sz="2000" spc="-1" strike="noStrike">
+              <a:rPr lang="de-DE" sz="2000" b="0" strike="noStrike" spc="-1">
                 <a:solidFill>
                   <a:srgbClr val="000000"/>
                 </a:solidFill>
                 <a:uFill>
                   <a:solidFill>
-                    <a:srgbClr val="ffffff"/>
+                    <a:srgbClr val="FFFFFF"/>
                   </a:solidFill>
                 </a:uFill>
                 <a:latin typeface="BMW Group Condensed"/>
@@ -1856,20 +2380,20 @@
               </a:rPr>
               <a:t>Zweite Ebene</a:t>
             </a:r>
-            <a:endParaRPr b="0" lang="de-DE" sz="2000" spc="-1" strike="noStrike">
+            <a:endParaRPr lang="de-DE" sz="2000" b="0" strike="noStrike" spc="-1">
               <a:solidFill>
                 <a:srgbClr val="000000"/>
               </a:solidFill>
               <a:uFill>
                 <a:solidFill>
-                  <a:srgbClr val="ffffff"/>
+                  <a:srgbClr val="FFFFFF"/>
                 </a:solidFill>
               </a:uFill>
               <a:latin typeface="BMW Group Condensed"/>
             </a:endParaRPr>
           </a:p>
           <a:p>
-            <a:pPr lvl="2" marL="452520" indent="-185400">
+            <a:pPr marL="452520" lvl="2" indent="-185400">
               <a:lnSpc>
                 <a:spcPct val="100000"/>
               </a:lnSpc>
@@ -1883,13 +2407,13 @@
               <a:buChar char="-"/>
             </a:pPr>
             <a:r>
-              <a:rPr b="0" lang="de-DE" sz="2000" spc="-1" strike="noStrike">
+              <a:rPr lang="de-DE" sz="2000" b="0" strike="noStrike" spc="-1">
                 <a:solidFill>
                   <a:srgbClr val="000000"/>
                 </a:solidFill>
                 <a:uFill>
                   <a:solidFill>
-                    <a:srgbClr val="ffffff"/>
+                    <a:srgbClr val="FFFFFF"/>
                   </a:solidFill>
                 </a:uFill>
                 <a:latin typeface="BMW Group Condensed"/>
@@ -1897,20 +2421,20 @@
               </a:rPr>
               <a:t>Dritte Ebene</a:t>
             </a:r>
-            <a:endParaRPr b="0" lang="de-DE" sz="2000" spc="-1" strike="noStrike">
+            <a:endParaRPr lang="de-DE" sz="2000" b="0" strike="noStrike" spc="-1">
               <a:solidFill>
                 <a:srgbClr val="000000"/>
               </a:solidFill>
               <a:uFill>
                 <a:solidFill>
-                  <a:srgbClr val="ffffff"/>
+                  <a:srgbClr val="FFFFFF"/>
                 </a:solidFill>
               </a:uFill>
               <a:latin typeface="BMW Group Condensed"/>
             </a:endParaRPr>
           </a:p>
           <a:p>
-            <a:pPr lvl="3" marL="719280" indent="-183960">
+            <a:pPr marL="719280" lvl="3" indent="-183960">
               <a:lnSpc>
                 <a:spcPct val="100000"/>
               </a:lnSpc>
@@ -1924,13 +2448,13 @@
               <a:buChar char="-"/>
             </a:pPr>
             <a:r>
-              <a:rPr b="0" lang="de-DE" sz="2000" spc="-1" strike="noStrike">
+              <a:rPr lang="de-DE" sz="2000" b="0" strike="noStrike" spc="-1">
                 <a:solidFill>
                   <a:srgbClr val="000000"/>
                 </a:solidFill>
                 <a:uFill>
                   <a:solidFill>
-                    <a:srgbClr val="ffffff"/>
+                    <a:srgbClr val="FFFFFF"/>
                   </a:solidFill>
                 </a:uFill>
                 <a:latin typeface="BMW Group Condensed"/>
@@ -1938,20 +2462,20 @@
               </a:rPr>
               <a:t>Vierte Ebene</a:t>
             </a:r>
-            <a:endParaRPr b="0" lang="de-DE" sz="2000" spc="-1" strike="noStrike">
+            <a:endParaRPr lang="de-DE" sz="2000" b="0" strike="noStrike" spc="-1">
               <a:solidFill>
                 <a:srgbClr val="000000"/>
               </a:solidFill>
               <a:uFill>
                 <a:solidFill>
-                  <a:srgbClr val="ffffff"/>
+                  <a:srgbClr val="FFFFFF"/>
                 </a:solidFill>
               </a:uFill>
               <a:latin typeface="BMW Group Condensed"/>
             </a:endParaRPr>
           </a:p>
           <a:p>
-            <a:pPr lvl="4" marL="985680" indent="-183960">
+            <a:pPr marL="985680" lvl="4" indent="-183960">
               <a:lnSpc>
                 <a:spcPct val="100000"/>
               </a:lnSpc>
@@ -1965,13 +2489,13 @@
               <a:buChar char="-"/>
             </a:pPr>
             <a:r>
-              <a:rPr b="0" lang="de-DE" sz="2000" spc="-1" strike="noStrike">
+              <a:rPr lang="de-DE" sz="2000" b="0" strike="noStrike" spc="-1">
                 <a:solidFill>
                   <a:srgbClr val="000000"/>
                 </a:solidFill>
                 <a:uFill>
                   <a:solidFill>
-                    <a:srgbClr val="ffffff"/>
+                    <a:srgbClr val="FFFFFF"/>
                   </a:solidFill>
                 </a:uFill>
                 <a:latin typeface="BMW Group Condensed"/>
@@ -1979,13 +2503,13 @@
               </a:rPr>
               <a:t>Fünfte Ebene</a:t>
             </a:r>
-            <a:endParaRPr b="0" lang="de-DE" sz="2000" spc="-1" strike="noStrike">
+            <a:endParaRPr lang="de-DE" sz="2000" b="0" strike="noStrike" spc="-1">
               <a:solidFill>
                 <a:srgbClr val="000000"/>
               </a:solidFill>
               <a:uFill>
                 <a:solidFill>
-                  <a:srgbClr val="ffffff"/>
+                  <a:srgbClr val="FFFFFF"/>
                 </a:solidFill>
               </a:uFill>
               <a:latin typeface="BMW Group Condensed"/>
@@ -2013,7 +2537,8 @@
           </a:prstGeom>
         </p:spPr>
         <p:txBody>
-          <a:bodyPr lIns="0" rIns="0" tIns="0" bIns="0"/>
+          <a:bodyPr lIns="0" tIns="0" rIns="0" bIns="0"/>
+          <a:lstStyle/>
           <a:p>
             <a:pPr>
               <a:lnSpc>
@@ -2021,41 +2546,44 @@
               </a:lnSpc>
             </a:pPr>
             <a:r>
-              <a:rPr b="1" lang="de-DE" sz="2800" spc="-1" strike="noStrike" cap="all">
+              <a:rPr lang="de-DE" sz="2800" b="1" strike="noStrike" cap="all" spc="-1">
                 <a:solidFill>
-                  <a:srgbClr val="5678a9"/>
+                  <a:srgbClr val="5678A9"/>
                 </a:solidFill>
                 <a:uFill>
                   <a:solidFill>
-                    <a:srgbClr val="ffffff"/>
+                    <a:srgbClr val="FFFFFF"/>
                   </a:solidFill>
                 </a:uFill>
                 <a:latin typeface="BMW Group Condensed"/>
               </a:rPr>
               <a:t>HEADLINE DURCH KLICKEN </a:t>
             </a:r>
+            <a:r>
+              <a:t/>
+            </a:r>
             <a:br/>
             <a:r>
-              <a:rPr b="1" lang="de-DE" sz="2800" spc="-1" strike="noStrike" cap="all">
+              <a:rPr lang="de-DE" sz="2800" b="1" strike="noStrike" cap="all" spc="-1">
                 <a:solidFill>
-                  <a:srgbClr val="5678a9"/>
+                  <a:srgbClr val="5678A9"/>
                 </a:solidFill>
                 <a:uFill>
                   <a:solidFill>
-                    <a:srgbClr val="ffffff"/>
+                    <a:srgbClr val="FFFFFF"/>
                   </a:solidFill>
                 </a:uFill>
                 <a:latin typeface="BMW Group Condensed"/>
               </a:rPr>
               <a:t>BEARBEITEN</a:t>
             </a:r>
-            <a:endParaRPr b="0" lang="de-DE" sz="2800" spc="-1" strike="noStrike">
+            <a:endParaRPr lang="de-DE" sz="2800" b="0" strike="noStrike" spc="-1">
               <a:solidFill>
                 <a:srgbClr val="000000"/>
               </a:solidFill>
               <a:uFill>
                 <a:solidFill>
-                  <a:srgbClr val="ffffff"/>
+                  <a:srgbClr val="FFFFFF"/>
                 </a:solidFill>
               </a:uFill>
               <a:latin typeface="BMW Group Condensed"/>
@@ -2065,26 +2593,306 @@
       </p:sp>
     </p:spTree>
   </p:cSld>
-  <p:clrMap bg1="lt1" bg2="lt2" tx1="dk1" tx2="dk2" accent1="accent1" accent2="accent2" accent3="accent3" accent4="accent4" accent5="accent5" accent6="accent6" hlink="hlink" folHlink="folHlink"/>
+  <p:clrMap bg1="lt1" tx1="dk1" bg2="lt2" tx2="dk2" accent1="accent1" accent2="accent2" accent3="accent3" accent4="accent4" accent5="accent5" accent6="accent6" hlink="hlink" folHlink="folHlink"/>
   <p:sldLayoutIdLst>
-    <p:sldLayoutId id="2147483649" r:id="rId2"/>
-    <p:sldLayoutId id="2147483650" r:id="rId3"/>
-    <p:sldLayoutId id="2147483651" r:id="rId4"/>
-    <p:sldLayoutId id="2147483652" r:id="rId5"/>
-    <p:sldLayoutId id="2147483653" r:id="rId6"/>
-    <p:sldLayoutId id="2147483654" r:id="rId7"/>
-    <p:sldLayoutId id="2147483655" r:id="rId8"/>
-    <p:sldLayoutId id="2147483656" r:id="rId9"/>
-    <p:sldLayoutId id="2147483657" r:id="rId10"/>
-    <p:sldLayoutId id="2147483658" r:id="rId11"/>
-    <p:sldLayoutId id="2147483659" r:id="rId12"/>
-    <p:sldLayoutId id="2147483660" r:id="rId13"/>
+    <p:sldLayoutId id="2147483649" r:id="rId1"/>
+    <p:sldLayoutId id="2147483650" r:id="rId2"/>
+    <p:sldLayoutId id="2147483651" r:id="rId3"/>
+    <p:sldLayoutId id="2147483652" r:id="rId4"/>
+    <p:sldLayoutId id="2147483653" r:id="rId5"/>
+    <p:sldLayoutId id="2147483654" r:id="rId6"/>
+    <p:sldLayoutId id="2147483655" r:id="rId7"/>
+    <p:sldLayoutId id="2147483656" r:id="rId8"/>
+    <p:sldLayoutId id="2147483657" r:id="rId9"/>
+    <p:sldLayoutId id="2147483658" r:id="rId10"/>
+    <p:sldLayoutId id="2147483659" r:id="rId11"/>
+    <p:sldLayoutId id="2147483660" r:id="rId12"/>
   </p:sldLayoutIdLst>
+  <p:txStyles>
+    <p:titleStyle>
+      <a:lvl1pPr algn="l" defTabSz="914400" rtl="0" eaLnBrk="1" latinLnBrk="0" hangingPunct="1">
+        <a:lnSpc>
+          <a:spcPct val="90000"/>
+        </a:lnSpc>
+        <a:spcBef>
+          <a:spcPct val="0"/>
+        </a:spcBef>
+        <a:buNone/>
+        <a:defRPr sz="4400" kern="1200">
+          <a:solidFill>
+            <a:schemeClr val="tx1"/>
+          </a:solidFill>
+          <a:latin typeface="+mj-lt"/>
+          <a:ea typeface="+mj-ea"/>
+          <a:cs typeface="+mj-cs"/>
+        </a:defRPr>
+      </a:lvl1pPr>
+    </p:titleStyle>
+    <p:bodyStyle>
+      <a:lvl1pPr marL="228600" indent="-228600" algn="l" defTabSz="914400" rtl="0" eaLnBrk="1" latinLnBrk="0" hangingPunct="1">
+        <a:lnSpc>
+          <a:spcPct val="90000"/>
+        </a:lnSpc>
+        <a:spcBef>
+          <a:spcPts val="1000"/>
+        </a:spcBef>
+        <a:buFont typeface="Arial"/>
+        <a:buChar char="•"/>
+        <a:defRPr sz="2800" kern="1200">
+          <a:solidFill>
+            <a:schemeClr val="tx1"/>
+          </a:solidFill>
+          <a:latin typeface="+mn-lt"/>
+          <a:ea typeface="+mn-ea"/>
+          <a:cs typeface="+mn-cs"/>
+        </a:defRPr>
+      </a:lvl1pPr>
+      <a:lvl2pPr marL="685800" indent="-228600" algn="l" defTabSz="914400" rtl="0" eaLnBrk="1" latinLnBrk="0" hangingPunct="1">
+        <a:lnSpc>
+          <a:spcPct val="90000"/>
+        </a:lnSpc>
+        <a:spcBef>
+          <a:spcPts val="500"/>
+        </a:spcBef>
+        <a:buFont typeface="Arial"/>
+        <a:buChar char="•"/>
+        <a:defRPr sz="2400" kern="1200">
+          <a:solidFill>
+            <a:schemeClr val="tx1"/>
+          </a:solidFill>
+          <a:latin typeface="+mn-lt"/>
+          <a:ea typeface="+mn-ea"/>
+          <a:cs typeface="+mn-cs"/>
+        </a:defRPr>
+      </a:lvl2pPr>
+      <a:lvl3pPr marL="1143000" indent="-228600" algn="l" defTabSz="914400" rtl="0" eaLnBrk="1" latinLnBrk="0" hangingPunct="1">
+        <a:lnSpc>
+          <a:spcPct val="90000"/>
+        </a:lnSpc>
+        <a:spcBef>
+          <a:spcPts val="500"/>
+        </a:spcBef>
+        <a:buFont typeface="Arial"/>
+        <a:buChar char="•"/>
+        <a:defRPr sz="2000" kern="1200">
+          <a:solidFill>
+            <a:schemeClr val="tx1"/>
+          </a:solidFill>
+          <a:latin typeface="+mn-lt"/>
+          <a:ea typeface="+mn-ea"/>
+          <a:cs typeface="+mn-cs"/>
+        </a:defRPr>
+      </a:lvl3pPr>
+      <a:lvl4pPr marL="1600200" indent="-228600" algn="l" defTabSz="914400" rtl="0" eaLnBrk="1" latinLnBrk="0" hangingPunct="1">
+        <a:lnSpc>
+          <a:spcPct val="90000"/>
+        </a:lnSpc>
+        <a:spcBef>
+          <a:spcPts val="500"/>
+        </a:spcBef>
+        <a:buFont typeface="Arial"/>
+        <a:buChar char="•"/>
+        <a:defRPr sz="1800" kern="1200">
+          <a:solidFill>
+            <a:schemeClr val="tx1"/>
+          </a:solidFill>
+          <a:latin typeface="+mn-lt"/>
+          <a:ea typeface="+mn-ea"/>
+          <a:cs typeface="+mn-cs"/>
+        </a:defRPr>
+      </a:lvl4pPr>
+      <a:lvl5pPr marL="2057400" indent="-228600" algn="l" defTabSz="914400" rtl="0" eaLnBrk="1" latinLnBrk="0" hangingPunct="1">
+        <a:lnSpc>
+          <a:spcPct val="90000"/>
+        </a:lnSpc>
+        <a:spcBef>
+          <a:spcPts val="500"/>
+        </a:spcBef>
+        <a:buFont typeface="Arial"/>
+        <a:buChar char="•"/>
+        <a:defRPr sz="1800" kern="1200">
+          <a:solidFill>
+            <a:schemeClr val="tx1"/>
+          </a:solidFill>
+          <a:latin typeface="+mn-lt"/>
+          <a:ea typeface="+mn-ea"/>
+          <a:cs typeface="+mn-cs"/>
+        </a:defRPr>
+      </a:lvl5pPr>
+      <a:lvl6pPr marL="2514600" indent="-228600" algn="l" defTabSz="914400" rtl="0" eaLnBrk="1" latinLnBrk="0" hangingPunct="1">
+        <a:lnSpc>
+          <a:spcPct val="90000"/>
+        </a:lnSpc>
+        <a:spcBef>
+          <a:spcPts val="500"/>
+        </a:spcBef>
+        <a:buFont typeface="Arial"/>
+        <a:buChar char="•"/>
+        <a:defRPr sz="1800" kern="1200">
+          <a:solidFill>
+            <a:schemeClr val="tx1"/>
+          </a:solidFill>
+          <a:latin typeface="+mn-lt"/>
+          <a:ea typeface="+mn-ea"/>
+          <a:cs typeface="+mn-cs"/>
+        </a:defRPr>
+      </a:lvl6pPr>
+      <a:lvl7pPr marL="2971800" indent="-228600" algn="l" defTabSz="914400" rtl="0" eaLnBrk="1" latinLnBrk="0" hangingPunct="1">
+        <a:lnSpc>
+          <a:spcPct val="90000"/>
+        </a:lnSpc>
+        <a:spcBef>
+          <a:spcPts val="500"/>
+        </a:spcBef>
+        <a:buFont typeface="Arial"/>
+        <a:buChar char="•"/>
+        <a:defRPr sz="1800" kern="1200">
+          <a:solidFill>
+            <a:schemeClr val="tx1"/>
+          </a:solidFill>
+          <a:latin typeface="+mn-lt"/>
+          <a:ea typeface="+mn-ea"/>
+          <a:cs typeface="+mn-cs"/>
+        </a:defRPr>
+      </a:lvl7pPr>
+      <a:lvl8pPr marL="3429000" indent="-228600" algn="l" defTabSz="914400" rtl="0" eaLnBrk="1" latinLnBrk="0" hangingPunct="1">
+        <a:lnSpc>
+          <a:spcPct val="90000"/>
+        </a:lnSpc>
+        <a:spcBef>
+          <a:spcPts val="500"/>
+        </a:spcBef>
+        <a:buFont typeface="Arial"/>
+        <a:buChar char="•"/>
+        <a:defRPr sz="1800" kern="1200">
+          <a:solidFill>
+            <a:schemeClr val="tx1"/>
+          </a:solidFill>
+          <a:latin typeface="+mn-lt"/>
+          <a:ea typeface="+mn-ea"/>
+          <a:cs typeface="+mn-cs"/>
+        </a:defRPr>
+      </a:lvl8pPr>
+      <a:lvl9pPr marL="3886200" indent="-228600" algn="l" defTabSz="914400" rtl="0" eaLnBrk="1" latinLnBrk="0" hangingPunct="1">
+        <a:lnSpc>
+          <a:spcPct val="90000"/>
+        </a:lnSpc>
+        <a:spcBef>
+          <a:spcPts val="500"/>
+        </a:spcBef>
+        <a:buFont typeface="Arial"/>
+        <a:buChar char="•"/>
+        <a:defRPr sz="1800" kern="1200">
+          <a:solidFill>
+            <a:schemeClr val="tx1"/>
+          </a:solidFill>
+          <a:latin typeface="+mn-lt"/>
+          <a:ea typeface="+mn-ea"/>
+          <a:cs typeface="+mn-cs"/>
+        </a:defRPr>
+      </a:lvl9pPr>
+    </p:bodyStyle>
+    <p:otherStyle>
+      <a:defPPr>
+        <a:defRPr lang="de-DE"/>
+      </a:defPPr>
+      <a:lvl1pPr marL="0" algn="l" defTabSz="914400" rtl="0" eaLnBrk="1" latinLnBrk="0" hangingPunct="1">
+        <a:defRPr sz="1800" kern="1200">
+          <a:solidFill>
+            <a:schemeClr val="tx1"/>
+          </a:solidFill>
+          <a:latin typeface="+mn-lt"/>
+          <a:ea typeface="+mn-ea"/>
+          <a:cs typeface="+mn-cs"/>
+        </a:defRPr>
+      </a:lvl1pPr>
+      <a:lvl2pPr marL="457200" algn="l" defTabSz="914400" rtl="0" eaLnBrk="1" latinLnBrk="0" hangingPunct="1">
+        <a:defRPr sz="1800" kern="1200">
+          <a:solidFill>
+            <a:schemeClr val="tx1"/>
+          </a:solidFill>
+          <a:latin typeface="+mn-lt"/>
+          <a:ea typeface="+mn-ea"/>
+          <a:cs typeface="+mn-cs"/>
+        </a:defRPr>
+      </a:lvl2pPr>
+      <a:lvl3pPr marL="914400" algn="l" defTabSz="914400" rtl="0" eaLnBrk="1" latinLnBrk="0" hangingPunct="1">
+        <a:defRPr sz="1800" kern="1200">
+          <a:solidFill>
+            <a:schemeClr val="tx1"/>
+          </a:solidFill>
+          <a:latin typeface="+mn-lt"/>
+          <a:ea typeface="+mn-ea"/>
+          <a:cs typeface="+mn-cs"/>
+        </a:defRPr>
+      </a:lvl3pPr>
+      <a:lvl4pPr marL="1371600" algn="l" defTabSz="914400" rtl="0" eaLnBrk="1" latinLnBrk="0" hangingPunct="1">
+        <a:defRPr sz="1800" kern="1200">
+          <a:solidFill>
+            <a:schemeClr val="tx1"/>
+          </a:solidFill>
+          <a:latin typeface="+mn-lt"/>
+          <a:ea typeface="+mn-ea"/>
+          <a:cs typeface="+mn-cs"/>
+        </a:defRPr>
+      </a:lvl4pPr>
+      <a:lvl5pPr marL="1828800" algn="l" defTabSz="914400" rtl="0" eaLnBrk="1" latinLnBrk="0" hangingPunct="1">
+        <a:defRPr sz="1800" kern="1200">
+          <a:solidFill>
+            <a:schemeClr val="tx1"/>
+          </a:solidFill>
+          <a:latin typeface="+mn-lt"/>
+          <a:ea typeface="+mn-ea"/>
+          <a:cs typeface="+mn-cs"/>
+        </a:defRPr>
+      </a:lvl5pPr>
+      <a:lvl6pPr marL="2286000" algn="l" defTabSz="914400" rtl="0" eaLnBrk="1" latinLnBrk="0" hangingPunct="1">
+        <a:defRPr sz="1800" kern="1200">
+          <a:solidFill>
+            <a:schemeClr val="tx1"/>
+          </a:solidFill>
+          <a:latin typeface="+mn-lt"/>
+          <a:ea typeface="+mn-ea"/>
+          <a:cs typeface="+mn-cs"/>
+        </a:defRPr>
+      </a:lvl6pPr>
+      <a:lvl7pPr marL="2743200" algn="l" defTabSz="914400" rtl="0" eaLnBrk="1" latinLnBrk="0" hangingPunct="1">
+        <a:defRPr sz="1800" kern="1200">
+          <a:solidFill>
+            <a:schemeClr val="tx1"/>
+          </a:solidFill>
+          <a:latin typeface="+mn-lt"/>
+          <a:ea typeface="+mn-ea"/>
+          <a:cs typeface="+mn-cs"/>
+        </a:defRPr>
+      </a:lvl7pPr>
+      <a:lvl8pPr marL="3200400" algn="l" defTabSz="914400" rtl="0" eaLnBrk="1" latinLnBrk="0" hangingPunct="1">
+        <a:defRPr sz="1800" kern="1200">
+          <a:solidFill>
+            <a:schemeClr val="tx1"/>
+          </a:solidFill>
+          <a:latin typeface="+mn-lt"/>
+          <a:ea typeface="+mn-ea"/>
+          <a:cs typeface="+mn-cs"/>
+        </a:defRPr>
+      </a:lvl8pPr>
+      <a:lvl9pPr marL="3657600" algn="l" defTabSz="914400" rtl="0" eaLnBrk="1" latinLnBrk="0" hangingPunct="1">
+        <a:defRPr sz="1800" kern="1200">
+          <a:solidFill>
+            <a:schemeClr val="tx1"/>
+          </a:solidFill>
+          <a:latin typeface="+mn-lt"/>
+          <a:ea typeface="+mn-ea"/>
+          <a:cs typeface="+mn-cs"/>
+        </a:defRPr>
+      </a:lvl9pPr>
+    </p:otherStyle>
+  </p:txStyles>
 </p:sldMaster>
 </file>
 
 <file path=ppt/slides/slide1.xml><?xml version="1.0" encoding="utf-8"?>
-<p:sld xmlns:a="http://schemas.openxmlformats.org/drawingml/2006/main" xmlns:p="http://schemas.openxmlformats.org/presentationml/2006/main" xmlns:r="http://schemas.openxmlformats.org/officeDocument/2006/relationships" xmlns:p14="http://schemas.microsoft.com/office/powerpoint/2010/main" xmlns:p15="http://schemas.microsoft.com/office/powerpoint/2012/main" xmlns:mc="http://schemas.openxmlformats.org/markup-compatibility/2006">
+<p:sld xmlns:a="http://schemas.openxmlformats.org/drawingml/2006/main" xmlns:r="http://schemas.openxmlformats.org/officeDocument/2006/relationships" xmlns:p="http://schemas.openxmlformats.org/presentationml/2006/main">
   <p:cSld>
     <p:spTree>
       <p:nvGrpSpPr>
@@ -2117,23 +2925,30 @@
             </a:avLst>
           </a:prstGeom>
           <a:solidFill>
-            <a:srgbClr val="dce6f2"/>
+            <a:srgbClr val="DCE6F2"/>
           </a:solidFill>
           <a:ln w="28440">
             <a:solidFill>
-              <a:srgbClr val="ffffff"/>
+              <a:srgbClr val="FFFFFF"/>
             </a:solidFill>
             <a:round/>
           </a:ln>
         </p:spPr>
         <p:style>
-          <a:lnRef idx="0"/>
-          <a:fillRef idx="0"/>
-          <a:effectRef idx="0"/>
+          <a:lnRef idx="0">
+            <a:scrgbClr r="0" g="0" b="0"/>
+          </a:lnRef>
+          <a:fillRef idx="0">
+            <a:scrgbClr r="0" g="0" b="0"/>
+          </a:fillRef>
+          <a:effectRef idx="0">
+            <a:scrgbClr r="0" g="0" b="0"/>
+          </a:effectRef>
           <a:fontRef idx="minor"/>
         </p:style>
         <p:txBody>
           <a:bodyPr anchor="ctr"/>
+          <a:lstStyle/>
           <a:p>
             <a:pPr algn="ctr">
               <a:lnSpc>
@@ -2141,30 +2956,20 @@
               </a:lnSpc>
             </a:pPr>
             <a:r>
-              <a:rPr b="0" lang="en-US" sz="900" spc="-1" strike="noStrike">
+              <a:rPr lang="en-US" sz="900" b="0" strike="noStrike" spc="-1">
                 <a:solidFill>
                   <a:srgbClr val="000000"/>
                 </a:solidFill>
                 <a:uFill>
                   <a:solidFill>
-                    <a:srgbClr val="ffffff"/>
+                    <a:srgbClr val="FFFFFF"/>
                   </a:solidFill>
                 </a:uFill>
-                <a:latin typeface="BMW Group Condensed"/>
+                <a:ea typeface="Arial" charset="0"/>
+                <a:cs typeface="Arial" charset="0"/>
               </a:rPr>
               <a:t>5 - Abnahme</a:t>
             </a:r>
-            <a:endParaRPr b="0" lang="en-US" sz="900" spc="-1" strike="noStrike">
-              <a:solidFill>
-                <a:srgbClr val="000000"/>
-              </a:solidFill>
-              <a:uFill>
-                <a:solidFill>
-                  <a:srgbClr val="ffffff"/>
-                </a:solidFill>
-              </a:uFill>
-              <a:latin typeface="Arial"/>
-            </a:endParaRPr>
           </a:p>
         </p:txBody>
       </p:sp>
@@ -2185,23 +2990,30 @@
             </a:avLst>
           </a:prstGeom>
           <a:solidFill>
-            <a:srgbClr val="dce6f2"/>
+            <a:srgbClr val="DCE6F2"/>
           </a:solidFill>
           <a:ln w="28440">
             <a:solidFill>
-              <a:srgbClr val="ffffff"/>
+              <a:srgbClr val="FFFFFF"/>
             </a:solidFill>
             <a:round/>
           </a:ln>
         </p:spPr>
         <p:style>
-          <a:lnRef idx="0"/>
-          <a:fillRef idx="0"/>
-          <a:effectRef idx="0"/>
+          <a:lnRef idx="0">
+            <a:scrgbClr r="0" g="0" b="0"/>
+          </a:lnRef>
+          <a:fillRef idx="0">
+            <a:scrgbClr r="0" g="0" b="0"/>
+          </a:fillRef>
+          <a:effectRef idx="0">
+            <a:scrgbClr r="0" g="0" b="0"/>
+          </a:effectRef>
           <a:fontRef idx="minor"/>
         </p:style>
         <p:txBody>
           <a:bodyPr anchor="ctr"/>
+          <a:lstStyle/>
           <a:p>
             <a:pPr algn="ctr">
               <a:lnSpc>
@@ -2209,30 +3021,20 @@
               </a:lnSpc>
             </a:pPr>
             <a:r>
-              <a:rPr b="0" lang="en-US" sz="900" spc="-1" strike="noStrike">
+              <a:rPr lang="en-US" sz="900" b="0" strike="noStrike" spc="-1">
                 <a:solidFill>
                   <a:srgbClr val="000000"/>
                 </a:solidFill>
                 <a:uFill>
                   <a:solidFill>
-                    <a:srgbClr val="ffffff"/>
+                    <a:srgbClr val="FFFFFF"/>
                   </a:solidFill>
                 </a:uFill>
-                <a:latin typeface="BMW Group Condensed"/>
+                <a:ea typeface="Arial" charset="0"/>
+                <a:cs typeface="Arial" charset="0"/>
               </a:rPr>
               <a:t>4 - Implementierung</a:t>
             </a:r>
-            <a:endParaRPr b="0" lang="en-US" sz="900" spc="-1" strike="noStrike">
-              <a:solidFill>
-                <a:srgbClr val="000000"/>
-              </a:solidFill>
-              <a:uFill>
-                <a:solidFill>
-                  <a:srgbClr val="ffffff"/>
-                </a:solidFill>
-              </a:uFill>
-              <a:latin typeface="Arial"/>
-            </a:endParaRPr>
           </a:p>
         </p:txBody>
       </p:sp>
@@ -2256,7 +3058,8 @@
           </a:ln>
         </p:spPr>
         <p:txBody>
-          <a:bodyPr lIns="0" rIns="0" tIns="0" bIns="0"/>
+          <a:bodyPr lIns="0" tIns="0" rIns="0" bIns="0"/>
+          <a:lstStyle/>
           <a:p>
             <a:pPr>
               <a:lnSpc>
@@ -2264,29 +3067,81 @@
               </a:lnSpc>
             </a:pPr>
             <a:r>
-              <a:rPr b="1" lang="de-DE" sz="2400" spc="-1" strike="noStrike" cap="all">
+              <a:rPr lang="de-DE" sz="2400" b="1" strike="noStrike" cap="all" spc="-1" dirty="0">
                 <a:solidFill>
-                  <a:srgbClr val="5678a9"/>
+                  <a:srgbClr val="5678A9"/>
                 </a:solidFill>
                 <a:uFill>
                   <a:solidFill>
-                    <a:srgbClr val="ffffff"/>
+                    <a:srgbClr val="FFFFFF"/>
                   </a:solidFill>
                 </a:uFill>
-                <a:latin typeface="BMW Group Condensed"/>
+                <a:latin typeface="Arial" charset="0"/>
+                <a:ea typeface="Arial" charset="0"/>
+                <a:cs typeface="Arial" charset="0"/>
               </a:rPr>
-              <a:t>Statusreport Coding Camp  - Roboterhund</a:t>
+              <a:t>Statusreport </a:t>
             </a:r>
-            <a:endParaRPr b="0" lang="de-DE" sz="2400" spc="-1" strike="noStrike">
+            <a:r>
+              <a:rPr lang="de-DE" sz="2400" b="1" strike="noStrike" cap="all" spc="-1" dirty="0" err="1">
+                <a:solidFill>
+                  <a:srgbClr val="5678A9"/>
+                </a:solidFill>
+                <a:uFill>
+                  <a:solidFill>
+                    <a:srgbClr val="FFFFFF"/>
+                  </a:solidFill>
+                </a:uFill>
+                <a:latin typeface="Arial" charset="0"/>
+                <a:ea typeface="Arial" charset="0"/>
+                <a:cs typeface="Arial" charset="0"/>
+              </a:rPr>
+              <a:t>Coding</a:t>
+            </a:r>
+            <a:r>
+              <a:rPr lang="de-DE" sz="2400" b="1" strike="noStrike" cap="all" spc="-1" dirty="0">
+                <a:solidFill>
+                  <a:srgbClr val="5678A9"/>
+                </a:solidFill>
+                <a:uFill>
+                  <a:solidFill>
+                    <a:srgbClr val="FFFFFF"/>
+                  </a:solidFill>
+                </a:uFill>
+                <a:latin typeface="Arial" charset="0"/>
+                <a:ea typeface="Arial" charset="0"/>
+                <a:cs typeface="Arial" charset="0"/>
+              </a:rPr>
+              <a:t> Camp  - </a:t>
+            </a:r>
+            <a:r>
+              <a:rPr lang="de-DE" sz="2400" b="1" strike="noStrike" cap="all" spc="-1" dirty="0" smtClean="0">
+                <a:solidFill>
+                  <a:srgbClr val="5678A9"/>
+                </a:solidFill>
+                <a:uFill>
+                  <a:solidFill>
+                    <a:srgbClr val="FFFFFF"/>
+                  </a:solidFill>
+                </a:uFill>
+                <a:latin typeface="Arial" charset="0"/>
+                <a:ea typeface="Arial" charset="0"/>
+                <a:cs typeface="Arial" charset="0"/>
+              </a:rPr>
+              <a:t>Roboterhund</a:t>
+            </a:r>
+            <a:endParaRPr lang="de-DE" sz="2400" b="0" strike="noStrike" spc="-1" dirty="0">
               <a:solidFill>
                 <a:srgbClr val="000000"/>
               </a:solidFill>
               <a:uFill>
                 <a:solidFill>
-                  <a:srgbClr val="ffffff"/>
+                  <a:srgbClr val="FFFFFF"/>
                 </a:solidFill>
               </a:uFill>
-              <a:latin typeface="BMW Group Condensed"/>
+              <a:latin typeface="Arial" charset="0"/>
+              <a:ea typeface="Arial" charset="0"/>
+              <a:cs typeface="Arial" charset="0"/>
             </a:endParaRPr>
           </a:p>
         </p:txBody>
@@ -2308,23 +3163,30 @@
             </a:avLst>
           </a:prstGeom>
           <a:solidFill>
-            <a:srgbClr val="dce6f2"/>
+            <a:srgbClr val="DCE6F2"/>
           </a:solidFill>
           <a:ln w="28440">
             <a:solidFill>
-              <a:srgbClr val="ffffff"/>
+              <a:srgbClr val="FFFFFF"/>
             </a:solidFill>
             <a:round/>
           </a:ln>
         </p:spPr>
         <p:style>
-          <a:lnRef idx="0"/>
-          <a:fillRef idx="0"/>
-          <a:effectRef idx="0"/>
+          <a:lnRef idx="0">
+            <a:scrgbClr r="0" g="0" b="0"/>
+          </a:lnRef>
+          <a:fillRef idx="0">
+            <a:scrgbClr r="0" g="0" b="0"/>
+          </a:fillRef>
+          <a:effectRef idx="0">
+            <a:scrgbClr r="0" g="0" b="0"/>
+          </a:effectRef>
           <a:fontRef idx="minor"/>
         </p:style>
         <p:txBody>
           <a:bodyPr anchor="ctr"/>
+          <a:lstStyle/>
           <a:p>
             <a:pPr algn="ctr">
               <a:lnSpc>
@@ -2332,30 +3194,20 @@
               </a:lnSpc>
             </a:pPr>
             <a:r>
-              <a:rPr b="0" lang="en-US" sz="900" spc="-1" strike="noStrike">
+              <a:rPr lang="en-US" sz="900" b="0" strike="noStrike" spc="-1">
                 <a:solidFill>
                   <a:srgbClr val="000000"/>
                 </a:solidFill>
                 <a:uFill>
                   <a:solidFill>
-                    <a:srgbClr val="ffffff"/>
+                    <a:srgbClr val="FFFFFF"/>
                   </a:solidFill>
                 </a:uFill>
-                <a:latin typeface="BMW Group Condensed"/>
+                <a:ea typeface="Arial" charset="0"/>
+                <a:cs typeface="Arial" charset="0"/>
               </a:rPr>
               <a:t>3 - IT-Konzept</a:t>
             </a:r>
-            <a:endParaRPr b="0" lang="en-US" sz="900" spc="-1" strike="noStrike">
-              <a:solidFill>
-                <a:srgbClr val="000000"/>
-              </a:solidFill>
-              <a:uFill>
-                <a:solidFill>
-                  <a:srgbClr val="ffffff"/>
-                </a:solidFill>
-              </a:uFill>
-              <a:latin typeface="Arial"/>
-            </a:endParaRPr>
           </a:p>
         </p:txBody>
       </p:sp>
@@ -2376,23 +3228,30 @@
             </a:avLst>
           </a:prstGeom>
           <a:solidFill>
-            <a:srgbClr val="dce6f2"/>
+            <a:srgbClr val="DCE6F2"/>
           </a:solidFill>
           <a:ln w="28440">
             <a:solidFill>
-              <a:srgbClr val="ffffff"/>
+              <a:srgbClr val="FFFFFF"/>
             </a:solidFill>
             <a:round/>
           </a:ln>
         </p:spPr>
         <p:style>
-          <a:lnRef idx="0"/>
-          <a:fillRef idx="0"/>
-          <a:effectRef idx="0"/>
+          <a:lnRef idx="0">
+            <a:scrgbClr r="0" g="0" b="0"/>
+          </a:lnRef>
+          <a:fillRef idx="0">
+            <a:scrgbClr r="0" g="0" b="0"/>
+          </a:fillRef>
+          <a:effectRef idx="0">
+            <a:scrgbClr r="0" g="0" b="0"/>
+          </a:effectRef>
           <a:fontRef idx="minor"/>
         </p:style>
         <p:txBody>
           <a:bodyPr anchor="ctr"/>
+          <a:lstStyle/>
           <a:p>
             <a:pPr algn="ctr">
               <a:lnSpc>
@@ -2400,30 +3259,20 @@
               </a:lnSpc>
             </a:pPr>
             <a:r>
-              <a:rPr b="0" lang="en-US" sz="900" spc="-1" strike="noStrike">
+              <a:rPr lang="en-US" sz="900" b="0" strike="noStrike" spc="-1">
                 <a:solidFill>
                   <a:srgbClr val="000000"/>
                 </a:solidFill>
                 <a:uFill>
                   <a:solidFill>
-                    <a:srgbClr val="ffffff"/>
+                    <a:srgbClr val="FFFFFF"/>
                   </a:solidFill>
                 </a:uFill>
-                <a:latin typeface="BMW Group Condensed"/>
+                <a:ea typeface="Arial" charset="0"/>
+                <a:cs typeface="Arial" charset="0"/>
               </a:rPr>
               <a:t>2 - Fachkonzept</a:t>
             </a:r>
-            <a:endParaRPr b="0" lang="en-US" sz="900" spc="-1" strike="noStrike">
-              <a:solidFill>
-                <a:srgbClr val="000000"/>
-              </a:solidFill>
-              <a:uFill>
-                <a:solidFill>
-                  <a:srgbClr val="ffffff"/>
-                </a:solidFill>
-              </a:uFill>
-              <a:latin typeface="Arial"/>
-            </a:endParaRPr>
           </a:p>
         </p:txBody>
       </p:sp>
@@ -2444,23 +3293,30 @@
             </a:avLst>
           </a:prstGeom>
           <a:solidFill>
-            <a:srgbClr val="dce6f2"/>
+            <a:srgbClr val="DCE6F2"/>
           </a:solidFill>
           <a:ln w="28440">
             <a:solidFill>
-              <a:srgbClr val="ffffff"/>
+              <a:srgbClr val="FFFFFF"/>
             </a:solidFill>
             <a:round/>
           </a:ln>
         </p:spPr>
         <p:style>
-          <a:lnRef idx="0"/>
-          <a:fillRef idx="0"/>
-          <a:effectRef idx="0"/>
+          <a:lnRef idx="0">
+            <a:scrgbClr r="0" g="0" b="0"/>
+          </a:lnRef>
+          <a:fillRef idx="0">
+            <a:scrgbClr r="0" g="0" b="0"/>
+          </a:fillRef>
+          <a:effectRef idx="0">
+            <a:scrgbClr r="0" g="0" b="0"/>
+          </a:effectRef>
           <a:fontRef idx="minor"/>
         </p:style>
         <p:txBody>
           <a:bodyPr anchor="ctr"/>
+          <a:lstStyle/>
           <a:p>
             <a:pPr algn="ctr">
               <a:lnSpc>
@@ -2468,29 +3324,46 @@
               </a:lnSpc>
             </a:pPr>
             <a:r>
-              <a:rPr b="0" lang="en-US" sz="900" spc="-1" strike="noStrike">
+              <a:rPr lang="en-US" sz="900" b="0" strike="noStrike" spc="-1" dirty="0">
                 <a:solidFill>
                   <a:srgbClr val="000000"/>
                 </a:solidFill>
                 <a:uFill>
                   <a:solidFill>
-                    <a:srgbClr val="ffffff"/>
+                    <a:srgbClr val="FFFFFF"/>
                   </a:solidFill>
                 </a:uFill>
-                <a:latin typeface="BMW Group Condensed"/>
+                <a:ea typeface="Arial" charset="0"/>
+                <a:cs typeface="Arial" charset="0"/>
               </a:rPr>
-              <a:t>1 - Grobkonzept</a:t>
+              <a:t>1 - </a:t>
             </a:r>
-            <a:endParaRPr b="0" lang="en-US" sz="900" spc="-1" strike="noStrike">
+            <a:r>
+              <a:rPr lang="en-US" sz="900" b="0" strike="noStrike" spc="-1" dirty="0" err="1">
+                <a:solidFill>
+                  <a:srgbClr val="000000"/>
+                </a:solidFill>
+                <a:uFill>
+                  <a:solidFill>
+                    <a:srgbClr val="FFFFFF"/>
+                  </a:solidFill>
+                </a:uFill>
+                <a:ea typeface="Arial" charset="0"/>
+                <a:cs typeface="Arial" charset="0"/>
+              </a:rPr>
+              <a:t>Grobkonzept</a:t>
+            </a:r>
+            <a:endParaRPr lang="en-US" sz="900" b="0" strike="noStrike" spc="-1" dirty="0">
               <a:solidFill>
                 <a:srgbClr val="000000"/>
               </a:solidFill>
               <a:uFill>
                 <a:solidFill>
-                  <a:srgbClr val="ffffff"/>
+                  <a:srgbClr val="FFFFFF"/>
                 </a:solidFill>
               </a:uFill>
-              <a:latin typeface="Arial"/>
+              <a:ea typeface="Arial" charset="0"/>
+              <a:cs typeface="Arial" charset="0"/>
             </a:endParaRPr>
           </a:p>
         </p:txBody>
@@ -2499,7 +3372,13 @@
         <p:nvGraphicFramePr>
           <p:cNvPr id="46" name="Table 7"/>
           <p:cNvGraphicFramePr/>
-          <p:nvPr/>
+          <p:nvPr>
+            <p:extLst>
+              <p:ext uri="{D42A27DB-BD31-4B8C-83A1-F6EECF244321}">
+                <p14:modId xmlns:p14="http://schemas.microsoft.com/office/powerpoint/2010/main" val="957627097"/>
+              </p:ext>
+            </p:extLst>
+          </p:nvPr>
         </p:nvGraphicFramePr>
         <p:xfrm>
           <a:off x="468360" y="3594240"/>
@@ -2516,6 +3395,7 @@
                 <a:tc>
                   <a:txBody>
                     <a:bodyPr/>
+                    <a:lstStyle/>
                     <a:p>
                       <a:pPr>
                         <a:lnSpc>
@@ -2523,55 +3403,139 @@
                         </a:lnSpc>
                       </a:pPr>
                       <a:r>
-                        <a:rPr b="1" lang="en-US" sz="1200" spc="-1" strike="noStrike">
+                        <a:rPr lang="en-US" sz="1200" b="1" strike="noStrike" spc="-1" dirty="0" err="1">
                           <a:solidFill>
                             <a:srgbClr val="000000"/>
                           </a:solidFill>
                           <a:uFill>
                             <a:solidFill>
-                              <a:srgbClr val="ffffff"/>
+                              <a:srgbClr val="FFFFFF"/>
                             </a:solidFill>
                           </a:uFill>
-                          <a:latin typeface="BMW Group Condensed"/>
+                          <a:latin typeface="+mn-lt"/>
                         </a:rPr>
-                        <a:t>Laufende Aktivitäten / Eingeleitete Maßnahmen</a:t>
+                        <a:t>Laufende</a:t>
                       </a:r>
-                      <a:endParaRPr b="0" lang="en-US" sz="1200" spc="-1" strike="noStrike">
+                      <a:r>
+                        <a:rPr lang="en-US" sz="1200" b="1" strike="noStrike" spc="-1" dirty="0">
+                          <a:solidFill>
+                            <a:srgbClr val="000000"/>
+                          </a:solidFill>
+                          <a:uFill>
+                            <a:solidFill>
+                              <a:srgbClr val="FFFFFF"/>
+                            </a:solidFill>
+                          </a:uFill>
+                          <a:latin typeface="+mn-lt"/>
+                        </a:rPr>
+                        <a:t> </a:t>
+                      </a:r>
+                      <a:r>
+                        <a:rPr lang="en-US" sz="1200" b="1" strike="noStrike" spc="-1" dirty="0" err="1">
+                          <a:solidFill>
+                            <a:srgbClr val="000000"/>
+                          </a:solidFill>
+                          <a:uFill>
+                            <a:solidFill>
+                              <a:srgbClr val="FFFFFF"/>
+                            </a:solidFill>
+                          </a:uFill>
+                          <a:latin typeface="+mn-lt"/>
+                        </a:rPr>
+                        <a:t>Aktivitäten</a:t>
+                      </a:r>
+                      <a:r>
+                        <a:rPr lang="en-US" sz="1200" b="1" strike="noStrike" spc="-1" dirty="0">
+                          <a:solidFill>
+                            <a:srgbClr val="000000"/>
+                          </a:solidFill>
+                          <a:uFill>
+                            <a:solidFill>
+                              <a:srgbClr val="FFFFFF"/>
+                            </a:solidFill>
+                          </a:uFill>
+                          <a:latin typeface="+mn-lt"/>
+                        </a:rPr>
+                        <a:t> / </a:t>
+                      </a:r>
+                      <a:r>
+                        <a:rPr lang="en-US" sz="1200" b="1" strike="noStrike" spc="-1" dirty="0" err="1">
+                          <a:solidFill>
+                            <a:srgbClr val="000000"/>
+                          </a:solidFill>
+                          <a:uFill>
+                            <a:solidFill>
+                              <a:srgbClr val="FFFFFF"/>
+                            </a:solidFill>
+                          </a:uFill>
+                          <a:latin typeface="+mn-lt"/>
+                        </a:rPr>
+                        <a:t>Eingeleitete</a:t>
+                      </a:r>
+                      <a:r>
+                        <a:rPr lang="en-US" sz="1200" b="1" strike="noStrike" spc="-1" dirty="0">
+                          <a:solidFill>
+                            <a:srgbClr val="000000"/>
+                          </a:solidFill>
+                          <a:uFill>
+                            <a:solidFill>
+                              <a:srgbClr val="FFFFFF"/>
+                            </a:solidFill>
+                          </a:uFill>
+                          <a:latin typeface="+mn-lt"/>
+                        </a:rPr>
+                        <a:t> </a:t>
+                      </a:r>
+                      <a:r>
+                        <a:rPr lang="en-US" sz="1200" b="1" strike="noStrike" spc="-1" dirty="0" err="1">
+                          <a:solidFill>
+                            <a:srgbClr val="000000"/>
+                          </a:solidFill>
+                          <a:uFill>
+                            <a:solidFill>
+                              <a:srgbClr val="FFFFFF"/>
+                            </a:solidFill>
+                          </a:uFill>
+                          <a:latin typeface="+mn-lt"/>
+                        </a:rPr>
+                        <a:t>Maßnahmen</a:t>
+                      </a:r>
+                      <a:endParaRPr lang="en-US" sz="1200" b="0" strike="noStrike" spc="-1" dirty="0">
                         <a:solidFill>
                           <a:srgbClr val="000000"/>
                         </a:solidFill>
                         <a:uFill>
                           <a:solidFill>
-                            <a:srgbClr val="ffffff"/>
+                            <a:srgbClr val="FFFFFF"/>
                           </a:solidFill>
                         </a:uFill>
-                        <a:latin typeface="Arial"/>
+                        <a:latin typeface="+mn-lt"/>
                       </a:endParaRPr>
                     </a:p>
                   </a:txBody>
-                  <a:tcPr marL="91440" marR="91440">
+                  <a:tcPr>
                     <a:lnL w="2880">
                       <a:solidFill>
-                        <a:srgbClr val="a6a6a6"/>
+                        <a:srgbClr val="A6A6A6"/>
                       </a:solidFill>
                     </a:lnL>
                     <a:lnR w="2880">
                       <a:solidFill>
-                        <a:srgbClr val="a6a6a6"/>
+                        <a:srgbClr val="A6A6A6"/>
                       </a:solidFill>
                     </a:lnR>
                     <a:lnT w="2880">
                       <a:solidFill>
-                        <a:srgbClr val="a6a6a6"/>
+                        <a:srgbClr val="A6A6A6"/>
                       </a:solidFill>
                     </a:lnT>
                     <a:lnB w="2880">
                       <a:solidFill>
-                        <a:srgbClr val="a6a6a6"/>
+                        <a:srgbClr val="A6A6A6"/>
                       </a:solidFill>
                     </a:lnB>
                     <a:solidFill>
-                      <a:srgbClr val="dce6f2"/>
+                      <a:srgbClr val="DCE6F2"/>
                     </a:solidFill>
                   </a:tcPr>
                 </a:tc>
@@ -2580,53 +3544,110 @@
                 <a:tc>
                   <a:txBody>
                     <a:bodyPr/>
+                    <a:lstStyle/>
                     <a:p>
                       <a:r>
-                        <a:rPr b="0" lang="en-US" sz="2400" spc="-1" strike="noStrike">
+                        <a:rPr lang="en-US" sz="2400" b="0" strike="noStrike" spc="-1" dirty="0" err="1" smtClean="0">
                           <a:solidFill>
                             <a:srgbClr val="000000"/>
                           </a:solidFill>
                           <a:uFill>
                             <a:solidFill>
-                              <a:srgbClr val="ffffff"/>
+                              <a:srgbClr val="FFFFFF"/>
                             </a:solidFill>
                           </a:uFill>
-                          <a:latin typeface="Times New Roman"/>
+                          <a:latin typeface="+mn-lt"/>
                         </a:rPr>
                         <a:t>Logikentwicklung</a:t>
                       </a:r>
-                      <a:endParaRPr b="0" lang="en-US" sz="2400" spc="-1" strike="noStrike">
+                      <a:r>
+                        <a:rPr lang="en-US" sz="2400" b="0" strike="noStrike" spc="-1" dirty="0" smtClean="0">
+                          <a:solidFill>
+                            <a:srgbClr val="000000"/>
+                          </a:solidFill>
+                          <a:uFill>
+                            <a:solidFill>
+                              <a:srgbClr val="FFFFFF"/>
+                            </a:solidFill>
+                          </a:uFill>
+                          <a:latin typeface="+mn-lt"/>
+                        </a:rPr>
+                        <a:t>, </a:t>
+                      </a:r>
+                      <a:r>
+                        <a:rPr lang="en-US" sz="2400" b="0" strike="noStrike" spc="-1" dirty="0" err="1" smtClean="0">
+                          <a:solidFill>
+                            <a:srgbClr val="000000"/>
+                          </a:solidFill>
+                          <a:uFill>
+                            <a:solidFill>
+                              <a:srgbClr val="FFFFFF"/>
+                            </a:solidFill>
+                          </a:uFill>
+                          <a:latin typeface="+mn-lt"/>
+                        </a:rPr>
+                        <a:t>Statemachine</a:t>
+                      </a:r>
+                      <a:r>
+                        <a:rPr lang="en-US" sz="2400" b="0" strike="noStrike" spc="-1" dirty="0" smtClean="0">
+                          <a:solidFill>
+                            <a:srgbClr val="000000"/>
+                          </a:solidFill>
+                          <a:uFill>
+                            <a:solidFill>
+                              <a:srgbClr val="FFFFFF"/>
+                            </a:solidFill>
+                          </a:uFill>
+                          <a:latin typeface="+mn-lt"/>
+                        </a:rPr>
+                        <a:t>, </a:t>
+                      </a:r>
+                      <a:r>
+                        <a:rPr lang="en-US" sz="2400" b="0" strike="noStrike" spc="-1" dirty="0" err="1" smtClean="0">
+                          <a:solidFill>
+                            <a:srgbClr val="000000"/>
+                          </a:solidFill>
+                          <a:uFill>
+                            <a:solidFill>
+                              <a:srgbClr val="FFFFFF"/>
+                            </a:solidFill>
+                          </a:uFill>
+                          <a:latin typeface="+mn-lt"/>
+                        </a:rPr>
+                        <a:t>Gesten</a:t>
+                      </a:r>
+                      <a:endParaRPr lang="en-US" sz="2400" b="0" strike="noStrike" spc="-1" dirty="0">
                         <a:solidFill>
                           <a:srgbClr val="000000"/>
                         </a:solidFill>
                         <a:uFill>
                           <a:solidFill>
-                            <a:srgbClr val="ffffff"/>
+                            <a:srgbClr val="FFFFFF"/>
                           </a:solidFill>
                         </a:uFill>
-                        <a:latin typeface="Times New Roman"/>
+                        <a:latin typeface="+mn-lt"/>
                       </a:endParaRPr>
                     </a:p>
                   </a:txBody>
-                  <a:tcPr marL="91440" marR="91440">
+                  <a:tcPr>
                     <a:lnL w="2880">
                       <a:solidFill>
-                        <a:srgbClr val="a6a6a6"/>
+                        <a:srgbClr val="A6A6A6"/>
                       </a:solidFill>
                     </a:lnL>
                     <a:lnR w="2880">
                       <a:solidFill>
-                        <a:srgbClr val="a6a6a6"/>
+                        <a:srgbClr val="A6A6A6"/>
                       </a:solidFill>
                     </a:lnR>
                     <a:lnT w="2880">
                       <a:solidFill>
-                        <a:srgbClr val="a6a6a6"/>
+                        <a:srgbClr val="A6A6A6"/>
                       </a:solidFill>
                     </a:lnT>
                     <a:lnB w="2880">
                       <a:solidFill>
-                        <a:srgbClr val="a6a6a6"/>
+                        <a:srgbClr val="A6A6A6"/>
                       </a:solidFill>
                     </a:lnB>
                     <a:noFill/>
@@ -2637,6 +3658,7 @@
                 <a:tc>
                   <a:txBody>
                     <a:bodyPr/>
+                    <a:lstStyle/>
                     <a:p>
                       <a:pPr>
                         <a:lnSpc>
@@ -2644,55 +3666,83 @@
                         </a:lnSpc>
                       </a:pPr>
                       <a:r>
-                        <a:rPr b="1" lang="en-US" sz="1200" spc="-1" strike="noStrike">
+                        <a:rPr lang="en-US" sz="1200" b="1" strike="noStrike" spc="-1" dirty="0">
                           <a:solidFill>
                             <a:srgbClr val="000000"/>
                           </a:solidFill>
                           <a:uFill>
                             <a:solidFill>
-                              <a:srgbClr val="ffffff"/>
+                              <a:srgbClr val="FFFFFF"/>
                             </a:solidFill>
                           </a:uFill>
-                          <a:latin typeface="BMW Group Condensed"/>
+                          <a:latin typeface="+mn-lt"/>
                         </a:rPr>
-                        <a:t>Top 3 Risiken:</a:t>
+                        <a:t>Top 3 </a:t>
                       </a:r>
-                      <a:endParaRPr b="0" lang="en-US" sz="1200" spc="-1" strike="noStrike">
+                      <a:r>
+                        <a:rPr lang="en-US" sz="1200" b="1" strike="noStrike" spc="-1" dirty="0" err="1">
+                          <a:solidFill>
+                            <a:srgbClr val="000000"/>
+                          </a:solidFill>
+                          <a:uFill>
+                            <a:solidFill>
+                              <a:srgbClr val="FFFFFF"/>
+                            </a:solidFill>
+                          </a:uFill>
+                          <a:latin typeface="+mn-lt"/>
+                        </a:rPr>
+                        <a:t>Risiken</a:t>
+                      </a:r>
+                      <a:r>
+                        <a:rPr lang="en-US" sz="1200" b="1" strike="noStrike" spc="-1" dirty="0">
+                          <a:solidFill>
+                            <a:srgbClr val="000000"/>
+                          </a:solidFill>
+                          <a:uFill>
+                            <a:solidFill>
+                              <a:srgbClr val="FFFFFF"/>
+                            </a:solidFill>
+                          </a:uFill>
+                          <a:latin typeface="+mn-lt"/>
+                        </a:rPr>
+                        <a:t>:</a:t>
+                      </a:r>
+                      <a:endParaRPr lang="en-US" sz="1200" b="0" strike="noStrike" spc="-1" dirty="0">
                         <a:solidFill>
                           <a:srgbClr val="000000"/>
                         </a:solidFill>
                         <a:uFill>
                           <a:solidFill>
-                            <a:srgbClr val="ffffff"/>
+                            <a:srgbClr val="FFFFFF"/>
                           </a:solidFill>
                         </a:uFill>
-                        <a:latin typeface="Arial"/>
+                        <a:latin typeface="+mn-lt"/>
                       </a:endParaRPr>
                     </a:p>
                   </a:txBody>
-                  <a:tcPr marL="91440" marR="91440">
+                  <a:tcPr>
                     <a:lnL w="2880">
                       <a:solidFill>
-                        <a:srgbClr val="a6a6a6"/>
+                        <a:srgbClr val="A6A6A6"/>
                       </a:solidFill>
                     </a:lnL>
                     <a:lnR w="2880">
                       <a:solidFill>
-                        <a:srgbClr val="a6a6a6"/>
+                        <a:srgbClr val="A6A6A6"/>
                       </a:solidFill>
                     </a:lnR>
                     <a:lnT w="2880">
                       <a:solidFill>
-                        <a:srgbClr val="a6a6a6"/>
+                        <a:srgbClr val="A6A6A6"/>
                       </a:solidFill>
                     </a:lnT>
                     <a:lnB w="2880">
                       <a:solidFill>
-                        <a:srgbClr val="a6a6a6"/>
+                        <a:srgbClr val="A6A6A6"/>
                       </a:solidFill>
                     </a:lnB>
                     <a:solidFill>
-                      <a:srgbClr val="dce6f2"/>
+                      <a:srgbClr val="DCE6F2"/>
                     </a:solidFill>
                   </a:tcPr>
                 </a:tc>
@@ -2701,53 +3751,54 @@
                 <a:tc>
                   <a:txBody>
                     <a:bodyPr/>
+                    <a:lstStyle/>
                     <a:p>
                       <a:r>
-                        <a:rPr b="0" lang="en-US" sz="2400" spc="-1" strike="noStrike">
+                        <a:rPr lang="en-US" sz="2400" b="0" strike="noStrike" spc="-1" dirty="0" err="1">
                           <a:solidFill>
                             <a:srgbClr val="000000"/>
                           </a:solidFill>
                           <a:uFill>
                             <a:solidFill>
-                              <a:srgbClr val="ffffff"/>
+                              <a:srgbClr val="FFFFFF"/>
                             </a:solidFill>
                           </a:uFill>
-                          <a:latin typeface="Times New Roman"/>
+                          <a:latin typeface="+mn-lt"/>
                         </a:rPr>
                         <a:t>Hardwaredefekt</a:t>
                       </a:r>
-                      <a:endParaRPr b="0" lang="en-US" sz="2400" spc="-1" strike="noStrike">
+                      <a:endParaRPr lang="en-US" sz="2400" b="0" strike="noStrike" spc="-1" dirty="0">
                         <a:solidFill>
                           <a:srgbClr val="000000"/>
                         </a:solidFill>
                         <a:uFill>
                           <a:solidFill>
-                            <a:srgbClr val="ffffff"/>
+                            <a:srgbClr val="FFFFFF"/>
                           </a:solidFill>
                         </a:uFill>
-                        <a:latin typeface="Times New Roman"/>
+                        <a:latin typeface="+mn-lt"/>
                       </a:endParaRPr>
                     </a:p>
                   </a:txBody>
-                  <a:tcPr marL="91440" marR="91440">
+                  <a:tcPr>
                     <a:lnL w="2880">
                       <a:solidFill>
-                        <a:srgbClr val="a6a6a6"/>
+                        <a:srgbClr val="A6A6A6"/>
                       </a:solidFill>
                     </a:lnL>
                     <a:lnR w="2880">
                       <a:solidFill>
-                        <a:srgbClr val="a6a6a6"/>
+                        <a:srgbClr val="A6A6A6"/>
                       </a:solidFill>
                     </a:lnR>
                     <a:lnT w="2880">
                       <a:solidFill>
-                        <a:srgbClr val="a6a6a6"/>
+                        <a:srgbClr val="A6A6A6"/>
                       </a:solidFill>
                     </a:lnT>
                     <a:lnB w="2880">
                       <a:solidFill>
-                        <a:srgbClr val="a6a6a6"/>
+                        <a:srgbClr val="A6A6A6"/>
                       </a:solidFill>
                     </a:lnB>
                     <a:noFill/>
@@ -2758,6 +3809,7 @@
                 <a:tc>
                   <a:txBody>
                     <a:bodyPr/>
+                    <a:lstStyle/>
                     <a:p>
                       <a:pPr>
                         <a:lnSpc>
@@ -2765,55 +3817,55 @@
                         </a:lnSpc>
                       </a:pPr>
                       <a:r>
-                        <a:rPr b="1" lang="en-US" sz="1200" spc="-1" strike="noStrike">
+                        <a:rPr lang="en-US" sz="1200" b="1" strike="noStrike" spc="-1">
                           <a:solidFill>
                             <a:srgbClr val="000000"/>
                           </a:solidFill>
                           <a:uFill>
                             <a:solidFill>
-                              <a:srgbClr val="ffffff"/>
+                              <a:srgbClr val="FFFFFF"/>
                             </a:solidFill>
                           </a:uFill>
-                          <a:latin typeface="BMW Group Condensed"/>
+                          <a:latin typeface="+mn-lt"/>
                         </a:rPr>
                         <a:t>Notwendige Entscheidungen:</a:t>
                       </a:r>
-                      <a:endParaRPr b="0" lang="en-US" sz="1200" spc="-1" strike="noStrike">
+                      <a:endParaRPr lang="en-US" sz="1200" b="0" strike="noStrike" spc="-1">
                         <a:solidFill>
                           <a:srgbClr val="000000"/>
                         </a:solidFill>
                         <a:uFill>
                           <a:solidFill>
-                            <a:srgbClr val="ffffff"/>
+                            <a:srgbClr val="FFFFFF"/>
                           </a:solidFill>
                         </a:uFill>
-                        <a:latin typeface="Arial"/>
+                        <a:latin typeface="+mn-lt"/>
                       </a:endParaRPr>
                     </a:p>
                   </a:txBody>
-                  <a:tcPr marL="91440" marR="91440">
+                  <a:tcPr>
                     <a:lnL w="2880">
                       <a:solidFill>
-                        <a:srgbClr val="a6a6a6"/>
+                        <a:srgbClr val="A6A6A6"/>
                       </a:solidFill>
                     </a:lnL>
                     <a:lnR w="2880">
                       <a:solidFill>
-                        <a:srgbClr val="a6a6a6"/>
+                        <a:srgbClr val="A6A6A6"/>
                       </a:solidFill>
                     </a:lnR>
                     <a:lnT w="2880">
                       <a:solidFill>
-                        <a:srgbClr val="a6a6a6"/>
+                        <a:srgbClr val="A6A6A6"/>
                       </a:solidFill>
                     </a:lnT>
                     <a:lnB w="2880">
                       <a:solidFill>
-                        <a:srgbClr val="a6a6a6"/>
+                        <a:srgbClr val="A6A6A6"/>
                       </a:solidFill>
                     </a:lnB>
                     <a:solidFill>
-                      <a:srgbClr val="dce6f2"/>
+                      <a:srgbClr val="DCE6F2"/>
                     </a:solidFill>
                   </a:tcPr>
                 </a:tc>
@@ -2822,53 +3874,54 @@
                 <a:tc>
                   <a:txBody>
                     <a:bodyPr/>
+                    <a:lstStyle/>
                     <a:p>
                       <a:r>
-                        <a:rPr b="0" lang="en-US" sz="2400" spc="-1" strike="noStrike">
+                        <a:rPr lang="en-US" sz="2400" b="0" strike="noStrike" spc="-1" dirty="0" err="1">
                           <a:solidFill>
                             <a:srgbClr val="000000"/>
                           </a:solidFill>
                           <a:uFill>
                             <a:solidFill>
-                              <a:srgbClr val="ffffff"/>
+                              <a:srgbClr val="FFFFFF"/>
                             </a:solidFill>
                           </a:uFill>
-                          <a:latin typeface="Times New Roman"/>
+                          <a:latin typeface="+mn-lt"/>
                         </a:rPr>
                         <a:t>Sensorverteilung</a:t>
                       </a:r>
-                      <a:endParaRPr b="0" lang="en-US" sz="2400" spc="-1" strike="noStrike">
+                      <a:endParaRPr lang="en-US" sz="2400" b="0" strike="noStrike" spc="-1" dirty="0">
                         <a:solidFill>
                           <a:srgbClr val="000000"/>
                         </a:solidFill>
                         <a:uFill>
                           <a:solidFill>
-                            <a:srgbClr val="ffffff"/>
+                            <a:srgbClr val="FFFFFF"/>
                           </a:solidFill>
                         </a:uFill>
-                        <a:latin typeface="Times New Roman"/>
+                        <a:latin typeface="+mn-lt"/>
                       </a:endParaRPr>
                     </a:p>
                   </a:txBody>
-                  <a:tcPr marL="91440" marR="91440">
+                  <a:tcPr>
                     <a:lnL w="2880">
                       <a:solidFill>
-                        <a:srgbClr val="a6a6a6"/>
+                        <a:srgbClr val="A6A6A6"/>
                       </a:solidFill>
                     </a:lnL>
                     <a:lnR w="2880">
                       <a:solidFill>
-                        <a:srgbClr val="a6a6a6"/>
+                        <a:srgbClr val="A6A6A6"/>
                       </a:solidFill>
                     </a:lnR>
                     <a:lnT w="2880">
                       <a:solidFill>
-                        <a:srgbClr val="a6a6a6"/>
+                        <a:srgbClr val="A6A6A6"/>
                       </a:solidFill>
                     </a:lnT>
                     <a:lnB w="2880">
                       <a:solidFill>
-                        <a:srgbClr val="a6a6a6"/>
+                        <a:srgbClr val="A6A6A6"/>
                       </a:solidFill>
                     </a:lnB>
                     <a:noFill/>
@@ -2883,11 +3936,17 @@
         <p:nvGraphicFramePr>
           <p:cNvPr id="47" name="Table 8"/>
           <p:cNvGraphicFramePr/>
-          <p:nvPr/>
+          <p:nvPr>
+            <p:extLst>
+              <p:ext uri="{D42A27DB-BD31-4B8C-83A1-F6EECF244321}">
+                <p14:modId xmlns:p14="http://schemas.microsoft.com/office/powerpoint/2010/main" val="1854658689"/>
+              </p:ext>
+            </p:extLst>
+          </p:nvPr>
         </p:nvGraphicFramePr>
         <p:xfrm>
           <a:off x="468360" y="1259280"/>
-          <a:ext cx="2664000" cy="971640"/>
+          <a:ext cx="2664000" cy="974160"/>
         </p:xfrm>
         <a:graphic>
           <a:graphicData uri="http://schemas.openxmlformats.org/drawingml/2006/table">
@@ -2901,6 +3960,7 @@
                 <a:tc gridSpan="2">
                   <a:txBody>
                     <a:bodyPr/>
+                    <a:lstStyle/>
                     <a:p>
                       <a:pPr>
                         <a:lnSpc>
@@ -2908,47 +3968,47 @@
                         </a:lnSpc>
                       </a:pPr>
                       <a:r>
-                        <a:rPr b="0" lang="en-US" sz="1200" spc="-1" strike="noStrike">
+                        <a:rPr lang="en-US" sz="1200" b="0" strike="noStrike" spc="-1">
                           <a:solidFill>
-                            <a:srgbClr val="ffffff"/>
+                            <a:srgbClr val="FFFFFF"/>
                           </a:solidFill>
                           <a:uFill>
                             <a:solidFill>
-                              <a:srgbClr val="ffffff"/>
+                              <a:srgbClr val="FFFFFF"/>
                             </a:solidFill>
                           </a:uFill>
-                          <a:latin typeface="BMW Group Condensed"/>
+                          <a:latin typeface="+mn-lt"/>
                         </a:rPr>
                         <a:t>Ampelstatus</a:t>
                       </a:r>
                       <a:r>
-                        <a:rPr b="1" lang="en-US" sz="1200" spc="-1" strike="noStrike">
+                        <a:rPr lang="en-US" sz="1200" b="1" strike="noStrike" spc="-1">
                           <a:solidFill>
-                            <a:srgbClr val="ffffff"/>
+                            <a:srgbClr val="FFFFFF"/>
                           </a:solidFill>
                           <a:uFill>
                             <a:solidFill>
-                              <a:srgbClr val="ffffff"/>
+                              <a:srgbClr val="FFFFFF"/>
                             </a:solidFill>
                           </a:uFill>
-                          <a:latin typeface="BMW Group Condensed"/>
+                          <a:latin typeface="+mn-lt"/>
                         </a:rPr>
                         <a:t> Termintreue</a:t>
                       </a:r>
-                      <a:endParaRPr b="0" lang="en-US" sz="1200" spc="-1" strike="noStrike">
+                      <a:endParaRPr lang="en-US" sz="1200" b="0" strike="noStrike" spc="-1">
                         <a:solidFill>
                           <a:srgbClr val="000000"/>
                         </a:solidFill>
                         <a:uFill>
                           <a:solidFill>
-                            <a:srgbClr val="ffffff"/>
+                            <a:srgbClr val="FFFFFF"/>
                           </a:solidFill>
                         </a:uFill>
-                        <a:latin typeface="Arial"/>
+                        <a:latin typeface="+mn-lt"/>
                       </a:endParaRPr>
                     </a:p>
                   </a:txBody>
-                  <a:tcPr marL="91440" marR="91440">
+                  <a:tcPr>
                     <a:lnL w="12240">
                       <a:solidFill>
                         <a:srgbClr val="000000"/>
@@ -2970,21 +4030,37 @@
                       </a:solidFill>
                     </a:lnB>
                     <a:solidFill>
-                      <a:srgbClr val="4f81bd"/>
+                      <a:srgbClr val="4F81BD"/>
                     </a:solidFill>
                   </a:tcPr>
                 </a:tc>
                 <a:tc hMerge="1">
+                  <a:txBody>
+                    <a:bodyPr/>
+                    <a:lstStyle/>
+                    <a:p>
+                      <a:endParaRPr lang="de-DE"/>
+                    </a:p>
+                  </a:txBody>
                   <a:tcPr>
                     <a:solidFill>
-                      <a:srgbClr val="729fcf"/>
+                      <a:srgbClr val="729FCF"/>
                     </a:solidFill>
                   </a:tcPr>
                 </a:tc>
               </a:tr>
               <a:tr h="699840">
                 <a:tc>
-                  <a:tcPr marL="91440" marR="91440">
+                  <a:txBody>
+                    <a:bodyPr/>
+                    <a:lstStyle/>
+                    <a:p>
+                      <a:endParaRPr lang="de-DE">
+                        <a:latin typeface="+mn-lt"/>
+                      </a:endParaRPr>
+                    </a:p>
+                  </a:txBody>
+                  <a:tcPr>
                     <a:lnL w="12240">
                       <a:solidFill>
                         <a:srgbClr val="000000"/>
@@ -3006,13 +4082,14 @@
                       </a:solidFill>
                     </a:lnB>
                     <a:solidFill>
-                      <a:srgbClr val="dce6f2"/>
+                      <a:srgbClr val="DCE6F2"/>
                     </a:solidFill>
                   </a:tcPr>
                 </a:tc>
                 <a:tc>
                   <a:txBody>
                     <a:bodyPr/>
+                    <a:lstStyle/>
                     <a:p>
                       <a:pPr>
                         <a:lnSpc>
@@ -3020,33 +4097,89 @@
                         </a:lnSpc>
                       </a:pPr>
                       <a:r>
-                        <a:rPr b="0" lang="en-US" sz="900" spc="-1" strike="noStrike">
+                        <a:rPr lang="en-US" sz="900" b="0" strike="noStrike" spc="-1" dirty="0" err="1">
                           <a:solidFill>
                             <a:srgbClr val="000000"/>
                           </a:solidFill>
                           <a:uFill>
                             <a:solidFill>
-                              <a:srgbClr val="ffffff"/>
+                              <a:srgbClr val="FFFFFF"/>
                             </a:solidFill>
                           </a:uFill>
-                          <a:latin typeface="BMW Group Condensed"/>
+                          <a:latin typeface="+mn-lt"/>
                         </a:rPr>
-                        <a:t>Gründe für Abweichung</a:t>
+                        <a:t>Gründe</a:t>
                       </a:r>
-                      <a:endParaRPr b="0" lang="en-US" sz="900" spc="-1" strike="noStrike">
+                      <a:r>
+                        <a:rPr lang="en-US" sz="900" b="0" strike="noStrike" spc="-1" dirty="0">
+                          <a:solidFill>
+                            <a:srgbClr val="000000"/>
+                          </a:solidFill>
+                          <a:uFill>
+                            <a:solidFill>
+                              <a:srgbClr val="FFFFFF"/>
+                            </a:solidFill>
+                          </a:uFill>
+                          <a:latin typeface="+mn-lt"/>
+                        </a:rPr>
+                        <a:t> </a:t>
+                      </a:r>
+                      <a:r>
+                        <a:rPr lang="en-US" sz="900" b="0" strike="noStrike" spc="-1" dirty="0" err="1">
+                          <a:solidFill>
+                            <a:srgbClr val="000000"/>
+                          </a:solidFill>
+                          <a:uFill>
+                            <a:solidFill>
+                              <a:srgbClr val="FFFFFF"/>
+                            </a:solidFill>
+                          </a:uFill>
+                          <a:latin typeface="+mn-lt"/>
+                        </a:rPr>
+                        <a:t>für</a:t>
+                      </a:r>
+                      <a:r>
+                        <a:rPr lang="en-US" sz="900" b="0" strike="noStrike" spc="-1" dirty="0">
+                          <a:solidFill>
+                            <a:srgbClr val="000000"/>
+                          </a:solidFill>
+                          <a:uFill>
+                            <a:solidFill>
+                              <a:srgbClr val="FFFFFF"/>
+                            </a:solidFill>
+                          </a:uFill>
+                          <a:latin typeface="+mn-lt"/>
+                        </a:rPr>
+                        <a:t> </a:t>
+                      </a:r>
+                      <a:r>
+                        <a:rPr lang="en-US" sz="900" b="0" strike="noStrike" spc="-1" dirty="0" err="1">
+                          <a:solidFill>
+                            <a:srgbClr val="000000"/>
+                          </a:solidFill>
+                          <a:uFill>
+                            <a:solidFill>
+                              <a:srgbClr val="FFFFFF"/>
+                            </a:solidFill>
+                          </a:uFill>
+                          <a:latin typeface="+mn-lt"/>
+                        </a:rPr>
+                        <a:t>Abweichung</a:t>
+                      </a:r>
+                      <a:endParaRPr lang="en-US" sz="900" b="0" strike="noStrike" spc="-1" dirty="0">
                         <a:solidFill>
                           <a:srgbClr val="000000"/>
                         </a:solidFill>
                         <a:uFill>
                           <a:solidFill>
-                            <a:srgbClr val="ffffff"/>
+                            <a:srgbClr val="FFFFFF"/>
                           </a:solidFill>
                         </a:uFill>
-                        <a:latin typeface="Arial"/>
+                        <a:latin typeface="+mn-lt"/>
                       </a:endParaRPr>
                     </a:p>
                   </a:txBody>
-                  <a:tcPr marL="91440" marR="91440">
+                  <a:tcPr>
                     <a:lnL w="12240">
                       <a:solidFill>
                         <a:srgbClr val="000000"/>
@@ -3068,7 +4201,7 @@
                       </a:solidFill>
                     </a:lnB>
                     <a:solidFill>
-                      <a:srgbClr val="dce6f2"/>
+                      <a:srgbClr val="DCE6F2"/>
                     </a:solidFill>
                   </a:tcPr>
                 </a:tc>
@@ -3081,11 +4214,17 @@
         <p:nvGraphicFramePr>
           <p:cNvPr id="48" name="Table 9"/>
           <p:cNvGraphicFramePr/>
-          <p:nvPr/>
+          <p:nvPr>
+            <p:extLst>
+              <p:ext uri="{D42A27DB-BD31-4B8C-83A1-F6EECF244321}">
+                <p14:modId xmlns:p14="http://schemas.microsoft.com/office/powerpoint/2010/main" val="1528073014"/>
+              </p:ext>
+            </p:extLst>
+          </p:nvPr>
         </p:nvGraphicFramePr>
         <p:xfrm>
           <a:off x="3241440" y="1259280"/>
-          <a:ext cx="2664000" cy="953640"/>
+          <a:ext cx="2664000" cy="962280"/>
         </p:xfrm>
         <a:graphic>
           <a:graphicData uri="http://schemas.openxmlformats.org/drawingml/2006/table">
@@ -3099,6 +4238,7 @@
                 <a:tc gridSpan="2">
                   <a:txBody>
                     <a:bodyPr/>
+                    <a:lstStyle/>
                     <a:p>
                       <a:pPr>
                         <a:lnSpc>
@@ -3106,47 +4246,47 @@
                         </a:lnSpc>
                       </a:pPr>
                       <a:r>
-                        <a:rPr b="0" lang="en-US" sz="1200" spc="-1" strike="noStrike">
+                        <a:rPr lang="en-US" sz="1200" b="0" strike="noStrike" spc="-1">
                           <a:solidFill>
-                            <a:srgbClr val="ffffff"/>
+                            <a:srgbClr val="FFFFFF"/>
                           </a:solidFill>
                           <a:uFill>
                             <a:solidFill>
-                              <a:srgbClr val="ffffff"/>
+                              <a:srgbClr val="FFFFFF"/>
                             </a:solidFill>
                           </a:uFill>
-                          <a:latin typeface="BMW Group Condensed"/>
+                          <a:latin typeface="+mn-lt"/>
                         </a:rPr>
                         <a:t>Ampelstatus</a:t>
                       </a:r>
                       <a:r>
-                        <a:rPr b="1" lang="en-US" sz="1200" spc="-1" strike="noStrike">
+                        <a:rPr lang="en-US" sz="1200" b="1" strike="noStrike" spc="-1">
                           <a:solidFill>
-                            <a:srgbClr val="ffffff"/>
+                            <a:srgbClr val="FFFFFF"/>
                           </a:solidFill>
                           <a:uFill>
                             <a:solidFill>
-                              <a:srgbClr val="ffffff"/>
+                              <a:srgbClr val="FFFFFF"/>
                             </a:solidFill>
                           </a:uFill>
-                          <a:latin typeface="BMW Group Condensed"/>
+                          <a:latin typeface="+mn-lt"/>
                         </a:rPr>
                         <a:t> Ressourcen / Zuarbeit</a:t>
                       </a:r>
-                      <a:endParaRPr b="0" lang="en-US" sz="1200" spc="-1" strike="noStrike">
+                      <a:endParaRPr lang="en-US" sz="1200" b="0" strike="noStrike" spc="-1">
                         <a:solidFill>
                           <a:srgbClr val="000000"/>
                         </a:solidFill>
                         <a:uFill>
                           <a:solidFill>
-                            <a:srgbClr val="ffffff"/>
+                            <a:srgbClr val="FFFFFF"/>
                           </a:solidFill>
                         </a:uFill>
-                        <a:latin typeface="Arial"/>
+                        <a:latin typeface="+mn-lt"/>
                       </a:endParaRPr>
                     </a:p>
                   </a:txBody>
-                  <a:tcPr marL="91440" marR="91440">
+                  <a:tcPr>
                     <a:lnL w="12240">
                       <a:solidFill>
                         <a:srgbClr val="000000"/>
@@ -3168,21 +4308,37 @@
                       </a:solidFill>
                     </a:lnB>
                     <a:solidFill>
-                      <a:srgbClr val="4f81bd"/>
+                      <a:srgbClr val="4F81BD"/>
                     </a:solidFill>
                   </a:tcPr>
                 </a:tc>
                 <a:tc hMerge="1">
+                  <a:txBody>
+                    <a:bodyPr/>
+                    <a:lstStyle/>
+                    <a:p>
+                      <a:endParaRPr lang="de-DE"/>
+                    </a:p>
+                  </a:txBody>
                   <a:tcPr>
                     <a:solidFill>
-                      <a:srgbClr val="729fcf"/>
+                      <a:srgbClr val="729FCF"/>
                     </a:solidFill>
                   </a:tcPr>
                 </a:tc>
               </a:tr>
               <a:tr h="687960">
                 <a:tc>
-                  <a:tcPr marL="91440" marR="91440">
+                  <a:txBody>
+                    <a:bodyPr/>
+                    <a:lstStyle/>
+                    <a:p>
+                      <a:endParaRPr lang="de-DE">
+                        <a:latin typeface="+mn-lt"/>
+                      </a:endParaRPr>
+                    </a:p>
+                  </a:txBody>
+                  <a:tcPr>
                     <a:lnL w="12240">
                       <a:solidFill>
                         <a:srgbClr val="000000"/>
@@ -3204,13 +4360,14 @@
                       </a:solidFill>
                     </a:lnB>
                     <a:solidFill>
-                      <a:srgbClr val="dce6f2"/>
+                      <a:srgbClr val="DCE6F2"/>
                     </a:solidFill>
                   </a:tcPr>
                 </a:tc>
                 <a:tc>
                   <a:txBody>
                     <a:bodyPr/>
+                    <a:lstStyle/>
                     <a:p>
                       <a:pPr>
                         <a:lnSpc>
@@ -3218,29 +4375,85 @@
                         </a:lnSpc>
                       </a:pPr>
                       <a:r>
-                        <a:rPr b="0" lang="en-US" sz="900" spc="-1" strike="noStrike">
+                        <a:rPr lang="en-US" sz="900" b="0" strike="noStrike" spc="-1" dirty="0" err="1">
                           <a:solidFill>
                             <a:srgbClr val="000000"/>
                           </a:solidFill>
                           <a:uFill>
                             <a:solidFill>
-                              <a:srgbClr val="ffffff"/>
+                              <a:srgbClr val="FFFFFF"/>
                             </a:solidFill>
                           </a:uFill>
-                          <a:latin typeface="BMW Group Condensed"/>
+                          <a:latin typeface="+mn-lt"/>
                         </a:rPr>
-                        <a:t>Gründe für Abweichung</a:t>
+                        <a:t>Gründe</a:t>
                       </a:r>
-                      <a:endParaRPr b="0" lang="en-US" sz="900" spc="-1" strike="noStrike">
+                      <a:r>
+                        <a:rPr lang="en-US" sz="900" b="0" strike="noStrike" spc="-1" dirty="0">
+                          <a:solidFill>
+                            <a:srgbClr val="000000"/>
+                          </a:solidFill>
+                          <a:uFill>
+                            <a:solidFill>
+                              <a:srgbClr val="FFFFFF"/>
+                            </a:solidFill>
+                          </a:uFill>
+                          <a:latin typeface="+mn-lt"/>
+                        </a:rPr>
+                        <a:t> </a:t>
+                      </a:r>
+                      <a:r>
+                        <a:rPr lang="en-US" sz="900" b="0" strike="noStrike" spc="-1" dirty="0" err="1">
+                          <a:solidFill>
+                            <a:srgbClr val="000000"/>
+                          </a:solidFill>
+                          <a:uFill>
+                            <a:solidFill>
+                              <a:srgbClr val="FFFFFF"/>
+                            </a:solidFill>
+                          </a:uFill>
+                          <a:latin typeface="+mn-lt"/>
+                        </a:rPr>
+                        <a:t>für</a:t>
+                      </a:r>
+                      <a:r>
+                        <a:rPr lang="en-US" sz="900" b="0" strike="noStrike" spc="-1" dirty="0">
+                          <a:solidFill>
+                            <a:srgbClr val="000000"/>
+                          </a:solidFill>
+                          <a:uFill>
+                            <a:solidFill>
+                              <a:srgbClr val="FFFFFF"/>
+                            </a:solidFill>
+                          </a:uFill>
+                          <a:latin typeface="+mn-lt"/>
+                        </a:rPr>
+                        <a:t> </a:t>
+                      </a:r>
+                      <a:r>
+                        <a:rPr lang="en-US" sz="900" b="0" strike="noStrike" spc="-1" dirty="0" err="1">
+                          <a:solidFill>
+                            <a:srgbClr val="000000"/>
+                          </a:solidFill>
+                          <a:uFill>
+                            <a:solidFill>
+                              <a:srgbClr val="FFFFFF"/>
+                            </a:solidFill>
+                          </a:uFill>
+                          <a:latin typeface="+mn-lt"/>
+                        </a:rPr>
+                        <a:t>Abweichung</a:t>
+                      </a:r>
+                      <a:endParaRPr lang="en-US" sz="900" b="0" strike="noStrike" spc="-1" dirty="0">
                         <a:solidFill>
                           <a:srgbClr val="000000"/>
                         </a:solidFill>
                         <a:uFill>
                           <a:solidFill>
-                            <a:srgbClr val="ffffff"/>
+                            <a:srgbClr val="FFFFFF"/>
                           </a:solidFill>
                         </a:uFill>
-                        <a:latin typeface="Arial"/>
+                        <a:latin typeface="+mn-lt"/>
                       </a:endParaRPr>
                     </a:p>
                     <a:p>
@@ -3249,20 +4462,20 @@
                           <a:spcPct val="100000"/>
                         </a:lnSpc>
                       </a:pPr>
-                      <a:endParaRPr b="0" lang="en-US" sz="900" spc="-1" strike="noStrike">
+                      <a:endParaRPr lang="en-US" sz="900" b="0" strike="noStrike" spc="-1" dirty="0">
                         <a:solidFill>
                           <a:srgbClr val="000000"/>
                         </a:solidFill>
                         <a:uFill>
                           <a:solidFill>
-                            <a:srgbClr val="ffffff"/>
+                            <a:srgbClr val="FFFFFF"/>
                           </a:solidFill>
                         </a:uFill>
-                        <a:latin typeface="Arial"/>
+                        <a:latin typeface="+mn-lt"/>
                       </a:endParaRPr>
                     </a:p>
                   </a:txBody>
-                  <a:tcPr marL="91440" marR="91440">
+                  <a:tcPr>
                     <a:lnL w="12240">
                       <a:solidFill>
                         <a:srgbClr val="000000"/>
@@ -3284,7 +4497,7 @@
                       </a:solidFill>
                     </a:lnB>
                     <a:solidFill>
-                      <a:srgbClr val="dce6f2"/>
+                      <a:srgbClr val="DCE6F2"/>
                     </a:solidFill>
                   </a:tcPr>
                 </a:tc>
@@ -3297,11 +4510,17 @@
         <p:nvGraphicFramePr>
           <p:cNvPr id="49" name="Table 10"/>
           <p:cNvGraphicFramePr/>
-          <p:nvPr/>
+          <p:nvPr>
+            <p:extLst>
+              <p:ext uri="{D42A27DB-BD31-4B8C-83A1-F6EECF244321}">
+                <p14:modId xmlns:p14="http://schemas.microsoft.com/office/powerpoint/2010/main" val="822102918"/>
+              </p:ext>
+            </p:extLst>
+          </p:nvPr>
         </p:nvGraphicFramePr>
         <p:xfrm>
           <a:off x="6013080" y="1259280"/>
-          <a:ext cx="2664000" cy="953640"/>
+          <a:ext cx="2664000" cy="962280"/>
         </p:xfrm>
         <a:graphic>
           <a:graphicData uri="http://schemas.openxmlformats.org/drawingml/2006/table">
@@ -3315,6 +4534,7 @@
                 <a:tc gridSpan="2">
                   <a:txBody>
                     <a:bodyPr/>
+                    <a:lstStyle/>
                     <a:p>
                       <a:pPr>
                         <a:lnSpc>
@@ -3322,47 +4542,47 @@
                         </a:lnSpc>
                       </a:pPr>
                       <a:r>
-                        <a:rPr b="0" lang="en-US" sz="1200" spc="-1" strike="noStrike">
+                        <a:rPr lang="en-US" sz="1200" b="0" strike="noStrike" spc="-1">
                           <a:solidFill>
-                            <a:srgbClr val="ffffff"/>
+                            <a:srgbClr val="FFFFFF"/>
                           </a:solidFill>
                           <a:uFill>
                             <a:solidFill>
-                              <a:srgbClr val="ffffff"/>
+                              <a:srgbClr val="FFFFFF"/>
                             </a:solidFill>
                           </a:uFill>
-                          <a:latin typeface="BMW Group Condensed"/>
+                          <a:latin typeface="+mn-lt"/>
                         </a:rPr>
                         <a:t>Ampelstatus</a:t>
                       </a:r>
                       <a:r>
-                        <a:rPr b="1" lang="en-US" sz="1200" spc="-1" strike="noStrike">
+                        <a:rPr lang="en-US" sz="1200" b="1" strike="noStrike" spc="-1">
                           <a:solidFill>
-                            <a:srgbClr val="ffffff"/>
+                            <a:srgbClr val="FFFFFF"/>
                           </a:solidFill>
                           <a:uFill>
                             <a:solidFill>
-                              <a:srgbClr val="ffffff"/>
+                              <a:srgbClr val="FFFFFF"/>
                             </a:solidFill>
                           </a:uFill>
-                          <a:latin typeface="BMW Group Condensed"/>
+                          <a:latin typeface="+mn-lt"/>
                         </a:rPr>
                         <a:t> Inhalt / Qualität</a:t>
                       </a:r>
-                      <a:endParaRPr b="0" lang="en-US" sz="1200" spc="-1" strike="noStrike">
+                      <a:endParaRPr lang="en-US" sz="1200" b="0" strike="noStrike" spc="-1">
                         <a:solidFill>
                           <a:srgbClr val="000000"/>
                         </a:solidFill>
                         <a:uFill>
                           <a:solidFill>
-                            <a:srgbClr val="ffffff"/>
+                            <a:srgbClr val="FFFFFF"/>
                           </a:solidFill>
                         </a:uFill>
-                        <a:latin typeface="Arial"/>
+                        <a:latin typeface="+mn-lt"/>
                       </a:endParaRPr>
                     </a:p>
                   </a:txBody>
-                  <a:tcPr marL="91440" marR="91440">
+                  <a:tcPr>
                     <a:lnL w="12240">
                       <a:solidFill>
                         <a:srgbClr val="000000"/>
@@ -3384,21 +4604,37 @@
                       </a:solidFill>
                     </a:lnB>
                     <a:solidFill>
-                      <a:srgbClr val="4f81bd"/>
+                      <a:srgbClr val="4F81BD"/>
                     </a:solidFill>
                   </a:tcPr>
                 </a:tc>
                 <a:tc hMerge="1">
+                  <a:txBody>
+                    <a:bodyPr/>
+                    <a:lstStyle/>
+                    <a:p>
+                      <a:endParaRPr lang="de-DE"/>
+                    </a:p>
+                  </a:txBody>
                   <a:tcPr>
                     <a:solidFill>
-                      <a:srgbClr val="729fcf"/>
+                      <a:srgbClr val="729FCF"/>
                     </a:solidFill>
                   </a:tcPr>
                 </a:tc>
               </a:tr>
               <a:tr h="687960">
                 <a:tc>
-                  <a:tcPr marL="91440" marR="91440">
+                  <a:txBody>
+                    <a:bodyPr/>
+                    <a:lstStyle/>
+                    <a:p>
+                      <a:endParaRPr lang="de-DE">
+                        <a:latin typeface="+mn-lt"/>
+                      </a:endParaRPr>
+                    </a:p>
+                  </a:txBody>
+                  <a:tcPr>
                     <a:lnL w="12240">
                       <a:solidFill>
                         <a:srgbClr val="000000"/>
@@ -3420,13 +4656,14 @@
                       </a:solidFill>
                     </a:lnB>
                     <a:solidFill>
-                      <a:srgbClr val="dce6f2"/>
+                      <a:srgbClr val="DCE6F2"/>
                     </a:solidFill>
                   </a:tcPr>
                 </a:tc>
                 <a:tc>
                   <a:txBody>
                     <a:bodyPr/>
+                    <a:lstStyle/>
                     <a:p>
                       <a:pPr>
                         <a:lnSpc>
@@ -3434,29 +4671,85 @@
                         </a:lnSpc>
                       </a:pPr>
                       <a:r>
-                        <a:rPr b="0" lang="en-US" sz="900" spc="-1" strike="noStrike">
+                        <a:rPr lang="en-US" sz="900" b="0" strike="noStrike" spc="-1" dirty="0" err="1">
                           <a:solidFill>
                             <a:srgbClr val="000000"/>
                           </a:solidFill>
                           <a:uFill>
                             <a:solidFill>
-                              <a:srgbClr val="ffffff"/>
+                              <a:srgbClr val="FFFFFF"/>
                             </a:solidFill>
                           </a:uFill>
-                          <a:latin typeface="BMW Group Condensed"/>
+                          <a:latin typeface="+mn-lt"/>
                         </a:rPr>
-                        <a:t>Gründe für Abweichung</a:t>
+                        <a:t>Gründe</a:t>
                       </a:r>
-                      <a:endParaRPr b="0" lang="en-US" sz="900" spc="-1" strike="noStrike">
+                      <a:r>
+                        <a:rPr lang="en-US" sz="900" b="0" strike="noStrike" spc="-1" dirty="0">
+                          <a:solidFill>
+                            <a:srgbClr val="000000"/>
+                          </a:solidFill>
+                          <a:uFill>
+                            <a:solidFill>
+                              <a:srgbClr val="FFFFFF"/>
+                            </a:solidFill>
+                          </a:uFill>
+                          <a:latin typeface="+mn-lt"/>
+                        </a:rPr>
+                        <a:t> </a:t>
+                      </a:r>
+                      <a:r>
+                        <a:rPr lang="en-US" sz="900" b="0" strike="noStrike" spc="-1" dirty="0" err="1">
+                          <a:solidFill>
+                            <a:srgbClr val="000000"/>
+                          </a:solidFill>
+                          <a:uFill>
+                            <a:solidFill>
+                              <a:srgbClr val="FFFFFF"/>
+                            </a:solidFill>
+                          </a:uFill>
+                          <a:latin typeface="+mn-lt"/>
+                        </a:rPr>
+                        <a:t>für</a:t>
+                      </a:r>
+                      <a:r>
+                        <a:rPr lang="en-US" sz="900" b="0" strike="noStrike" spc="-1" dirty="0">
+                          <a:solidFill>
+                            <a:srgbClr val="000000"/>
+                          </a:solidFill>
+                          <a:uFill>
+                            <a:solidFill>
+                              <a:srgbClr val="FFFFFF"/>
+                            </a:solidFill>
+                          </a:uFill>
+                          <a:latin typeface="+mn-lt"/>
+                        </a:rPr>
+                        <a:t> </a:t>
+                      </a:r>
+                      <a:r>
+                        <a:rPr lang="en-US" sz="900" b="0" strike="noStrike" spc="-1" dirty="0" err="1">
+                          <a:solidFill>
+                            <a:srgbClr val="000000"/>
+                          </a:solidFill>
+                          <a:uFill>
+                            <a:solidFill>
+                              <a:srgbClr val="FFFFFF"/>
+                            </a:solidFill>
+                          </a:uFill>
+                          <a:latin typeface="+mn-lt"/>
+                        </a:rPr>
+                        <a:t>Abweichung</a:t>
+                      </a:r>
+                      <a:endParaRPr lang="en-US" sz="900" b="0" strike="noStrike" spc="-1" dirty="0">
                         <a:solidFill>
                           <a:srgbClr val="000000"/>
                         </a:solidFill>
                         <a:uFill>
                           <a:solidFill>
-                            <a:srgbClr val="ffffff"/>
+                            <a:srgbClr val="FFFFFF"/>
                           </a:solidFill>
                         </a:uFill>
-                        <a:latin typeface="Arial"/>
+                        <a:latin typeface="+mn-lt"/>
                       </a:endParaRPr>
                     </a:p>
                     <a:p>
@@ -3465,20 +4758,20 @@
                           <a:spcPct val="100000"/>
                         </a:lnSpc>
                       </a:pPr>
-                      <a:endParaRPr b="0" lang="en-US" sz="900" spc="-1" strike="noStrike">
+                      <a:endParaRPr lang="en-US" sz="900" b="0" strike="noStrike" spc="-1" dirty="0">
                         <a:solidFill>
                           <a:srgbClr val="000000"/>
                         </a:solidFill>
                         <a:uFill>
                           <a:solidFill>
-                            <a:srgbClr val="ffffff"/>
+                            <a:srgbClr val="FFFFFF"/>
                           </a:solidFill>
                         </a:uFill>
-                        <a:latin typeface="Arial"/>
+                        <a:latin typeface="+mn-lt"/>
                       </a:endParaRPr>
                     </a:p>
                   </a:txBody>
-                  <a:tcPr marL="91440" marR="91440">
+                  <a:tcPr>
                     <a:lnL w="12240">
                       <a:solidFill>
                         <a:srgbClr val="000000"/>
@@ -3500,7 +4793,7 @@
                       </a:solidFill>
                     </a:lnB>
                     <a:solidFill>
-                      <a:srgbClr val="dce6f2"/>
+                      <a:srgbClr val="DCE6F2"/>
                     </a:solidFill>
                   </a:tcPr>
                 </a:tc>
@@ -3526,23 +4819,30 @@
             </a:avLst>
           </a:prstGeom>
           <a:solidFill>
-            <a:srgbClr val="dce6f2"/>
+            <a:srgbClr val="DCE6F2"/>
           </a:solidFill>
           <a:ln w="28440">
             <a:solidFill>
-              <a:srgbClr val="ffffff"/>
+              <a:srgbClr val="FFFFFF"/>
             </a:solidFill>
             <a:round/>
           </a:ln>
         </p:spPr>
         <p:style>
-          <a:lnRef idx="0"/>
-          <a:fillRef idx="0"/>
-          <a:effectRef idx="0"/>
+          <a:lnRef idx="0">
+            <a:scrgbClr r="0" g="0" b="0"/>
+          </a:lnRef>
+          <a:fillRef idx="0">
+            <a:scrgbClr r="0" g="0" b="0"/>
+          </a:fillRef>
+          <a:effectRef idx="0">
+            <a:scrgbClr r="0" g="0" b="0"/>
+          </a:effectRef>
           <a:fontRef idx="minor"/>
         </p:style>
         <p:txBody>
           <a:bodyPr anchor="ctr"/>
+          <a:lstStyle/>
           <a:p>
             <a:pPr algn="ctr">
               <a:lnSpc>
@@ -3550,30 +4850,20 @@
               </a:lnSpc>
             </a:pPr>
             <a:r>
-              <a:rPr b="0" lang="en-US" sz="900" spc="-1" strike="noStrike">
+              <a:rPr lang="en-US" sz="900" b="0" strike="noStrike" spc="-1">
                 <a:solidFill>
                   <a:srgbClr val="000000"/>
                 </a:solidFill>
                 <a:uFill>
                   <a:solidFill>
-                    <a:srgbClr val="ffffff"/>
+                    <a:srgbClr val="FFFFFF"/>
                   </a:solidFill>
                 </a:uFill>
-                <a:latin typeface="BMW Group Condensed"/>
+                <a:ea typeface="Arial" charset="0"/>
+                <a:cs typeface="Arial" charset="0"/>
               </a:rPr>
               <a:t>0 - Projektauftrag</a:t>
             </a:r>
-            <a:endParaRPr b="0" lang="en-US" sz="900" spc="-1" strike="noStrike">
-              <a:solidFill>
-                <a:srgbClr val="000000"/>
-              </a:solidFill>
-              <a:uFill>
-                <a:solidFill>
-                  <a:srgbClr val="ffffff"/>
-                </a:solidFill>
-              </a:uFill>
-              <a:latin typeface="Arial"/>
-            </a:endParaRPr>
           </a:p>
         </p:txBody>
       </p:sp>
@@ -3592,7 +4882,7 @@
             <a:avLst/>
           </a:prstGeom>
           <a:solidFill>
-            <a:schemeClr val="accent1"/>
+            <a:schemeClr val="accent3"/>
           </a:solidFill>
           <a:ln w="12600">
             <a:solidFill>
@@ -3602,9 +4892,15 @@
           </a:ln>
         </p:spPr>
         <p:style>
-          <a:lnRef idx="0"/>
-          <a:fillRef idx="0"/>
-          <a:effectRef idx="0"/>
+          <a:lnRef idx="0">
+            <a:scrgbClr r="0" g="0" b="0"/>
+          </a:lnRef>
+          <a:fillRef idx="0">
+            <a:scrgbClr r="0" g="0" b="0"/>
+          </a:fillRef>
+          <a:effectRef idx="0">
+            <a:scrgbClr r="0" g="0" b="0"/>
+          </a:effectRef>
           <a:fontRef idx="minor"/>
         </p:style>
       </p:sp>
@@ -3633,9 +4929,15 @@
           </a:ln>
         </p:spPr>
         <p:style>
-          <a:lnRef idx="0"/>
-          <a:fillRef idx="0"/>
-          <a:effectRef idx="0"/>
+          <a:lnRef idx="0">
+            <a:scrgbClr r="0" g="0" b="0"/>
+          </a:lnRef>
+          <a:fillRef idx="0">
+            <a:scrgbClr r="0" g="0" b="0"/>
+          </a:fillRef>
+          <a:effectRef idx="0">
+            <a:scrgbClr r="0" g="0" b="0"/>
+          </a:effectRef>
           <a:fontRef idx="minor"/>
         </p:style>
       </p:sp>
@@ -3656,15 +4958,21 @@
           <a:noFill/>
           <a:ln w="9360">
             <a:solidFill>
-              <a:srgbClr val="3a5f8b"/>
+              <a:srgbClr val="3A5F8B"/>
             </a:solidFill>
             <a:round/>
           </a:ln>
         </p:spPr>
         <p:style>
-          <a:lnRef idx="0"/>
-          <a:fillRef idx="0"/>
-          <a:effectRef idx="0"/>
+          <a:lnRef idx="0">
+            <a:scrgbClr r="0" g="0" b="0"/>
+          </a:lnRef>
+          <a:fillRef idx="0">
+            <a:scrgbClr r="0" g="0" b="0"/>
+          </a:fillRef>
+          <a:effectRef idx="0">
+            <a:scrgbClr r="0" g="0" b="0"/>
+          </a:effectRef>
           <a:fontRef idx="minor"/>
         </p:style>
       </p:sp>
@@ -3695,9 +5003,15 @@
           </a:ln>
         </p:spPr>
         <p:style>
-          <a:lnRef idx="0"/>
-          <a:fillRef idx="0"/>
-          <a:effectRef idx="0"/>
+          <a:lnRef idx="0">
+            <a:scrgbClr r="0" g="0" b="0"/>
+          </a:lnRef>
+          <a:fillRef idx="0">
+            <a:scrgbClr r="0" g="0" b="0"/>
+          </a:fillRef>
+          <a:effectRef idx="0">
+            <a:scrgbClr r="0" g="0" b="0"/>
+          </a:effectRef>
           <a:fontRef idx="minor"/>
         </p:style>
       </p:sp>
@@ -3716,7 +5030,7 @@
             <a:avLst/>
           </a:prstGeom>
           <a:solidFill>
-            <a:schemeClr val="accent1"/>
+            <a:schemeClr val="accent3"/>
           </a:solidFill>
           <a:ln w="12600">
             <a:solidFill>
@@ -3726,9 +5040,15 @@
           </a:ln>
         </p:spPr>
         <p:style>
-          <a:lnRef idx="0"/>
-          <a:fillRef idx="0"/>
-          <a:effectRef idx="0"/>
+          <a:lnRef idx="0">
+            <a:scrgbClr r="0" g="0" b="0"/>
+          </a:lnRef>
+          <a:fillRef idx="0">
+            <a:scrgbClr r="0" g="0" b="0"/>
+          </a:fillRef>
+          <a:effectRef idx="0">
+            <a:scrgbClr r="0" g="0" b="0"/>
+          </a:effectRef>
           <a:fontRef idx="minor"/>
         </p:style>
       </p:sp>
@@ -3759,9 +5079,15 @@
           </a:ln>
         </p:spPr>
         <p:style>
-          <a:lnRef idx="0"/>
-          <a:fillRef idx="0"/>
-          <a:effectRef idx="0"/>
+          <a:lnRef idx="0">
+            <a:scrgbClr r="0" g="0" b="0"/>
+          </a:lnRef>
+          <a:fillRef idx="0">
+            <a:scrgbClr r="0" g="0" b="0"/>
+          </a:fillRef>
+          <a:effectRef idx="0">
+            <a:scrgbClr r="0" g="0" b="0"/>
+          </a:effectRef>
           <a:fontRef idx="minor"/>
         </p:style>
       </p:sp>
@@ -3782,15 +5108,21 @@
           <a:noFill/>
           <a:ln w="9360">
             <a:solidFill>
-              <a:srgbClr val="3a5f8b"/>
+              <a:srgbClr val="3A5F8B"/>
             </a:solidFill>
             <a:round/>
           </a:ln>
         </p:spPr>
         <p:style>
-          <a:lnRef idx="0"/>
-          <a:fillRef idx="0"/>
-          <a:effectRef idx="0"/>
+          <a:lnRef idx="0">
+            <a:scrgbClr r="0" g="0" b="0"/>
+          </a:lnRef>
+          <a:fillRef idx="0">
+            <a:scrgbClr r="0" g="0" b="0"/>
+          </a:fillRef>
+          <a:effectRef idx="0">
+            <a:scrgbClr r="0" g="0" b="0"/>
+          </a:effectRef>
           <a:fontRef idx="minor"/>
         </p:style>
       </p:sp>
@@ -3821,9 +5153,15 @@
           </a:ln>
         </p:spPr>
         <p:style>
-          <a:lnRef idx="0"/>
-          <a:fillRef idx="0"/>
-          <a:effectRef idx="0"/>
+          <a:lnRef idx="0">
+            <a:scrgbClr r="0" g="0" b="0"/>
+          </a:lnRef>
+          <a:fillRef idx="0">
+            <a:scrgbClr r="0" g="0" b="0"/>
+          </a:fillRef>
+          <a:effectRef idx="0">
+            <a:scrgbClr r="0" g="0" b="0"/>
+          </a:effectRef>
           <a:fontRef idx="minor"/>
         </p:style>
       </p:sp>
@@ -3842,7 +5180,7 @@
             <a:avLst/>
           </a:prstGeom>
           <a:solidFill>
-            <a:schemeClr val="accent1"/>
+            <a:schemeClr val="accent3"/>
           </a:solidFill>
           <a:ln w="12600">
             <a:solidFill>
@@ -3852,9 +5190,15 @@
           </a:ln>
         </p:spPr>
         <p:style>
-          <a:lnRef idx="0"/>
-          <a:fillRef idx="0"/>
-          <a:effectRef idx="0"/>
+          <a:lnRef idx="0">
+            <a:scrgbClr r="0" g="0" b="0"/>
+          </a:lnRef>
+          <a:fillRef idx="0">
+            <a:scrgbClr r="0" g="0" b="0"/>
+          </a:fillRef>
+          <a:effectRef idx="0">
+            <a:scrgbClr r="0" g="0" b="0"/>
+          </a:effectRef>
           <a:fontRef idx="minor"/>
         </p:style>
       </p:sp>
@@ -3885,9 +5229,15 @@
           </a:ln>
         </p:spPr>
         <p:style>
-          <a:lnRef idx="0"/>
-          <a:fillRef idx="0"/>
-          <a:effectRef idx="0"/>
+          <a:lnRef idx="0">
+            <a:scrgbClr r="0" g="0" b="0"/>
+          </a:lnRef>
+          <a:fillRef idx="0">
+            <a:scrgbClr r="0" g="0" b="0"/>
+          </a:fillRef>
+          <a:effectRef idx="0">
+            <a:scrgbClr r="0" g="0" b="0"/>
+          </a:effectRef>
           <a:fontRef idx="minor"/>
         </p:style>
       </p:sp>
@@ -3908,15 +5258,21 @@
           <a:noFill/>
           <a:ln w="9360">
             <a:solidFill>
-              <a:srgbClr val="3a5f8b"/>
+              <a:srgbClr val="3A5F8B"/>
             </a:solidFill>
             <a:round/>
           </a:ln>
         </p:spPr>
         <p:style>
-          <a:lnRef idx="0"/>
-          <a:fillRef idx="0"/>
-          <a:effectRef idx="0"/>
+          <a:lnRef idx="0">
+            <a:scrgbClr r="0" g="0" b="0"/>
+          </a:lnRef>
+          <a:fillRef idx="0">
+            <a:scrgbClr r="0" g="0" b="0"/>
+          </a:fillRef>
+          <a:effectRef idx="0">
+            <a:scrgbClr r="0" g="0" b="0"/>
+          </a:effectRef>
           <a:fontRef idx="minor"/>
         </p:style>
       </p:sp>
@@ -3947,9 +5303,15 @@
           </a:ln>
         </p:spPr>
         <p:style>
-          <a:lnRef idx="0"/>
-          <a:fillRef idx="0"/>
-          <a:effectRef idx="0"/>
+          <a:lnRef idx="0">
+            <a:scrgbClr r="0" g="0" b="0"/>
+          </a:lnRef>
+          <a:fillRef idx="0">
+            <a:scrgbClr r="0" g="0" b="0"/>
+          </a:fillRef>
+          <a:effectRef idx="0">
+            <a:scrgbClr r="0" g="0" b="0"/>
+          </a:effectRef>
           <a:fontRef idx="minor"/>
         </p:style>
       </p:sp>
@@ -3968,7 +5330,7 @@
             <a:avLst/>
           </a:prstGeom>
           <a:solidFill>
-            <a:schemeClr val="accent1"/>
+            <a:schemeClr val="accent3"/>
           </a:solidFill>
           <a:ln w="12600">
             <a:solidFill>
@@ -3978,9 +5340,15 @@
           </a:ln>
         </p:spPr>
         <p:style>
-          <a:lnRef idx="0"/>
-          <a:fillRef idx="0"/>
-          <a:effectRef idx="0"/>
+          <a:lnRef idx="0">
+            <a:scrgbClr r="0" g="0" b="0"/>
+          </a:lnRef>
+          <a:fillRef idx="0">
+            <a:scrgbClr r="0" g="0" b="0"/>
+          </a:fillRef>
+          <a:effectRef idx="0">
+            <a:scrgbClr r="0" g="0" b="0"/>
+          </a:effectRef>
           <a:fontRef idx="minor"/>
         </p:style>
       </p:sp>
@@ -4011,9 +5379,15 @@
           </a:ln>
         </p:spPr>
         <p:style>
-          <a:lnRef idx="0"/>
-          <a:fillRef idx="0"/>
-          <a:effectRef idx="0"/>
+          <a:lnRef idx="0">
+            <a:scrgbClr r="0" g="0" b="0"/>
+          </a:lnRef>
+          <a:fillRef idx="0">
+            <a:scrgbClr r="0" g="0" b="0"/>
+          </a:fillRef>
+          <a:effectRef idx="0">
+            <a:scrgbClr r="0" g="0" b="0"/>
+          </a:effectRef>
           <a:fontRef idx="minor"/>
         </p:style>
       </p:sp>
@@ -4034,15 +5408,21 @@
           <a:noFill/>
           <a:ln w="9360">
             <a:solidFill>
-              <a:srgbClr val="3a5f8b"/>
+              <a:srgbClr val="3A5F8B"/>
             </a:solidFill>
             <a:round/>
           </a:ln>
         </p:spPr>
         <p:style>
-          <a:lnRef idx="0"/>
-          <a:fillRef idx="0"/>
-          <a:effectRef idx="0"/>
+          <a:lnRef idx="0">
+            <a:scrgbClr r="0" g="0" b="0"/>
+          </a:lnRef>
+          <a:fillRef idx="0">
+            <a:scrgbClr r="0" g="0" b="0"/>
+          </a:fillRef>
+          <a:effectRef idx="0">
+            <a:scrgbClr r="0" g="0" b="0"/>
+          </a:effectRef>
           <a:fontRef idx="minor"/>
         </p:style>
       </p:sp>
@@ -4073,9 +5453,15 @@
           </a:ln>
         </p:spPr>
         <p:style>
-          <a:lnRef idx="0"/>
-          <a:fillRef idx="0"/>
-          <a:effectRef idx="0"/>
+          <a:lnRef idx="0">
+            <a:scrgbClr r="0" g="0" b="0"/>
+          </a:lnRef>
+          <a:fillRef idx="0">
+            <a:scrgbClr r="0" g="0" b="0"/>
+          </a:fillRef>
+          <a:effectRef idx="0">
+            <a:scrgbClr r="0" g="0" b="0"/>
+          </a:effectRef>
           <a:fontRef idx="minor"/>
         </p:style>
       </p:sp>
@@ -4095,14 +5481,20 @@
           </a:prstGeom>
           <a:ln>
             <a:solidFill>
-              <a:srgbClr val="d0d7e5"/>
+              <a:srgbClr val="D0D7E5"/>
             </a:solidFill>
           </a:ln>
         </p:spPr>
         <p:style>
-          <a:lnRef idx="0"/>
-          <a:fillRef idx="0"/>
-          <a:effectRef idx="0"/>
+          <a:lnRef idx="0">
+            <a:scrgbClr r="0" g="0" b="0"/>
+          </a:lnRef>
+          <a:fillRef idx="0">
+            <a:scrgbClr r="0" g="0" b="0"/>
+          </a:fillRef>
+          <a:effectRef idx="0">
+            <a:scrgbClr r="0" g="0" b="0"/>
+          </a:effectRef>
           <a:fontRef idx="minor"/>
         </p:style>
       </p:sp>
@@ -4121,16 +5513,22 @@
             <a:avLst/>
           </a:prstGeom>
           <a:solidFill>
-            <a:srgbClr val="d0d7e5"/>
+            <a:srgbClr val="D0D7E5"/>
           </a:solidFill>
           <a:ln>
             <a:noFill/>
           </a:ln>
         </p:spPr>
         <p:style>
-          <a:lnRef idx="0"/>
-          <a:fillRef idx="0"/>
-          <a:effectRef idx="0"/>
+          <a:lnRef idx="0">
+            <a:scrgbClr r="0" g="0" b="0"/>
+          </a:lnRef>
+          <a:fillRef idx="0">
+            <a:scrgbClr r="0" g="0" b="0"/>
+          </a:fillRef>
+          <a:effectRef idx="0">
+            <a:scrgbClr r="0" g="0" b="0"/>
+          </a:effectRef>
           <a:fontRef idx="minor"/>
         </p:style>
       </p:sp>
@@ -4150,14 +5548,20 @@
           </a:prstGeom>
           <a:ln>
             <a:solidFill>
-              <a:srgbClr val="d0d7e5"/>
+              <a:srgbClr val="D0D7E5"/>
             </a:solidFill>
           </a:ln>
         </p:spPr>
         <p:style>
-          <a:lnRef idx="0"/>
-          <a:fillRef idx="0"/>
-          <a:effectRef idx="0"/>
+          <a:lnRef idx="0">
+            <a:scrgbClr r="0" g="0" b="0"/>
+          </a:lnRef>
+          <a:fillRef idx="0">
+            <a:scrgbClr r="0" g="0" b="0"/>
+          </a:fillRef>
+          <a:effectRef idx="0">
+            <a:scrgbClr r="0" g="0" b="0"/>
+          </a:effectRef>
           <a:fontRef idx="minor"/>
         </p:style>
       </p:sp>
@@ -4176,16 +5580,22 @@
             <a:avLst/>
           </a:prstGeom>
           <a:solidFill>
-            <a:srgbClr val="d0d7e5"/>
+            <a:srgbClr val="D0D7E5"/>
           </a:solidFill>
           <a:ln>
             <a:noFill/>
           </a:ln>
         </p:spPr>
         <p:style>
-          <a:lnRef idx="0"/>
-          <a:fillRef idx="0"/>
-          <a:effectRef idx="0"/>
+          <a:lnRef idx="0">
+            <a:scrgbClr r="0" g="0" b="0"/>
+          </a:lnRef>
+          <a:fillRef idx="0">
+            <a:scrgbClr r="0" g="0" b="0"/>
+          </a:fillRef>
+          <a:effectRef idx="0">
+            <a:scrgbClr r="0" g="0" b="0"/>
+          </a:effectRef>
           <a:fontRef idx="minor"/>
         </p:style>
       </p:sp>
@@ -4205,14 +5615,20 @@
           </a:prstGeom>
           <a:ln>
             <a:solidFill>
-              <a:srgbClr val="d0d7e5"/>
+              <a:srgbClr val="D0D7E5"/>
             </a:solidFill>
           </a:ln>
         </p:spPr>
         <p:style>
-          <a:lnRef idx="0"/>
-          <a:fillRef idx="0"/>
-          <a:effectRef idx="0"/>
+          <a:lnRef idx="0">
+            <a:scrgbClr r="0" g="0" b="0"/>
+          </a:lnRef>
+          <a:fillRef idx="0">
+            <a:scrgbClr r="0" g="0" b="0"/>
+          </a:fillRef>
+          <a:effectRef idx="0">
+            <a:scrgbClr r="0" g="0" b="0"/>
+          </a:effectRef>
           <a:fontRef idx="minor"/>
         </p:style>
       </p:sp>
@@ -4231,16 +5647,22 @@
             <a:avLst/>
           </a:prstGeom>
           <a:solidFill>
-            <a:srgbClr val="d0d7e5"/>
+            <a:srgbClr val="D0D7E5"/>
           </a:solidFill>
           <a:ln>
             <a:noFill/>
           </a:ln>
         </p:spPr>
         <p:style>
-          <a:lnRef idx="0"/>
-          <a:fillRef idx="0"/>
-          <a:effectRef idx="0"/>
+          <a:lnRef idx="0">
+            <a:scrgbClr r="0" g="0" b="0"/>
+          </a:lnRef>
+          <a:fillRef idx="0">
+            <a:scrgbClr r="0" g="0" b="0"/>
+          </a:fillRef>
+          <a:effectRef idx="0">
+            <a:scrgbClr r="0" g="0" b="0"/>
+          </a:effectRef>
           <a:fontRef idx="minor"/>
         </p:style>
       </p:sp>
@@ -4260,14 +5682,20 @@
           </a:prstGeom>
           <a:ln>
             <a:solidFill>
-              <a:srgbClr val="d0d7e5"/>
+              <a:srgbClr val="D0D7E5"/>
             </a:solidFill>
           </a:ln>
         </p:spPr>
         <p:style>
-          <a:lnRef idx="0"/>
-          <a:fillRef idx="0"/>
-          <a:effectRef idx="0"/>
+          <a:lnRef idx="0">
+            <a:scrgbClr r="0" g="0" b="0"/>
+          </a:lnRef>
+          <a:fillRef idx="0">
+            <a:scrgbClr r="0" g="0" b="0"/>
+          </a:fillRef>
+          <a:effectRef idx="0">
+            <a:scrgbClr r="0" g="0" b="0"/>
+          </a:effectRef>
           <a:fontRef idx="minor"/>
         </p:style>
       </p:sp>
@@ -4286,16 +5714,22 @@
             <a:avLst/>
           </a:prstGeom>
           <a:solidFill>
-            <a:srgbClr val="d0d7e5"/>
+            <a:srgbClr val="D0D7E5"/>
           </a:solidFill>
           <a:ln>
             <a:noFill/>
           </a:ln>
         </p:spPr>
         <p:style>
-          <a:lnRef idx="0"/>
-          <a:fillRef idx="0"/>
-          <a:effectRef idx="0"/>
+          <a:lnRef idx="0">
+            <a:scrgbClr r="0" g="0" b="0"/>
+          </a:lnRef>
+          <a:fillRef idx="0">
+            <a:scrgbClr r="0" g="0" b="0"/>
+          </a:fillRef>
+          <a:effectRef idx="0">
+            <a:scrgbClr r="0" g="0" b="0"/>
+          </a:effectRef>
           <a:fontRef idx="minor"/>
         </p:style>
       </p:sp>
@@ -4315,14 +5749,20 @@
           </a:prstGeom>
           <a:ln>
             <a:solidFill>
-              <a:srgbClr val="d0d7e5"/>
+              <a:srgbClr val="D0D7E5"/>
             </a:solidFill>
           </a:ln>
         </p:spPr>
         <p:style>
-          <a:lnRef idx="0"/>
-          <a:fillRef idx="0"/>
-          <a:effectRef idx="0"/>
+          <a:lnRef idx="0">
+            <a:scrgbClr r="0" g="0" b="0"/>
+          </a:lnRef>
+          <a:fillRef idx="0">
+            <a:scrgbClr r="0" g="0" b="0"/>
+          </a:fillRef>
+          <a:effectRef idx="0">
+            <a:scrgbClr r="0" g="0" b="0"/>
+          </a:effectRef>
           <a:fontRef idx="minor"/>
         </p:style>
       </p:sp>
@@ -4341,16 +5781,22 @@
             <a:avLst/>
           </a:prstGeom>
           <a:solidFill>
-            <a:srgbClr val="d0d7e5"/>
+            <a:srgbClr val="D0D7E5"/>
           </a:solidFill>
           <a:ln>
             <a:noFill/>
           </a:ln>
         </p:spPr>
         <p:style>
-          <a:lnRef idx="0"/>
-          <a:fillRef idx="0"/>
-          <a:effectRef idx="0"/>
+          <a:lnRef idx="0">
+            <a:scrgbClr r="0" g="0" b="0"/>
+          </a:lnRef>
+          <a:fillRef idx="0">
+            <a:scrgbClr r="0" g="0" b="0"/>
+          </a:fillRef>
+          <a:effectRef idx="0">
+            <a:scrgbClr r="0" g="0" b="0"/>
+          </a:effectRef>
           <a:fontRef idx="minor"/>
         </p:style>
       </p:sp>
@@ -4358,11 +5804,17 @@
         <p:nvGraphicFramePr>
           <p:cNvPr id="77" name="Table 38"/>
           <p:cNvGraphicFramePr/>
-          <p:nvPr/>
+          <p:nvPr>
+            <p:extLst>
+              <p:ext uri="{D42A27DB-BD31-4B8C-83A1-F6EECF244321}">
+                <p14:modId xmlns:p14="http://schemas.microsoft.com/office/powerpoint/2010/main" val="1596168661"/>
+              </p:ext>
+            </p:extLst>
+          </p:nvPr>
         </p:nvGraphicFramePr>
         <p:xfrm>
           <a:off x="467280" y="2676600"/>
-          <a:ext cx="8207640" cy="323640"/>
+          <a:ext cx="8207640" cy="914400"/>
         </p:xfrm>
         <a:graphic>
           <a:graphicData uri="http://schemas.openxmlformats.org/drawingml/2006/table">
@@ -4379,35 +5831,45 @@
               </a:tblGrid>
               <a:tr h="237960">
                 <a:tc>
-                  <a:tcPr marL="91440" marR="91440">
+                  <a:txBody>
+                    <a:bodyPr/>
+                    <a:lstStyle/>
+                    <a:p>
+                      <a:endParaRPr lang="de-DE">
+                        <a:latin typeface="+mn-lt"/>
+                      </a:endParaRPr>
+                    </a:p>
+                  </a:txBody>
+                  <a:tcPr>
                     <a:lnL w="12240">
                       <a:solidFill>
-                        <a:srgbClr val="ffffff"/>
+                        <a:srgbClr val="FFFFFF"/>
                       </a:solidFill>
                     </a:lnL>
                     <a:lnR w="12240">
                       <a:solidFill>
-                        <a:srgbClr val="ffffff"/>
+                        <a:srgbClr val="FFFFFF"/>
                       </a:solidFill>
                     </a:lnR>
                     <a:lnT w="12240">
                       <a:solidFill>
-                        <a:srgbClr val="ffffff"/>
+                        <a:srgbClr val="FFFFFF"/>
                       </a:solidFill>
                     </a:lnT>
                     <a:lnB w="38160">
                       <a:solidFill>
-                        <a:srgbClr val="ffffff"/>
+                        <a:srgbClr val="FFFFFF"/>
                       </a:solidFill>
                     </a:lnB>
                     <a:solidFill>
-                      <a:srgbClr val="4f81bd"/>
+                      <a:srgbClr val="4F81BD"/>
                     </a:solidFill>
                   </a:tcPr>
                 </a:tc>
                 <a:tc>
                   <a:txBody>
                     <a:bodyPr/>
+                    <a:lstStyle/>
                     <a:p>
                       <a:pPr algn="ctr">
                         <a:lnSpc>
@@ -4415,61 +5877,62 @@
                         </a:lnSpc>
                       </a:pPr>
                       <a:r>
-                        <a:rPr b="1" lang="en-US" sz="1000" spc="-1" strike="noStrike">
+                        <a:rPr lang="en-US" sz="1000" b="1" strike="noStrike" spc="-1">
                           <a:solidFill>
-                            <a:srgbClr val="ffffff"/>
+                            <a:srgbClr val="FFFFFF"/>
                           </a:solidFill>
                           <a:uFill>
                             <a:solidFill>
-                              <a:srgbClr val="ffffff"/>
+                              <a:srgbClr val="FFFFFF"/>
                             </a:solidFill>
                           </a:uFill>
-                          <a:latin typeface="BMW Group Condensed"/>
+                          <a:latin typeface="+mn-lt"/>
                         </a:rPr>
                         <a:t>Juli</a:t>
                       </a:r>
-                      <a:endParaRPr b="0" lang="en-US" sz="1000" spc="-1" strike="noStrike">
+                      <a:endParaRPr lang="en-US" sz="1000" b="0" strike="noStrike" spc="-1">
                         <a:solidFill>
                           <a:srgbClr val="000000"/>
                         </a:solidFill>
                         <a:uFill>
                           <a:solidFill>
-                            <a:srgbClr val="ffffff"/>
+                            <a:srgbClr val="FFFFFF"/>
                           </a:solidFill>
                         </a:uFill>
-                        <a:latin typeface="Arial"/>
+                        <a:latin typeface="+mn-lt"/>
                       </a:endParaRPr>
                     </a:p>
                   </a:txBody>
-                  <a:tcPr marL="91440" marR="91440">
+                  <a:tcPr>
                     <a:lnL w="12240">
                       <a:solidFill>
-                        <a:srgbClr val="ffffff"/>
+                        <a:srgbClr val="FFFFFF"/>
                       </a:solidFill>
                     </a:lnL>
                     <a:lnR w="12240">
                       <a:solidFill>
-                        <a:srgbClr val="ffffff"/>
+                        <a:srgbClr val="FFFFFF"/>
                       </a:solidFill>
                     </a:lnR>
                     <a:lnT w="12240">
                       <a:solidFill>
-                        <a:srgbClr val="ffffff"/>
+                        <a:srgbClr val="FFFFFF"/>
                       </a:solidFill>
                     </a:lnT>
                     <a:lnB w="38160">
                       <a:solidFill>
-                        <a:srgbClr val="ffffff"/>
+                        <a:srgbClr val="FFFFFF"/>
                       </a:solidFill>
                     </a:lnB>
                     <a:solidFill>
-                      <a:srgbClr val="4f81bd"/>
+                      <a:srgbClr val="4F81BD"/>
                     </a:solidFill>
                   </a:tcPr>
                 </a:tc>
                 <a:tc>
                   <a:txBody>
                     <a:bodyPr/>
+                    <a:lstStyle/>
                     <a:p>
                       <a:pPr algn="ctr">
                         <a:lnSpc>
@@ -4477,61 +5940,62 @@
                         </a:lnSpc>
                       </a:pPr>
                       <a:r>
-                        <a:rPr b="1" lang="en-US" sz="1000" spc="-1" strike="noStrike">
+                        <a:rPr lang="en-US" sz="1000" b="1" strike="noStrike" spc="-1">
                           <a:solidFill>
-                            <a:srgbClr val="ffffff"/>
+                            <a:srgbClr val="FFFFFF"/>
                           </a:solidFill>
                           <a:uFill>
                             <a:solidFill>
-                              <a:srgbClr val="ffffff"/>
+                              <a:srgbClr val="FFFFFF"/>
                             </a:solidFill>
                           </a:uFill>
-                          <a:latin typeface="BMW Group Condensed"/>
+                          <a:latin typeface="+mn-lt"/>
                         </a:rPr>
                         <a:t>August</a:t>
                       </a:r>
-                      <a:endParaRPr b="0" lang="en-US" sz="1000" spc="-1" strike="noStrike">
+                      <a:endParaRPr lang="en-US" sz="1000" b="0" strike="noStrike" spc="-1">
                         <a:solidFill>
                           <a:srgbClr val="000000"/>
                         </a:solidFill>
                         <a:uFill>
                           <a:solidFill>
-                            <a:srgbClr val="ffffff"/>
+                            <a:srgbClr val="FFFFFF"/>
                           </a:solidFill>
                         </a:uFill>
-                        <a:latin typeface="Arial"/>
+                        <a:latin typeface="+mn-lt"/>
                       </a:endParaRPr>
                     </a:p>
                   </a:txBody>
-                  <a:tcPr marL="91440" marR="91440">
+                  <a:tcPr>
                     <a:lnL w="12240">
                       <a:solidFill>
-                        <a:srgbClr val="ffffff"/>
+                        <a:srgbClr val="FFFFFF"/>
                       </a:solidFill>
                     </a:lnL>
                     <a:lnR w="12240">
                       <a:solidFill>
-                        <a:srgbClr val="ffffff"/>
+                        <a:srgbClr val="FFFFFF"/>
                       </a:solidFill>
                     </a:lnR>
                     <a:lnT w="12240">
                       <a:solidFill>
-                        <a:srgbClr val="ffffff"/>
+                        <a:srgbClr val="FFFFFF"/>
                       </a:solidFill>
                     </a:lnT>
                     <a:lnB w="38160">
                       <a:solidFill>
-                        <a:srgbClr val="ffffff"/>
+                        <a:srgbClr val="FFFFFF"/>
                       </a:solidFill>
                     </a:lnB>
                     <a:solidFill>
-                      <a:srgbClr val="4f81bd"/>
+                      <a:srgbClr val="4F81BD"/>
                     </a:solidFill>
                   </a:tcPr>
                 </a:tc>
                 <a:tc>
                   <a:txBody>
                     <a:bodyPr/>
+                    <a:lstStyle/>
                     <a:p>
                       <a:pPr algn="ctr">
                         <a:lnSpc>
@@ -4539,61 +6003,62 @@
                         </a:lnSpc>
                       </a:pPr>
                       <a:r>
-                        <a:rPr b="1" lang="en-US" sz="1000" spc="-1" strike="noStrike">
+                        <a:rPr lang="en-US" sz="1000" b="1" strike="noStrike" spc="-1">
                           <a:solidFill>
-                            <a:srgbClr val="ffffff"/>
+                            <a:srgbClr val="FFFFFF"/>
                           </a:solidFill>
                           <a:uFill>
                             <a:solidFill>
-                              <a:srgbClr val="ffffff"/>
+                              <a:srgbClr val="FFFFFF"/>
                             </a:solidFill>
                           </a:uFill>
-                          <a:latin typeface="BMW Group Condensed"/>
+                          <a:latin typeface="+mn-lt"/>
                         </a:rPr>
                         <a:t>September </a:t>
                       </a:r>
-                      <a:endParaRPr b="0" lang="en-US" sz="1000" spc="-1" strike="noStrike">
+                      <a:endParaRPr lang="en-US" sz="1000" b="0" strike="noStrike" spc="-1">
                         <a:solidFill>
                           <a:srgbClr val="000000"/>
                         </a:solidFill>
                         <a:uFill>
                           <a:solidFill>
-                            <a:srgbClr val="ffffff"/>
+                            <a:srgbClr val="FFFFFF"/>
                           </a:solidFill>
                         </a:uFill>
-                        <a:latin typeface="Arial"/>
+                        <a:latin typeface="+mn-lt"/>
                       </a:endParaRPr>
                     </a:p>
                   </a:txBody>
-                  <a:tcPr marL="91440" marR="91440">
+                  <a:tcPr>
                     <a:lnL w="12240">
                       <a:solidFill>
-                        <a:srgbClr val="ffffff"/>
+                        <a:srgbClr val="FFFFFF"/>
                       </a:solidFill>
                     </a:lnL>
                     <a:lnR w="12240">
                       <a:solidFill>
-                        <a:srgbClr val="ffffff"/>
+                        <a:srgbClr val="FFFFFF"/>
                       </a:solidFill>
                     </a:lnR>
                     <a:lnT w="12240">
                       <a:solidFill>
-                        <a:srgbClr val="ffffff"/>
+                        <a:srgbClr val="FFFFFF"/>
                       </a:solidFill>
                     </a:lnT>
                     <a:lnB w="38160">
                       <a:solidFill>
-                        <a:srgbClr val="ffffff"/>
+                        <a:srgbClr val="FFFFFF"/>
                       </a:solidFill>
                     </a:lnB>
                     <a:solidFill>
-                      <a:srgbClr val="4f81bd"/>
+                      <a:srgbClr val="4F81BD"/>
                     </a:solidFill>
                   </a:tcPr>
                 </a:tc>
                 <a:tc>
                   <a:txBody>
                     <a:bodyPr/>
+                    <a:lstStyle/>
                     <a:p>
                       <a:pPr algn="ctr">
                         <a:lnSpc>
@@ -4601,61 +6066,62 @@
                         </a:lnSpc>
                       </a:pPr>
                       <a:r>
-                        <a:rPr b="1" lang="en-US" sz="1000" spc="-1" strike="noStrike">
+                        <a:rPr lang="en-US" sz="1000" b="1" strike="noStrike" spc="-1">
                           <a:solidFill>
-                            <a:srgbClr val="ffffff"/>
+                            <a:srgbClr val="FFFFFF"/>
                           </a:solidFill>
                           <a:uFill>
                             <a:solidFill>
-                              <a:srgbClr val="ffffff"/>
+                              <a:srgbClr val="FFFFFF"/>
                             </a:solidFill>
                           </a:uFill>
-                          <a:latin typeface="BMW Group Condensed"/>
+                          <a:latin typeface="+mn-lt"/>
                         </a:rPr>
                         <a:t>Oktober</a:t>
                       </a:r>
-                      <a:endParaRPr b="0" lang="en-US" sz="1000" spc="-1" strike="noStrike">
+                      <a:endParaRPr lang="en-US" sz="1000" b="0" strike="noStrike" spc="-1">
                         <a:solidFill>
                           <a:srgbClr val="000000"/>
                         </a:solidFill>
                         <a:uFill>
                           <a:solidFill>
-                            <a:srgbClr val="ffffff"/>
+                            <a:srgbClr val="FFFFFF"/>
                           </a:solidFill>
                         </a:uFill>
-                        <a:latin typeface="Arial"/>
+                        <a:latin typeface="+mn-lt"/>
                       </a:endParaRPr>
                     </a:p>
                   </a:txBody>
-                  <a:tcPr marL="91440" marR="91440">
+                  <a:tcPr>
                     <a:lnL w="12240">
                       <a:solidFill>
-                        <a:srgbClr val="ffffff"/>
+                        <a:srgbClr val="FFFFFF"/>
                       </a:solidFill>
                     </a:lnL>
                     <a:lnR w="12240">
                       <a:solidFill>
-                        <a:srgbClr val="ffffff"/>
+                        <a:srgbClr val="FFFFFF"/>
                       </a:solidFill>
                     </a:lnR>
                     <a:lnT w="12240">
                       <a:solidFill>
-                        <a:srgbClr val="ffffff"/>
+                        <a:srgbClr val="FFFFFF"/>
                       </a:solidFill>
                     </a:lnT>
                     <a:lnB w="38160">
                       <a:solidFill>
-                        <a:srgbClr val="ffffff"/>
+                        <a:srgbClr val="FFFFFF"/>
                       </a:solidFill>
                     </a:lnB>
                     <a:solidFill>
-                      <a:srgbClr val="4f81bd"/>
+                      <a:srgbClr val="4F81BD"/>
                     </a:solidFill>
                   </a:tcPr>
                 </a:tc>
                 <a:tc>
                   <a:txBody>
                     <a:bodyPr/>
+                    <a:lstStyle/>
                     <a:p>
                       <a:pPr algn="ctr">
                         <a:lnSpc>
@@ -4663,61 +6129,62 @@
                         </a:lnSpc>
                       </a:pPr>
                       <a:r>
-                        <a:rPr b="1" lang="en-US" sz="1000" spc="-1" strike="noStrike">
+                        <a:rPr lang="en-US" sz="1000" b="1" strike="noStrike" spc="-1">
                           <a:solidFill>
-                            <a:srgbClr val="ffffff"/>
+                            <a:srgbClr val="FFFFFF"/>
                           </a:solidFill>
                           <a:uFill>
                             <a:solidFill>
-                              <a:srgbClr val="ffffff"/>
+                              <a:srgbClr val="FFFFFF"/>
                             </a:solidFill>
                           </a:uFill>
-                          <a:latin typeface="BMW Group Condensed"/>
+                          <a:latin typeface="+mn-lt"/>
                         </a:rPr>
                         <a:t>November </a:t>
                       </a:r>
-                      <a:endParaRPr b="0" lang="en-US" sz="1000" spc="-1" strike="noStrike">
+                      <a:endParaRPr lang="en-US" sz="1000" b="0" strike="noStrike" spc="-1">
                         <a:solidFill>
                           <a:srgbClr val="000000"/>
                         </a:solidFill>
                         <a:uFill>
                           <a:solidFill>
-                            <a:srgbClr val="ffffff"/>
+                            <a:srgbClr val="FFFFFF"/>
                           </a:solidFill>
                         </a:uFill>
-                        <a:latin typeface="Arial"/>
+                        <a:latin typeface="+mn-lt"/>
                       </a:endParaRPr>
                     </a:p>
                   </a:txBody>
-                  <a:tcPr marL="91440" marR="91440">
+                  <a:tcPr>
                     <a:lnL w="12240">
                       <a:solidFill>
-                        <a:srgbClr val="ffffff"/>
+                        <a:srgbClr val="FFFFFF"/>
                       </a:solidFill>
                     </a:lnL>
                     <a:lnR w="12240">
                       <a:solidFill>
-                        <a:srgbClr val="ffffff"/>
+                        <a:srgbClr val="FFFFFF"/>
                       </a:solidFill>
                     </a:lnR>
                     <a:lnT w="12240">
                       <a:solidFill>
-                        <a:srgbClr val="ffffff"/>
+                        <a:srgbClr val="FFFFFF"/>
                       </a:solidFill>
                     </a:lnT>
                     <a:lnB w="38160">
                       <a:solidFill>
-                        <a:srgbClr val="ffffff"/>
+                        <a:srgbClr val="FFFFFF"/>
                       </a:solidFill>
                     </a:lnB>
                     <a:solidFill>
-                      <a:srgbClr val="4f81bd"/>
+                      <a:srgbClr val="4F81BD"/>
                     </a:solidFill>
                   </a:tcPr>
                 </a:tc>
                 <a:tc>
                   <a:txBody>
                     <a:bodyPr/>
+                    <a:lstStyle/>
                     <a:p>
                       <a:pPr algn="ctr">
                         <a:lnSpc>
@@ -4725,55 +6192,55 @@
                         </a:lnSpc>
                       </a:pPr>
                       <a:r>
-                        <a:rPr b="1" lang="en-US" sz="1000" spc="-1" strike="noStrike">
+                        <a:rPr lang="en-US" sz="1000" b="1" strike="noStrike" spc="-1">
                           <a:solidFill>
-                            <a:srgbClr val="ffffff"/>
+                            <a:srgbClr val="FFFFFF"/>
                           </a:solidFill>
                           <a:uFill>
                             <a:solidFill>
-                              <a:srgbClr val="ffffff"/>
+                              <a:srgbClr val="FFFFFF"/>
                             </a:solidFill>
                           </a:uFill>
-                          <a:latin typeface="BMW Group Condensed"/>
+                          <a:latin typeface="+mn-lt"/>
                         </a:rPr>
                         <a:t>Dezember</a:t>
                       </a:r>
-                      <a:endParaRPr b="0" lang="en-US" sz="1000" spc="-1" strike="noStrike">
+                      <a:endParaRPr lang="en-US" sz="1000" b="0" strike="noStrike" spc="-1">
                         <a:solidFill>
                           <a:srgbClr val="000000"/>
                         </a:solidFill>
                         <a:uFill>
                           <a:solidFill>
-                            <a:srgbClr val="ffffff"/>
+                            <a:srgbClr val="FFFFFF"/>
                           </a:solidFill>
                         </a:uFill>
-                        <a:latin typeface="Arial"/>
+                        <a:latin typeface="+mn-lt"/>
                       </a:endParaRPr>
                     </a:p>
                   </a:txBody>
-                  <a:tcPr marL="91440" marR="91440">
+                  <a:tcPr>
                     <a:lnL w="12240">
                       <a:solidFill>
-                        <a:srgbClr val="ffffff"/>
+                        <a:srgbClr val="FFFFFF"/>
                       </a:solidFill>
                     </a:lnL>
                     <a:lnR w="12240">
                       <a:solidFill>
-                        <a:srgbClr val="ffffff"/>
+                        <a:srgbClr val="FFFFFF"/>
                       </a:solidFill>
                     </a:lnR>
                     <a:lnT w="12240">
                       <a:solidFill>
-                        <a:srgbClr val="ffffff"/>
+                        <a:srgbClr val="FFFFFF"/>
                       </a:solidFill>
                     </a:lnT>
                     <a:lnB w="38160">
                       <a:solidFill>
-                        <a:srgbClr val="ffffff"/>
+                        <a:srgbClr val="FFFFFF"/>
                       </a:solidFill>
                     </a:lnB>
                     <a:solidFill>
-                      <a:srgbClr val="4f81bd"/>
+                      <a:srgbClr val="4F81BD"/>
                     </a:solidFill>
                   </a:tcPr>
                 </a:tc>
@@ -4782,6 +6249,7 @@
                 <a:tc>
                   <a:txBody>
                     <a:bodyPr/>
+                    <a:lstStyle/>
                     <a:p>
                       <a:pPr>
                         <a:lnSpc>
@@ -4789,30 +6257,19 @@
                         </a:lnSpc>
                       </a:pPr>
                       <a:r>
-                        <a:rPr b="0" lang="en-US" sz="1000" spc="-1" strike="noStrike">
+                        <a:rPr lang="en-US" sz="1000" b="0" strike="noStrike" spc="-1" dirty="0">
                           <a:solidFill>
                             <a:srgbClr val="000000"/>
                           </a:solidFill>
                           <a:uFill>
                             <a:solidFill>
-                              <a:srgbClr val="ffffff"/>
+                              <a:srgbClr val="FFFFFF"/>
                             </a:solidFill>
                           </a:uFill>
-                          <a:latin typeface="BMW Group Condensed"/>
+                          <a:latin typeface="+mn-lt"/>
                         </a:rPr>
                         <a:t>Releases</a:t>
                       </a:r>
-                      <a:endParaRPr b="0" lang="en-US" sz="1000" spc="-1" strike="noStrike">
-                        <a:solidFill>
-                          <a:srgbClr val="000000"/>
-                        </a:solidFill>
-                        <a:uFill>
-                          <a:solidFill>
-                            <a:srgbClr val="ffffff"/>
-                          </a:solidFill>
-                        </a:uFill>
-                        <a:latin typeface="Arial"/>
-                      </a:endParaRPr>
                     </a:p>
                     <a:p>
                       <a:pPr>
@@ -4820,16 +6277,16 @@
                           <a:spcPct val="100000"/>
                         </a:lnSpc>
                       </a:pPr>
-                      <a:endParaRPr b="0" lang="en-US" sz="1000" spc="-1" strike="noStrike">
+                      <a:endParaRPr lang="en-US" sz="1000" b="0" strike="noStrike" spc="-1" dirty="0">
                         <a:solidFill>
                           <a:srgbClr val="000000"/>
                         </a:solidFill>
                         <a:uFill>
                           <a:solidFill>
-                            <a:srgbClr val="ffffff"/>
+                            <a:srgbClr val="FFFFFF"/>
                           </a:solidFill>
                         </a:uFill>
-                        <a:latin typeface="Arial"/>
+                        <a:latin typeface="+mn-lt"/>
                       </a:endParaRPr>
                     </a:p>
                     <a:p>
@@ -4839,217 +6296,288 @@
                         </a:lnSpc>
                       </a:pPr>
                       <a:r>
-                        <a:rPr b="0" lang="en-US" sz="1000" spc="-1" strike="noStrike">
+                        <a:rPr lang="en-US" sz="1000" b="0" strike="noStrike" spc="-1" dirty="0">
                           <a:solidFill>
                             <a:srgbClr val="000000"/>
                           </a:solidFill>
                           <a:uFill>
                             <a:solidFill>
-                              <a:srgbClr val="ffffff"/>
+                              <a:srgbClr val="FFFFFF"/>
                             </a:solidFill>
                           </a:uFill>
-                          <a:latin typeface="BMW Group Condensed"/>
+                          <a:latin typeface="+mn-lt"/>
                         </a:rPr>
                         <a:t>Milestones</a:t>
                       </a:r>
-                      <a:endParaRPr b="0" lang="en-US" sz="1000" spc="-1" strike="noStrike">
-                        <a:solidFill>
-                          <a:srgbClr val="000000"/>
-                        </a:solidFill>
-                        <a:uFill>
-                          <a:solidFill>
-                            <a:srgbClr val="ffffff"/>
-                          </a:solidFill>
-                        </a:uFill>
-                        <a:latin typeface="Arial"/>
-                      </a:endParaRPr>
                     </a:p>
                   </a:txBody>
-                  <a:tcPr marL="91440" marR="91440">
+                  <a:tcPr>
                     <a:lnL w="12240">
                       <a:solidFill>
-                        <a:srgbClr val="ffffff"/>
+                        <a:srgbClr val="FFFFFF"/>
                       </a:solidFill>
                     </a:lnL>
                     <a:lnR w="12240">
                       <a:solidFill>
-                        <a:srgbClr val="ffffff"/>
+                        <a:srgbClr val="FFFFFF"/>
                       </a:solidFill>
                     </a:lnR>
-                    <a:lnT w="12240">
-                      <a:solidFill>
-                        <a:srgbClr val="ffffff"/>
-                      </a:solidFill>
+                    <a:lnT w="38160" cap="flat" cmpd="sng" algn="ctr">
+                      <a:solidFill>
+                        <a:srgbClr val="FFFFFF"/>
+                      </a:solidFill>
+                      <a:prstDash val="solid"/>
+                      <a:round/>
+                      <a:headEnd type="none" w="med" len="med"/>
+                      <a:tailEnd type="none" w="med" len="med"/>
                     </a:lnT>
                     <a:lnB w="12240">
                       <a:solidFill>
-                        <a:srgbClr val="ffffff"/>
+                        <a:srgbClr val="FFFFFF"/>
                       </a:solidFill>
                     </a:lnB>
                     <a:solidFill>
-                      <a:srgbClr val="dce6f2"/>
+                      <a:srgbClr val="DCE6F2"/>
                     </a:solidFill>
                   </a:tcPr>
                 </a:tc>
                 <a:tc>
-                  <a:tcPr marL="91440" marR="91440">
+                  <a:txBody>
+                    <a:bodyPr/>
+                    <a:lstStyle/>
+                    <a:p>
+                      <a:endParaRPr lang="de-DE" dirty="0">
+                        <a:latin typeface="+mn-lt"/>
+                      </a:endParaRPr>
+                    </a:p>
+                  </a:txBody>
+                  <a:tcPr>
                     <a:lnL w="12240">
                       <a:solidFill>
-                        <a:srgbClr val="ffffff"/>
+                        <a:srgbClr val="FFFFFF"/>
                       </a:solidFill>
                     </a:lnL>
                     <a:lnR w="12240">
                       <a:solidFill>
-                        <a:srgbClr val="ffffff"/>
+                        <a:srgbClr val="FFFFFF"/>
                       </a:solidFill>
                     </a:lnR>
-                    <a:lnT w="12240">
-                      <a:solidFill>
-                        <a:srgbClr val="ffffff"/>
-                      </a:solidFill>
+                    <a:lnT w="38160" cap="flat" cmpd="sng" algn="ctr">
+                      <a:solidFill>
+                        <a:srgbClr val="FFFFFF"/>
+                      </a:solidFill>
+                      <a:prstDash val="solid"/>
+                      <a:round/>
+                      <a:headEnd type="none" w="med" len="med"/>
+                      <a:tailEnd type="none" w="med" len="med"/>
                     </a:lnT>
                     <a:lnB w="12240">
                       <a:solidFill>
-                        <a:srgbClr val="ffffff"/>
+                        <a:srgbClr val="FFFFFF"/>
                       </a:solidFill>
                     </a:lnB>
                     <a:solidFill>
-                      <a:srgbClr val="dce6f2"/>
+                      <a:srgbClr val="DCE6F2"/>
                     </a:solidFill>
                   </a:tcPr>
                 </a:tc>
                 <a:tc>
-                  <a:tcPr marL="91440" marR="91440">
+                  <a:txBody>
+                    <a:bodyPr/>
+                    <a:lstStyle/>
+                    <a:p>
+                      <a:endParaRPr lang="de-DE" dirty="0">
+                        <a:latin typeface="+mn-lt"/>
+                      </a:endParaRPr>
+                    </a:p>
+                  </a:txBody>
+                  <a:tcPr>
                     <a:lnL w="12240">
                       <a:solidFill>
-                        <a:srgbClr val="ffffff"/>
+                        <a:srgbClr val="FFFFFF"/>
                       </a:solidFill>
                     </a:lnL>
                     <a:lnR w="12240">
                       <a:solidFill>
-                        <a:srgbClr val="ffffff"/>
+                        <a:srgbClr val="FFFFFF"/>
                       </a:solidFill>
                     </a:lnR>
-                    <a:lnT w="12240">
-                      <a:solidFill>
-                        <a:srgbClr val="ffffff"/>
-                      </a:solidFill>
+                    <a:lnT w="38160" cap="flat" cmpd="sng" algn="ctr">
+                      <a:solidFill>
+                        <a:srgbClr val="FFFFFF"/>
+                      </a:solidFill>
+                      <a:prstDash val="solid"/>
+                      <a:round/>
+                      <a:headEnd type="none" w="med" len="med"/>
+                      <a:tailEnd type="none" w="med" len="med"/>
                     </a:lnT>
                     <a:lnB w="12240">
                       <a:solidFill>
-                        <a:srgbClr val="ffffff"/>
+                        <a:srgbClr val="FFFFFF"/>
                       </a:solidFill>
                     </a:lnB>
                     <a:solidFill>
-                      <a:srgbClr val="dce6f2"/>
+                      <a:srgbClr val="DCE6F2"/>
                     </a:solidFill>
                   </a:tcPr>
                 </a:tc>
                 <a:tc>
-                  <a:tcPr marL="91440" marR="91440">
+                  <a:txBody>
+                    <a:bodyPr/>
+                    <a:lstStyle/>
+                    <a:p>
+                      <a:endParaRPr lang="de-DE">
+                        <a:latin typeface="+mn-lt"/>
+                      </a:endParaRPr>
+                    </a:p>
+                  </a:txBody>
+                  <a:tcPr>
                     <a:lnL w="12240">
                       <a:solidFill>
-                        <a:srgbClr val="ffffff"/>
+                        <a:srgbClr val="FFFFFF"/>
                       </a:solidFill>
                     </a:lnL>
                     <a:lnR w="12240">
                       <a:solidFill>
-                        <a:srgbClr val="ffffff"/>
+                        <a:srgbClr val="FFFFFF"/>
                       </a:solidFill>
                     </a:lnR>
-                    <a:lnT w="12240">
-                      <a:solidFill>
-                        <a:srgbClr val="ffffff"/>
-                      </a:solidFill>
+                    <a:lnT w="38160" cap="flat" cmpd="sng" algn="ctr">
+                      <a:solidFill>
+                        <a:srgbClr val="FFFFFF"/>
+                      </a:solidFill>
+                      <a:prstDash val="solid"/>
+                      <a:round/>
+                      <a:headEnd type="none" w="med" len="med"/>
+                      <a:tailEnd type="none" w="med" len="med"/>
                     </a:lnT>
                     <a:lnB w="12240">
                       <a:solidFill>
-                        <a:srgbClr val="ffffff"/>
+                        <a:srgbClr val="FFFFFF"/>
                       </a:solidFill>
                     </a:lnB>
                     <a:solidFill>
-                      <a:srgbClr val="dce6f2"/>
+                      <a:srgbClr val="DCE6F2"/>
                     </a:solidFill>
                   </a:tcPr>
                 </a:tc>
                 <a:tc>
-                  <a:tcPr marL="91440" marR="91440">
+                  <a:txBody>
+                    <a:bodyPr/>
+                    <a:lstStyle/>
+                    <a:p>
+                      <a:endParaRPr lang="de-DE" dirty="0">
+                        <a:latin typeface="+mn-lt"/>
+                      </a:endParaRPr>
+                    </a:p>
+                  </a:txBody>
+                  <a:tcPr>
                     <a:lnL w="12240">
                       <a:solidFill>
-                        <a:srgbClr val="ffffff"/>
+                        <a:srgbClr val="FFFFFF"/>
                       </a:solidFill>
                     </a:lnL>
                     <a:lnR w="12240">
                       <a:solidFill>
-                        <a:srgbClr val="ffffff"/>
+                        <a:srgbClr val="FFFFFF"/>
                       </a:solidFill>
                     </a:lnR>
-                    <a:lnT w="12240">
-                      <a:solidFill>
-                        <a:srgbClr val="ffffff"/>
-                      </a:solidFill>
+                    <a:lnT w="38160" cap="flat" cmpd="sng" algn="ctr">
+                      <a:solidFill>
+                        <a:srgbClr val="FFFFFF"/>
+                      </a:solidFill>
+                      <a:prstDash val="solid"/>
+                      <a:round/>
+                      <a:headEnd type="none" w="med" len="med"/>
+                      <a:tailEnd type="none" w="med" len="med"/>
                     </a:lnT>
                     <a:lnB w="12240">
                       <a:solidFill>
-                        <a:srgbClr val="ffffff"/>
+                        <a:srgbClr val="FFFFFF"/>
                       </a:solidFill>
                     </a:lnB>
                     <a:solidFill>
-                      <a:srgbClr val="dce6f2"/>
+                      <a:srgbClr val="DCE6F2"/>
                     </a:solidFill>
                   </a:tcPr>
                 </a:tc>
                 <a:tc>
-                  <a:tcPr marL="91440" marR="91440">
+                  <a:txBody>
+                    <a:bodyPr/>
+                    <a:lstStyle/>
+                    <a:p>
+                      <a:endParaRPr lang="de-DE" dirty="0">
+                        <a:latin typeface="+mn-lt"/>
+                      </a:endParaRPr>
+                    </a:p>
+                  </a:txBody>
+                  <a:tcPr>
                     <a:lnL w="12240">
                       <a:solidFill>
-                        <a:srgbClr val="ffffff"/>
+                        <a:srgbClr val="FFFFFF"/>
                       </a:solidFill>
                     </a:lnL>
                     <a:lnR w="12240">
                       <a:solidFill>
-                        <a:srgbClr val="ffffff"/>
+                        <a:srgbClr val="FFFFFF"/>
                       </a:solidFill>
                     </a:lnR>
-                    <a:lnT w="12240">
-                      <a:solidFill>
-                        <a:srgbClr val="ffffff"/>
-                      </a:solidFill>
+                    <a:lnT w="38160" cap="flat" cmpd="sng" algn="ctr">
+                      <a:solidFill>
+                        <a:srgbClr val="FFFFFF"/>
+                      </a:solidFill>
+                      <a:prstDash val="solid"/>
+                      <a:round/>
+                      <a:headEnd type="none" w="med" len="med"/>
+                      <a:tailEnd type="none" w="med" len="med"/>
                     </a:lnT>
                     <a:lnB w="12240">
                       <a:solidFill>
-                        <a:srgbClr val="ffffff"/>
+                        <a:srgbClr val="FFFFFF"/>
                       </a:solidFill>
                     </a:lnB>
                     <a:solidFill>
-                      <a:srgbClr val="dce6f2"/>
+                      <a:srgbClr val="DCE6F2"/>
                     </a:solidFill>
                   </a:tcPr>
                 </a:tc>
                 <a:tc>
-                  <a:tcPr marL="91440" marR="91440">
+                  <a:txBody>
+                    <a:bodyPr/>
+                    <a:lstStyle/>
+                    <a:p>
+                      <a:endParaRPr lang="de-DE" dirty="0">
+                        <a:latin typeface="+mn-lt"/>
+                      </a:endParaRPr>
+                    </a:p>
+                  </a:txBody>
+                  <a:tcPr>
                     <a:lnL w="12240">
                       <a:solidFill>
-                        <a:srgbClr val="ffffff"/>
+                        <a:srgbClr val="FFFFFF"/>
                       </a:solidFill>
                     </a:lnL>
                     <a:lnR w="12240">
                       <a:solidFill>
-                        <a:srgbClr val="ffffff"/>
+                        <a:srgbClr val="FFFFFF"/>
                       </a:solidFill>
                     </a:lnR>
-                    <a:lnT w="12240">
-                      <a:solidFill>
-                        <a:srgbClr val="ffffff"/>
-                      </a:solidFill>
+                    <a:lnT w="38160" cap="flat" cmpd="sng" algn="ctr">
+                      <a:solidFill>
+                        <a:srgbClr val="FFFFFF"/>
+                      </a:solidFill>
+                      <a:prstDash val="solid"/>
+                      <a:round/>
+                      <a:headEnd type="none" w="med" len="med"/>
+                      <a:tailEnd type="none" w="med" len="med"/>
                     </a:lnT>
                     <a:lnB w="12240">
                       <a:solidFill>
-                        <a:srgbClr val="ffffff"/>
+                        <a:srgbClr val="FFFFFF"/>
                       </a:solidFill>
                     </a:lnB>
                     <a:solidFill>
-                      <a:srgbClr val="dce6f2"/>
+                      <a:srgbClr val="DCE6F2"/>
                     </a:solidFill>
                   </a:tcPr>
                 </a:tc>
@@ -5062,11 +6590,17 @@
         <p:nvGraphicFramePr>
           <p:cNvPr id="78" name="Table 39"/>
           <p:cNvGraphicFramePr/>
-          <p:nvPr/>
+          <p:nvPr>
+            <p:extLst>
+              <p:ext uri="{D42A27DB-BD31-4B8C-83A1-F6EECF244321}">
+                <p14:modId xmlns:p14="http://schemas.microsoft.com/office/powerpoint/2010/main" val="1722321934"/>
+              </p:ext>
+            </p:extLst>
+          </p:nvPr>
         </p:nvGraphicFramePr>
         <p:xfrm>
           <a:off x="468360" y="895680"/>
-          <a:ext cx="8206560" cy="251640"/>
+          <a:ext cx="8206560" cy="411480"/>
         </p:xfrm>
         <a:graphic>
           <a:graphicData uri="http://schemas.openxmlformats.org/drawingml/2006/table">
@@ -5074,8 +6608,8 @@
               <a:tblPr/>
               <a:tblGrid>
                 <a:gridCol w="1656720"/>
-                <a:gridCol w="2040120"/>
-                <a:gridCol w="1074960"/>
+                <a:gridCol w="1740338"/>
+                <a:gridCol w="1374742"/>
                 <a:gridCol w="1371600"/>
                 <a:gridCol w="715320"/>
                 <a:gridCol w="1347840"/>
@@ -5084,6 +6618,7 @@
                 <a:tc>
                   <a:txBody>
                     <a:bodyPr/>
+                    <a:lstStyle/>
                     <a:p>
                       <a:pPr>
                         <a:lnSpc>
@@ -5091,33 +6626,75 @@
                         </a:lnSpc>
                       </a:pPr>
                       <a:r>
-                        <a:rPr b="1" lang="en-US" sz="1050" spc="-1" strike="noStrike">
+                        <a:rPr lang="en-US" sz="1050" b="1" strike="noStrike" spc="-1" dirty="0" err="1">
                           <a:solidFill>
-                            <a:srgbClr val="ffffff"/>
+                            <a:srgbClr val="FFFFFF"/>
                           </a:solidFill>
                           <a:uFill>
                             <a:solidFill>
-                              <a:srgbClr val="ffffff"/>
+                              <a:srgbClr val="FFFFFF"/>
                             </a:solidFill>
                           </a:uFill>
-                          <a:latin typeface="BMW Group Condensed"/>
+                          <a:latin typeface="+mn-lt"/>
                         </a:rPr>
-                        <a:t>Arbeitspaket / Teilprojekt:</a:t>
+                        <a:t>Arbeitspaket</a:t>
                       </a:r>
-                      <a:endParaRPr b="0" lang="en-US" sz="1050" spc="-1" strike="noStrike">
+                      <a:r>
+                        <a:rPr lang="en-US" sz="1050" b="1" strike="noStrike" spc="-1" dirty="0">
+                          <a:solidFill>
+                            <a:srgbClr val="FFFFFF"/>
+                          </a:solidFill>
+                          <a:uFill>
+                            <a:solidFill>
+                              <a:srgbClr val="FFFFFF"/>
+                            </a:solidFill>
+                          </a:uFill>
+                          <a:latin typeface="+mn-lt"/>
+                        </a:rPr>
+                        <a:t> / </a:t>
+                      </a:r>
+                      <a:r>
+                        <a:rPr lang="en-US" sz="1050" b="1" strike="noStrike" spc="-1" dirty="0" err="1">
+                          <a:solidFill>
+                            <a:srgbClr val="FFFFFF"/>
+                          </a:solidFill>
+                          <a:uFill>
+                            <a:solidFill>
+                              <a:srgbClr val="FFFFFF"/>
+                            </a:solidFill>
+                          </a:uFill>
+                          <a:latin typeface="+mn-lt"/>
+                        </a:rPr>
+                        <a:t>Teilprojekt</a:t>
+                      </a:r>
+                      <a:r>
+                        <a:rPr lang="en-US" sz="1050" b="1" strike="noStrike" spc="-1" dirty="0">
+                          <a:solidFill>
+                            <a:srgbClr val="FFFFFF"/>
+                          </a:solidFill>
+                          <a:uFill>
+                            <a:solidFill>
+                              <a:srgbClr val="FFFFFF"/>
+                            </a:solidFill>
+                          </a:uFill>
+                          <a:latin typeface="+mn-lt"/>
+                        </a:rPr>
+                        <a:t>:</a:t>
+                      </a:r>
+                      <a:endParaRPr lang="en-US" sz="1050" b="0" strike="noStrike" spc="-1" dirty="0">
                         <a:solidFill>
                           <a:srgbClr val="000000"/>
                         </a:solidFill>
                         <a:uFill>
                           <a:solidFill>
-                            <a:srgbClr val="ffffff"/>
+                            <a:srgbClr val="FFFFFF"/>
                           </a:solidFill>
                         </a:uFill>
-                        <a:latin typeface="Arial"/>
+                        <a:latin typeface="+mn-lt"/>
                       </a:endParaRPr>
                     </a:p>
                   </a:txBody>
-                  <a:tcPr marL="91440" marR="91440">
+                  <a:tcPr>
                     <a:lnL w="12240">
                       <a:solidFill>
                         <a:srgbClr val="000000"/>
@@ -5139,13 +6716,14 @@
                       </a:solidFill>
                     </a:lnB>
                     <a:solidFill>
-                      <a:srgbClr val="4f81bd"/>
+                      <a:srgbClr val="4F81BD"/>
                     </a:solidFill>
                   </a:tcPr>
                 </a:tc>
                 <a:tc>
                   <a:txBody>
-                    <a:bodyPr anchor="ctr"/>
+                    <a:bodyPr/>
+                    <a:lstStyle/>
                     <a:p>
                       <a:pPr>
                         <a:lnSpc>
@@ -5153,33 +6731,47 @@
                         </a:lnSpc>
                       </a:pPr>
                       <a:r>
-                        <a:rPr b="0" lang="en-US" sz="1050" spc="-1" strike="noStrike">
+                        <a:rPr lang="en-US" sz="1050" b="1" strike="noStrike" spc="-1" dirty="0" err="1">
                           <a:solidFill>
-                            <a:srgbClr val="ffffff"/>
+                            <a:srgbClr val="FFFFFF"/>
                           </a:solidFill>
                           <a:uFill>
                             <a:solidFill>
-                              <a:srgbClr val="ffffff"/>
+                              <a:srgbClr val="FFFFFF"/>
                             </a:solidFill>
                           </a:uFill>
-                          <a:latin typeface="BMW Group Condensed"/>
+                          <a:latin typeface="+mn-lt"/>
                         </a:rPr>
-                        <a:t>iDogstra V0.0.1</a:t>
+                        <a:t>iDogstra</a:t>
                       </a:r>
-                      <a:endParaRPr b="0" lang="en-US" sz="1050" spc="-1" strike="noStrike">
+                      <a:r>
+                        <a:rPr lang="en-US" sz="1050" b="0" strike="noStrike" spc="-1" dirty="0">
+                          <a:solidFill>
+                            <a:srgbClr val="FFFFFF"/>
+                          </a:solidFill>
+                          <a:uFill>
+                            <a:solidFill>
+                              <a:srgbClr val="FFFFFF"/>
+                            </a:solidFill>
+                          </a:uFill>
+                          <a:latin typeface="+mn-lt"/>
+                        </a:rPr>
+                        <a:t> V0.0.1</a:t>
+                      </a:r>
+                      <a:endParaRPr lang="en-US" sz="1050" b="0" strike="noStrike" spc="-1" dirty="0">
                         <a:solidFill>
                           <a:srgbClr val="000000"/>
                         </a:solidFill>
                         <a:uFill>
                           <a:solidFill>
-                            <a:srgbClr val="ffffff"/>
+                            <a:srgbClr val="FFFFFF"/>
                           </a:solidFill>
                         </a:uFill>
-                        <a:latin typeface="Arial"/>
+                        <a:latin typeface="+mn-lt"/>
                       </a:endParaRPr>
                     </a:p>
                   </a:txBody>
-                  <a:tcPr marL="91440" marR="91440">
+                  <a:tcPr>
                     <a:lnL w="12240">
                       <a:solidFill>
                         <a:srgbClr val="000000"/>
@@ -5201,13 +6793,14 @@
                       </a:solidFill>
                     </a:lnB>
                     <a:solidFill>
-                      <a:srgbClr val="4f81bd"/>
+                      <a:srgbClr val="4F81BD"/>
                     </a:solidFill>
                   </a:tcPr>
                 </a:tc>
                 <a:tc>
                   <a:txBody>
-                    <a:bodyPr anchor="ctr"/>
+                    <a:bodyPr/>
+                    <a:lstStyle/>
                     <a:p>
                       <a:pPr>
                         <a:lnSpc>
@@ -5215,33 +6808,47 @@
                         </a:lnSpc>
                       </a:pPr>
                       <a:r>
-                        <a:rPr b="1" lang="en-US" sz="1050" spc="-1" strike="noStrike">
+                        <a:rPr lang="en-US" sz="1050" b="1" strike="noStrike" spc="-1" dirty="0" err="1">
                           <a:solidFill>
-                            <a:srgbClr val="ffffff"/>
+                            <a:srgbClr val="FFFFFF"/>
                           </a:solidFill>
                           <a:uFill>
                             <a:solidFill>
-                              <a:srgbClr val="ffffff"/>
+                              <a:srgbClr val="FFFFFF"/>
                             </a:solidFill>
                           </a:uFill>
-                          <a:latin typeface="BMW Group Condensed"/>
+                          <a:latin typeface="+mn-lt"/>
                         </a:rPr>
-                        <a:t>Verantwortlich:</a:t>
+                        <a:t>Verantwortlich</a:t>
                       </a:r>
-                      <a:endParaRPr b="0" lang="en-US" sz="1050" spc="-1" strike="noStrike">
+                      <a:r>
+                        <a:rPr lang="en-US" sz="1050" b="1" strike="noStrike" spc="-1" dirty="0">
+                          <a:solidFill>
+                            <a:srgbClr val="FFFFFF"/>
+                          </a:solidFill>
+                          <a:uFill>
+                            <a:solidFill>
+                              <a:srgbClr val="FFFFFF"/>
+                            </a:solidFill>
+                          </a:uFill>
+                          <a:latin typeface="+mn-lt"/>
+                        </a:rPr>
+                        <a:t>:</a:t>
+                      </a:r>
+                      <a:endParaRPr lang="en-US" sz="1050" b="0" strike="noStrike" spc="-1" dirty="0">
                         <a:solidFill>
                           <a:srgbClr val="000000"/>
                         </a:solidFill>
                         <a:uFill>
                           <a:solidFill>
-                            <a:srgbClr val="ffffff"/>
+                            <a:srgbClr val="FFFFFF"/>
                           </a:solidFill>
                         </a:uFill>
-                        <a:latin typeface="Arial"/>
+                        <a:latin typeface="+mn-lt"/>
                       </a:endParaRPr>
                     </a:p>
                   </a:txBody>
-                  <a:tcPr marL="91440" marR="91440">
+                  <a:tcPr>
                     <a:lnL w="12240">
                       <a:solidFill>
                         <a:srgbClr val="000000"/>
@@ -5263,13 +6870,14 @@
                       </a:solidFill>
                     </a:lnB>
                     <a:solidFill>
-                      <a:srgbClr val="4f81bd"/>
+                      <a:srgbClr val="4F81BD"/>
                     </a:solidFill>
                   </a:tcPr>
                 </a:tc>
                 <a:tc>
                   <a:txBody>
-                    <a:bodyPr anchor="ctr"/>
+                    <a:bodyPr/>
+                    <a:lstStyle/>
                     <a:p>
                       <a:pPr>
                         <a:lnSpc>
@@ -5277,33 +6885,61 @@
                         </a:lnSpc>
                       </a:pPr>
                       <a:r>
-                        <a:rPr b="0" lang="en-US" sz="1050" spc="-1" strike="noStrike">
+                        <a:rPr lang="en-US" sz="1050" b="0" strike="noStrike" spc="-1" dirty="0" smtClean="0">
                           <a:solidFill>
-                            <a:srgbClr val="ffffff"/>
+                            <a:schemeClr val="bg1"/>
                           </a:solidFill>
                           <a:uFill>
                             <a:solidFill>
-                              <a:srgbClr val="ffffff"/>
+                              <a:srgbClr val="FFFFFF"/>
                             </a:solidFill>
                           </a:uFill>
-                          <a:latin typeface="BMW Group Condensed"/>
+                          <a:latin typeface="+mn-lt"/>
                         </a:rPr>
-                        <a:t>Johannes Vedder</a:t>
+                        <a:t>Team</a:t>
                       </a:r>
-                      <a:endParaRPr b="0" lang="en-US" sz="1050" spc="-1" strike="noStrike">
+                      <a:r>
+                        <a:rPr lang="en-US" sz="1050" b="0" strike="noStrike" spc="-1" baseline="0" dirty="0" smtClean="0">
+                          <a:solidFill>
+                            <a:schemeClr val="bg1"/>
+                          </a:solidFill>
+                          <a:uFill>
+                            <a:solidFill>
+                              <a:srgbClr val="FFFFFF"/>
+                            </a:solidFill>
+                          </a:uFill>
+                          <a:latin typeface="+mn-lt"/>
+                        </a:rPr>
+                        <a:t> </a:t>
+                      </a:r>
+                      <a:r>
+                        <a:rPr lang="en-US" sz="1050" b="0" strike="noStrike" spc="-1" baseline="0" dirty="0" err="1" smtClean="0">
+                          <a:solidFill>
+                            <a:schemeClr val="bg1"/>
+                          </a:solidFill>
+                          <a:uFill>
+                            <a:solidFill>
+                              <a:srgbClr val="FFFFFF"/>
+                            </a:solidFill>
+                          </a:uFill>
+                          <a:latin typeface="+mn-lt"/>
+                        </a:rPr>
+                        <a:t>iDogstra</a:t>
+                      </a:r>
+                      <a:endParaRPr lang="en-US" sz="1050" b="0" strike="noStrike" spc="-1" dirty="0">
                         <a:solidFill>
-                          <a:srgbClr val="000000"/>
+                          <a:schemeClr val="bg1"/>
                         </a:solidFill>
                         <a:uFill>
                           <a:solidFill>
-                            <a:srgbClr val="ffffff"/>
+                            <a:srgbClr val="FFFFFF"/>
                           </a:solidFill>
                         </a:uFill>
-                        <a:latin typeface="Arial"/>
+                        <a:latin typeface="+mn-lt"/>
                       </a:endParaRPr>
                     </a:p>
                   </a:txBody>
-                  <a:tcPr marL="91440" marR="91440">
+                  <a:tcPr>
                     <a:lnL w="12240">
                       <a:solidFill>
                         <a:srgbClr val="000000"/>
@@ -5325,13 +6961,14 @@
                       </a:solidFill>
                     </a:lnB>
                     <a:solidFill>
-                      <a:srgbClr val="4f81bd"/>
+                      <a:srgbClr val="4F81BD"/>
                     </a:solidFill>
                   </a:tcPr>
                 </a:tc>
                 <a:tc>
                   <a:txBody>
-                    <a:bodyPr anchor="ctr"/>
+                    <a:bodyPr/>
+                    <a:lstStyle/>
                     <a:p>
                       <a:pPr>
                         <a:lnSpc>
@@ -5339,33 +6976,33 @@
                         </a:lnSpc>
                       </a:pPr>
                       <a:r>
-                        <a:rPr b="1" lang="en-US" sz="1050" spc="-1" strike="noStrike">
+                        <a:rPr lang="en-US" sz="1050" b="1" strike="noStrike" spc="-1">
                           <a:solidFill>
-                            <a:srgbClr val="ffffff"/>
+                            <a:srgbClr val="FFFFFF"/>
                           </a:solidFill>
                           <a:uFill>
                             <a:solidFill>
-                              <a:srgbClr val="ffffff"/>
+                              <a:srgbClr val="FFFFFF"/>
                             </a:solidFill>
                           </a:uFill>
-                          <a:latin typeface="BMW Group Condensed"/>
+                          <a:latin typeface="+mn-lt"/>
                         </a:rPr>
                         <a:t>Datum:</a:t>
                       </a:r>
-                      <a:endParaRPr b="0" lang="en-US" sz="1050" spc="-1" strike="noStrike">
+                      <a:endParaRPr lang="en-US" sz="1050" b="0" strike="noStrike" spc="-1">
                         <a:solidFill>
                           <a:srgbClr val="000000"/>
                         </a:solidFill>
                         <a:uFill>
                           <a:solidFill>
-                            <a:srgbClr val="ffffff"/>
+                            <a:srgbClr val="FFFFFF"/>
                           </a:solidFill>
                         </a:uFill>
-                        <a:latin typeface="Arial"/>
+                        <a:latin typeface="+mn-lt"/>
                       </a:endParaRPr>
                     </a:p>
                   </a:txBody>
-                  <a:tcPr marL="91440" marR="91440">
+                  <a:tcPr>
                     <a:lnL w="12240">
                       <a:solidFill>
                         <a:srgbClr val="000000"/>
@@ -5387,13 +7024,14 @@
                       </a:solidFill>
                     </a:lnB>
                     <a:solidFill>
-                      <a:srgbClr val="4f81bd"/>
+                      <a:srgbClr val="4F81BD"/>
                     </a:solidFill>
                   </a:tcPr>
                 </a:tc>
                 <a:tc>
                   <a:txBody>
-                    <a:bodyPr anchor="ctr"/>
+                    <a:bodyPr/>
+                    <a:lstStyle/>
                     <a:p>
                       <a:pPr>
                         <a:lnSpc>
@@ -5401,33 +7039,33 @@
                         </a:lnSpc>
                       </a:pPr>
                       <a:r>
-                        <a:rPr b="0" lang="en-US" sz="1050" spc="-1" strike="noStrike">
+                        <a:rPr lang="en-US" sz="1050" b="0" strike="noStrike" spc="-1" dirty="0">
                           <a:solidFill>
-                            <a:srgbClr val="ffffff"/>
+                            <a:srgbClr val="FFFFFF"/>
                           </a:solidFill>
                           <a:uFill>
                             <a:solidFill>
-                              <a:srgbClr val="ffffff"/>
+                              <a:srgbClr val="FFFFFF"/>
                             </a:solidFill>
                           </a:uFill>
-                          <a:latin typeface="BMW Group Condensed"/>
+                          <a:latin typeface="+mn-lt"/>
                         </a:rPr>
                         <a:t>25.08.2017</a:t>
                       </a:r>
-                      <a:endParaRPr b="0" lang="en-US" sz="1050" spc="-1" strike="noStrike">
+                      <a:endParaRPr lang="en-US" sz="1050" b="0" strike="noStrike" spc="-1" dirty="0">
                         <a:solidFill>
                           <a:srgbClr val="000000"/>
                         </a:solidFill>
                         <a:uFill>
                           <a:solidFill>
-                            <a:srgbClr val="ffffff"/>
+                            <a:srgbClr val="FFFFFF"/>
                           </a:solidFill>
                         </a:uFill>
-                        <a:latin typeface="Arial"/>
+                        <a:latin typeface="+mn-lt"/>
                       </a:endParaRPr>
                     </a:p>
                   </a:txBody>
-                  <a:tcPr marL="91440" marR="91440">
+                  <a:tcPr>
                     <a:lnL w="12240">
                       <a:solidFill>
                         <a:srgbClr val="000000"/>
@@ -5449,7 +7087,7 @@
                       </a:solidFill>
                     </a:lnB>
                     <a:solidFill>
-                      <a:srgbClr val="4f81bd"/>
+                      <a:srgbClr val="4F81BD"/>
                     </a:solidFill>
                   </a:tcPr>
                 </a:tc>
@@ -5473,7 +7111,7 @@
             <a:avLst/>
           </a:prstGeom>
           <a:solidFill>
-            <a:schemeClr val="accent1"/>
+            <a:schemeClr val="accent3"/>
           </a:solidFill>
           <a:ln w="12600">
             <a:solidFill>
@@ -5483,9 +7121,15 @@
           </a:ln>
         </p:spPr>
         <p:style>
-          <a:lnRef idx="0"/>
-          <a:fillRef idx="0"/>
-          <a:effectRef idx="0"/>
+          <a:lnRef idx="0">
+            <a:scrgbClr r="0" g="0" b="0"/>
+          </a:lnRef>
+          <a:fillRef idx="0">
+            <a:scrgbClr r="0" g="0" b="0"/>
+          </a:fillRef>
+          <a:effectRef idx="0">
+            <a:scrgbClr r="0" g="0" b="0"/>
+          </a:effectRef>
           <a:fontRef idx="minor"/>
         </p:style>
       </p:sp>
@@ -5516,9 +7160,15 @@
           </a:ln>
         </p:spPr>
         <p:style>
-          <a:lnRef idx="0"/>
-          <a:fillRef idx="0"/>
-          <a:effectRef idx="0"/>
+          <a:lnRef idx="0">
+            <a:scrgbClr r="0" g="0" b="0"/>
+          </a:lnRef>
+          <a:fillRef idx="0">
+            <a:scrgbClr r="0" g="0" b="0"/>
+          </a:fillRef>
+          <a:effectRef idx="0">
+            <a:scrgbClr r="0" g="0" b="0"/>
+          </a:effectRef>
           <a:fontRef idx="minor"/>
         </p:style>
       </p:sp>
@@ -5539,15 +7189,21 @@
           <a:noFill/>
           <a:ln w="9360">
             <a:solidFill>
-              <a:srgbClr val="3a5f8b"/>
+              <a:srgbClr val="3A5F8B"/>
             </a:solidFill>
             <a:round/>
           </a:ln>
         </p:spPr>
         <p:style>
-          <a:lnRef idx="0"/>
-          <a:fillRef idx="0"/>
-          <a:effectRef idx="0"/>
+          <a:lnRef idx="0">
+            <a:scrgbClr r="0" g="0" b="0"/>
+          </a:lnRef>
+          <a:fillRef idx="0">
+            <a:scrgbClr r="0" g="0" b="0"/>
+          </a:fillRef>
+          <a:effectRef idx="0">
+            <a:scrgbClr r="0" g="0" b="0"/>
+          </a:effectRef>
           <a:fontRef idx="minor"/>
         </p:style>
       </p:sp>
@@ -5578,9 +7234,15 @@
           </a:ln>
         </p:spPr>
         <p:style>
-          <a:lnRef idx="0"/>
-          <a:fillRef idx="0"/>
-          <a:effectRef idx="0"/>
+          <a:lnRef idx="0">
+            <a:scrgbClr r="0" g="0" b="0"/>
+          </a:lnRef>
+          <a:fillRef idx="0">
+            <a:scrgbClr r="0" g="0" b="0"/>
+          </a:fillRef>
+          <a:effectRef idx="0">
+            <a:scrgbClr r="0" g="0" b="0"/>
+          </a:effectRef>
           <a:fontRef idx="minor"/>
         </p:style>
       </p:sp>
@@ -5599,7 +7261,7 @@
             <a:avLst/>
           </a:prstGeom>
           <a:solidFill>
-            <a:schemeClr val="accent1"/>
+            <a:schemeClr val="accent3"/>
           </a:solidFill>
           <a:ln w="12600">
             <a:solidFill>
@@ -5609,9 +7271,15 @@
           </a:ln>
         </p:spPr>
         <p:style>
-          <a:lnRef idx="0"/>
-          <a:fillRef idx="0"/>
-          <a:effectRef idx="0"/>
+          <a:lnRef idx="0">
+            <a:scrgbClr r="0" g="0" b="0"/>
+          </a:lnRef>
+          <a:fillRef idx="0">
+            <a:scrgbClr r="0" g="0" b="0"/>
+          </a:fillRef>
+          <a:effectRef idx="0">
+            <a:scrgbClr r="0" g="0" b="0"/>
+          </a:effectRef>
           <a:fontRef idx="minor"/>
         </p:style>
       </p:sp>
@@ -5642,9 +7310,15 @@
           </a:ln>
         </p:spPr>
         <p:style>
-          <a:lnRef idx="0"/>
-          <a:fillRef idx="0"/>
-          <a:effectRef idx="0"/>
+          <a:lnRef idx="0">
+            <a:scrgbClr r="0" g="0" b="0"/>
+          </a:lnRef>
+          <a:fillRef idx="0">
+            <a:scrgbClr r="0" g="0" b="0"/>
+          </a:fillRef>
+          <a:effectRef idx="0">
+            <a:scrgbClr r="0" g="0" b="0"/>
+          </a:effectRef>
           <a:fontRef idx="minor"/>
         </p:style>
       </p:sp>
@@ -5665,15 +7339,21 @@
           <a:noFill/>
           <a:ln w="9360">
             <a:solidFill>
-              <a:srgbClr val="3a5f8b"/>
+              <a:srgbClr val="3A5F8B"/>
             </a:solidFill>
             <a:round/>
           </a:ln>
         </p:spPr>
         <p:style>
-          <a:lnRef idx="0"/>
-          <a:fillRef idx="0"/>
-          <a:effectRef idx="0"/>
+          <a:lnRef idx="0">
+            <a:scrgbClr r="0" g="0" b="0"/>
+          </a:lnRef>
+          <a:fillRef idx="0">
+            <a:scrgbClr r="0" g="0" b="0"/>
+          </a:fillRef>
+          <a:effectRef idx="0">
+            <a:scrgbClr r="0" g="0" b="0"/>
+          </a:effectRef>
           <a:fontRef idx="minor"/>
         </p:style>
       </p:sp>
@@ -5704,9 +7384,15 @@
           </a:ln>
         </p:spPr>
         <p:style>
-          <a:lnRef idx="0"/>
-          <a:fillRef idx="0"/>
-          <a:effectRef idx="0"/>
+          <a:lnRef idx="0">
+            <a:scrgbClr r="0" g="0" b="0"/>
+          </a:lnRef>
+          <a:fillRef idx="0">
+            <a:scrgbClr r="0" g="0" b="0"/>
+          </a:fillRef>
+          <a:effectRef idx="0">
+            <a:scrgbClr r="0" g="0" b="0"/>
+          </a:effectRef>
           <a:fontRef idx="minor"/>
         </p:style>
       </p:sp>
@@ -5725,7 +7411,7 @@
             <a:avLst/>
           </a:prstGeom>
           <a:solidFill>
-            <a:schemeClr val="accent1"/>
+            <a:schemeClr val="accent3"/>
           </a:solidFill>
           <a:ln w="12600">
             <a:solidFill>
@@ -5735,9 +7421,15 @@
           </a:ln>
         </p:spPr>
         <p:style>
-          <a:lnRef idx="0"/>
-          <a:fillRef idx="0"/>
-          <a:effectRef idx="0"/>
+          <a:lnRef idx="0">
+            <a:scrgbClr r="0" g="0" b="0"/>
+          </a:lnRef>
+          <a:fillRef idx="0">
+            <a:scrgbClr r="0" g="0" b="0"/>
+          </a:fillRef>
+          <a:effectRef idx="0">
+            <a:scrgbClr r="0" g="0" b="0"/>
+          </a:effectRef>
           <a:fontRef idx="minor"/>
         </p:style>
       </p:sp>
@@ -5766,9 +7458,15 @@
           </a:ln>
         </p:spPr>
         <p:style>
-          <a:lnRef idx="0"/>
-          <a:fillRef idx="0"/>
-          <a:effectRef idx="0"/>
+          <a:lnRef idx="0">
+            <a:scrgbClr r="0" g="0" b="0"/>
+          </a:lnRef>
+          <a:fillRef idx="0">
+            <a:scrgbClr r="0" g="0" b="0"/>
+          </a:fillRef>
+          <a:effectRef idx="0">
+            <a:scrgbClr r="0" g="0" b="0"/>
+          </a:effectRef>
           <a:fontRef idx="minor"/>
         </p:style>
       </p:sp>
@@ -5789,15 +7487,21 @@
           <a:noFill/>
           <a:ln w="9360">
             <a:solidFill>
-              <a:srgbClr val="3a5f8b"/>
+              <a:srgbClr val="3A5F8B"/>
             </a:solidFill>
             <a:round/>
           </a:ln>
         </p:spPr>
         <p:style>
-          <a:lnRef idx="0"/>
-          <a:fillRef idx="0"/>
-          <a:effectRef idx="0"/>
+          <a:lnRef idx="0">
+            <a:scrgbClr r="0" g="0" b="0"/>
+          </a:lnRef>
+          <a:fillRef idx="0">
+            <a:scrgbClr r="0" g="0" b="0"/>
+          </a:fillRef>
+          <a:effectRef idx="0">
+            <a:scrgbClr r="0" g="0" b="0"/>
+          </a:effectRef>
           <a:fontRef idx="minor"/>
         </p:style>
       </p:sp>
@@ -5828,9 +7532,15 @@
           </a:ln>
         </p:spPr>
         <p:style>
-          <a:lnRef idx="0"/>
-          <a:fillRef idx="0"/>
-          <a:effectRef idx="0"/>
+          <a:lnRef idx="0">
+            <a:scrgbClr r="0" g="0" b="0"/>
+          </a:lnRef>
+          <a:fillRef idx="0">
+            <a:scrgbClr r="0" g="0" b="0"/>
+          </a:fillRef>
+          <a:effectRef idx="0">
+            <a:scrgbClr r="0" g="0" b="0"/>
+          </a:effectRef>
           <a:fontRef idx="minor"/>
         </p:style>
       </p:sp>
@@ -5849,7 +7559,7 @@
             <a:avLst/>
           </a:prstGeom>
           <a:solidFill>
-            <a:schemeClr val="accent1"/>
+            <a:schemeClr val="accent3"/>
           </a:solidFill>
           <a:ln w="12600">
             <a:solidFill>
@@ -5859,9 +7569,15 @@
           </a:ln>
         </p:spPr>
         <p:style>
-          <a:lnRef idx="0"/>
-          <a:fillRef idx="0"/>
-          <a:effectRef idx="0"/>
+          <a:lnRef idx="0">
+            <a:scrgbClr r="0" g="0" b="0"/>
+          </a:lnRef>
+          <a:fillRef idx="0">
+            <a:scrgbClr r="0" g="0" b="0"/>
+          </a:fillRef>
+          <a:effectRef idx="0">
+            <a:scrgbClr r="0" g="0" b="0"/>
+          </a:effectRef>
           <a:fontRef idx="minor"/>
         </p:style>
       </p:sp>
@@ -5890,9 +7606,15 @@
           </a:ln>
         </p:spPr>
         <p:style>
-          <a:lnRef idx="0"/>
-          <a:fillRef idx="0"/>
-          <a:effectRef idx="0"/>
+          <a:lnRef idx="0">
+            <a:scrgbClr r="0" g="0" b="0"/>
+          </a:lnRef>
+          <a:fillRef idx="0">
+            <a:scrgbClr r="0" g="0" b="0"/>
+          </a:fillRef>
+          <a:effectRef idx="0">
+            <a:scrgbClr r="0" g="0" b="0"/>
+          </a:effectRef>
           <a:fontRef idx="minor"/>
         </p:style>
       </p:sp>
@@ -5913,15 +7635,21 @@
           <a:noFill/>
           <a:ln w="9360">
             <a:solidFill>
-              <a:srgbClr val="3a5f8b"/>
+              <a:srgbClr val="3A5F8B"/>
             </a:solidFill>
             <a:round/>
           </a:ln>
         </p:spPr>
         <p:style>
-          <a:lnRef idx="0"/>
-          <a:fillRef idx="0"/>
-          <a:effectRef idx="0"/>
+          <a:lnRef idx="0">
+            <a:scrgbClr r="0" g="0" b="0"/>
+          </a:lnRef>
+          <a:fillRef idx="0">
+            <a:scrgbClr r="0" g="0" b="0"/>
+          </a:fillRef>
+          <a:effectRef idx="0">
+            <a:scrgbClr r="0" g="0" b="0"/>
+          </a:effectRef>
           <a:fontRef idx="minor"/>
         </p:style>
       </p:sp>
@@ -5952,74 +7680,17 @@
           </a:ln>
         </p:spPr>
         <p:style>
-          <a:lnRef idx="0"/>
-          <a:fillRef idx="0"/>
-          <a:effectRef idx="0"/>
+          <a:lnRef idx="0">
+            <a:scrgbClr r="0" g="0" b="0"/>
+          </a:lnRef>
+          <a:fillRef idx="0">
+            <a:scrgbClr r="0" g="0" b="0"/>
+          </a:fillRef>
+          <a:effectRef idx="0">
+            <a:scrgbClr r="0" g="0" b="0"/>
+          </a:effectRef>
           <a:fontRef idx="minor"/>
         </p:style>
-      </p:sp>
-      <p:sp>
-        <p:nvSpPr>
-          <p:cNvPr id="95" name="CustomShape 56"/>
-          <p:cNvSpPr/>
-          <p:nvPr/>
-        </p:nvSpPr>
-        <p:spPr>
-          <a:xfrm>
-            <a:off x="6350760" y="2307240"/>
-            <a:ext cx="287640" cy="251640"/>
-          </a:xfrm>
-          <a:prstGeom prst="flowChartMerge">
-            <a:avLst/>
-          </a:prstGeom>
-          <a:solidFill>
-            <a:schemeClr val="bg2"/>
-          </a:solidFill>
-          <a:ln w="19080">
-            <a:noFill/>
-          </a:ln>
-        </p:spPr>
-        <p:style>
-          <a:lnRef idx="0"/>
-          <a:fillRef idx="0"/>
-          <a:effectRef idx="0"/>
-          <a:fontRef idx="minor"/>
-        </p:style>
-        <p:txBody>
-          <a:bodyPr lIns="0" rIns="0" tIns="0" bIns="0" anchor="ctr"/>
-          <a:p>
-            <a:pPr algn="ctr">
-              <a:lnSpc>
-                <a:spcPct val="100000"/>
-              </a:lnSpc>
-            </a:pPr>
-            <a:r>
-              <a:rPr b="0" lang="en-US" sz="600" spc="-1" strike="noStrike">
-                <a:solidFill>
-                  <a:srgbClr val="ffffff"/>
-                </a:solidFill>
-                <a:uFill>
-                  <a:solidFill>
-                    <a:srgbClr val="ffffff"/>
-                  </a:solidFill>
-                </a:uFill>
-                <a:latin typeface="BMW Group Condensed"/>
-              </a:rPr>
-              <a:t>30%</a:t>
-            </a:r>
-            <a:endParaRPr b="0" lang="en-US" sz="600" spc="-1" strike="noStrike">
-              <a:solidFill>
-                <a:srgbClr val="000000"/>
-              </a:solidFill>
-              <a:uFill>
-                <a:solidFill>
-                  <a:srgbClr val="ffffff"/>
-                </a:solidFill>
-              </a:uFill>
-              <a:latin typeface="Arial"/>
-            </a:endParaRPr>
-          </a:p>
-        </p:txBody>
       </p:sp>
       <p:sp>
         <p:nvSpPr>
@@ -6029,7 +7700,7 @@
         </p:nvSpPr>
         <p:spPr>
           <a:xfrm>
-            <a:off x="2846160" y="2921760"/>
+            <a:off x="2838240" y="3130233"/>
             <a:ext cx="1037520" cy="364680"/>
           </a:xfrm>
           <a:prstGeom prst="rect">
@@ -6041,13 +7712,20 @@
           </a:ln>
         </p:spPr>
         <p:style>
-          <a:lnRef idx="0"/>
-          <a:fillRef idx="0"/>
-          <a:effectRef idx="0"/>
+          <a:lnRef idx="0">
+            <a:scrgbClr r="0" g="0" b="0"/>
+          </a:lnRef>
+          <a:fillRef idx="0">
+            <a:scrgbClr r="0" g="0" b="0"/>
+          </a:fillRef>
+          <a:effectRef idx="0">
+            <a:scrgbClr r="0" g="0" b="0"/>
+          </a:effectRef>
           <a:fontRef idx="minor"/>
         </p:style>
         <p:txBody>
-          <a:bodyPr lIns="90000" rIns="90000" tIns="45000" bIns="45000"/>
+          <a:bodyPr lIns="90000" tIns="45000" rIns="90000" bIns="45000"/>
+          <a:lstStyle/>
           <a:p>
             <a:pPr>
               <a:lnSpc>
@@ -6055,30 +7733,33 @@
               </a:lnSpc>
             </a:pPr>
             <a:r>
-              <a:rPr b="1" lang="en-US" sz="900" spc="-1" strike="noStrike">
+              <a:rPr lang="en-US" sz="900" b="1" strike="noStrike" spc="-1" dirty="0">
                 <a:solidFill>
                   <a:srgbClr val="000000"/>
                 </a:solidFill>
                 <a:uFill>
                   <a:solidFill>
-                    <a:srgbClr val="ffffff"/>
+                    <a:srgbClr val="FFFFFF"/>
                   </a:solidFill>
                 </a:uFill>
-                <a:latin typeface="Arial"/>
-                <a:ea typeface="BMW Type Global Pro Regular"/>
+                <a:latin typeface="Arial" charset="0"/>
+                <a:ea typeface="Arial" charset="0"/>
+                <a:cs typeface="Arial" charset="0"/>
               </a:rPr>
               <a:t>21.8.</a:t>
             </a:r>
-            <a:endParaRPr b="0" lang="en-US" sz="900" spc="-1" strike="noStrike">
+            <a:endParaRPr lang="en-US" sz="900" b="0" strike="noStrike" spc="-1" dirty="0">
               <a:solidFill>
                 <a:srgbClr val="000000"/>
               </a:solidFill>
               <a:uFill>
                 <a:solidFill>
-                  <a:srgbClr val="ffffff"/>
+                  <a:srgbClr val="FFFFFF"/>
                 </a:solidFill>
               </a:uFill>
-              <a:latin typeface="Arial"/>
+              <a:latin typeface="Arial" charset="0"/>
+              <a:ea typeface="Arial" charset="0"/>
+              <a:cs typeface="Arial" charset="0"/>
             </a:endParaRPr>
           </a:p>
           <a:p>
@@ -6088,30 +7769,33 @@
               </a:lnSpc>
             </a:pPr>
             <a:r>
-              <a:rPr b="0" lang="en-US" sz="900" spc="-1" strike="noStrike">
+              <a:rPr lang="en-US" sz="900" b="0" strike="noStrike" spc="-1" dirty="0" err="1">
                 <a:solidFill>
                   <a:srgbClr val="000000"/>
                 </a:solidFill>
                 <a:uFill>
                   <a:solidFill>
-                    <a:srgbClr val="ffffff"/>
+                    <a:srgbClr val="FFFFFF"/>
                   </a:solidFill>
                 </a:uFill>
-                <a:latin typeface="Arial"/>
-                <a:ea typeface="BMW Type Global Pro Regular"/>
+                <a:latin typeface="Arial" charset="0"/>
+                <a:ea typeface="Arial" charset="0"/>
+                <a:cs typeface="Arial" charset="0"/>
               </a:rPr>
               <a:t>Projektstart</a:t>
             </a:r>
-            <a:endParaRPr b="0" lang="en-US" sz="900" spc="-1" strike="noStrike">
+            <a:endParaRPr lang="en-US" sz="900" b="0" strike="noStrike" spc="-1" dirty="0">
               <a:solidFill>
                 <a:srgbClr val="000000"/>
               </a:solidFill>
               <a:uFill>
                 <a:solidFill>
-                  <a:srgbClr val="ffffff"/>
+                  <a:srgbClr val="FFFFFF"/>
                 </a:solidFill>
               </a:uFill>
-              <a:latin typeface="Arial"/>
+              <a:latin typeface="Arial" charset="0"/>
+              <a:ea typeface="Arial" charset="0"/>
+              <a:cs typeface="Arial" charset="0"/>
             </a:endParaRPr>
           </a:p>
         </p:txBody>
@@ -6124,7 +7808,7 @@
         </p:nvSpPr>
         <p:spPr>
           <a:xfrm>
-            <a:off x="3514320" y="3360960"/>
+            <a:off x="3495060" y="3494160"/>
             <a:ext cx="253800" cy="96840"/>
           </a:xfrm>
           <a:prstGeom prst="triangle">
@@ -6133,19 +7817,25 @@
             </a:avLst>
           </a:prstGeom>
           <a:solidFill>
-            <a:schemeClr val="accent4"/>
+            <a:srgbClr val="C00000"/>
           </a:solidFill>
           <a:ln w="12600">
             <a:solidFill>
-              <a:schemeClr val="accent4"/>
+              <a:srgbClr val="C00000"/>
             </a:solidFill>
             <a:miter/>
           </a:ln>
         </p:spPr>
         <p:style>
-          <a:lnRef idx="0"/>
-          <a:fillRef idx="0"/>
-          <a:effectRef idx="0"/>
+          <a:lnRef idx="0">
+            <a:scrgbClr r="0" g="0" b="0"/>
+          </a:lnRef>
+          <a:fillRef idx="0">
+            <a:scrgbClr r="0" g="0" b="0"/>
+          </a:fillRef>
+          <a:effectRef idx="0">
+            <a:scrgbClr r="0" g="0" b="0"/>
+          </a:effectRef>
           <a:fontRef idx="minor"/>
         </p:style>
       </p:sp>
@@ -6157,7 +7847,7 @@
         </p:nvSpPr>
         <p:spPr>
           <a:xfrm flipH="1" flipV="1">
-            <a:off x="3638880" y="2686320"/>
+            <a:off x="3619620" y="2819520"/>
             <a:ext cx="2160" cy="673200"/>
           </a:xfrm>
           <a:prstGeom prst="line">
@@ -6165,15 +7855,21 @@
           </a:prstGeom>
           <a:ln w="12600">
             <a:solidFill>
-              <a:schemeClr val="accent4"/>
+              <a:srgbClr val="C00000"/>
             </a:solidFill>
             <a:round/>
           </a:ln>
         </p:spPr>
         <p:style>
-          <a:lnRef idx="0"/>
-          <a:fillRef idx="0"/>
-          <a:effectRef idx="0"/>
+          <a:lnRef idx="0">
+            <a:scrgbClr r="0" g="0" b="0"/>
+          </a:lnRef>
+          <a:fillRef idx="0">
+            <a:scrgbClr r="0" g="0" b="0"/>
+          </a:fillRef>
+          <a:effectRef idx="0">
+            <a:scrgbClr r="0" g="0" b="0"/>
+          </a:effectRef>
           <a:fontRef idx="minor"/>
         </p:style>
       </p:sp>
@@ -6192,7 +7888,7 @@
             <a:avLst/>
           </a:prstGeom>
           <a:solidFill>
-            <a:schemeClr val="accent1"/>
+            <a:schemeClr val="accent3"/>
           </a:solidFill>
           <a:ln w="12600">
             <a:solidFill>
@@ -6202,9 +7898,15 @@
           </a:ln>
         </p:spPr>
         <p:style>
-          <a:lnRef idx="0"/>
-          <a:fillRef idx="0"/>
-          <a:effectRef idx="0"/>
+          <a:lnRef idx="0">
+            <a:scrgbClr r="0" g="0" b="0"/>
+          </a:lnRef>
+          <a:fillRef idx="0">
+            <a:scrgbClr r="0" g="0" b="0"/>
+          </a:fillRef>
+          <a:effectRef idx="0">
+            <a:scrgbClr r="0" g="0" b="0"/>
+          </a:effectRef>
           <a:fontRef idx="minor"/>
         </p:style>
       </p:sp>
@@ -6235,9 +7937,15 @@
           </a:ln>
         </p:spPr>
         <p:style>
-          <a:lnRef idx="0"/>
-          <a:fillRef idx="0"/>
-          <a:effectRef idx="0"/>
+          <a:lnRef idx="0">
+            <a:scrgbClr r="0" g="0" b="0"/>
+          </a:lnRef>
+          <a:fillRef idx="0">
+            <a:scrgbClr r="0" g="0" b="0"/>
+          </a:fillRef>
+          <a:effectRef idx="0">
+            <a:scrgbClr r="0" g="0" b="0"/>
+          </a:effectRef>
           <a:fontRef idx="minor"/>
         </p:style>
       </p:sp>
@@ -6258,15 +7966,21 @@
           <a:noFill/>
           <a:ln w="9360">
             <a:solidFill>
-              <a:srgbClr val="3a5f8b"/>
+              <a:srgbClr val="3A5F8B"/>
             </a:solidFill>
             <a:round/>
           </a:ln>
         </p:spPr>
         <p:style>
-          <a:lnRef idx="0"/>
-          <a:fillRef idx="0"/>
-          <a:effectRef idx="0"/>
+          <a:lnRef idx="0">
+            <a:scrgbClr r="0" g="0" b="0"/>
+          </a:lnRef>
+          <a:fillRef idx="0">
+            <a:scrgbClr r="0" g="0" b="0"/>
+          </a:fillRef>
+          <a:effectRef idx="0">
+            <a:scrgbClr r="0" g="0" b="0"/>
+          </a:effectRef>
           <a:fontRef idx="minor"/>
         </p:style>
       </p:sp>
@@ -6297,9 +8011,15 @@
           </a:ln>
         </p:spPr>
         <p:style>
-          <a:lnRef idx="0"/>
-          <a:fillRef idx="0"/>
-          <a:effectRef idx="0"/>
+          <a:lnRef idx="0">
+            <a:scrgbClr r="0" g="0" b="0"/>
+          </a:lnRef>
+          <a:fillRef idx="0">
+            <a:scrgbClr r="0" g="0" b="0"/>
+          </a:fillRef>
+          <a:effectRef idx="0">
+            <a:scrgbClr r="0" g="0" b="0"/>
+          </a:effectRef>
           <a:fontRef idx="minor"/>
         </p:style>
       </p:sp>
@@ -6311,7 +8031,7 @@
         </p:nvSpPr>
         <p:spPr>
           <a:xfrm>
-            <a:off x="4278240" y="2917800"/>
+            <a:off x="4150692" y="3117485"/>
             <a:ext cx="1220760" cy="364680"/>
           </a:xfrm>
           <a:prstGeom prst="rect">
@@ -6323,13 +8043,20 @@
           </a:ln>
         </p:spPr>
         <p:style>
-          <a:lnRef idx="0"/>
-          <a:fillRef idx="0"/>
-          <a:effectRef idx="0"/>
+          <a:lnRef idx="0">
+            <a:scrgbClr r="0" g="0" b="0"/>
+          </a:lnRef>
+          <a:fillRef idx="0">
+            <a:scrgbClr r="0" g="0" b="0"/>
+          </a:fillRef>
+          <a:effectRef idx="0">
+            <a:scrgbClr r="0" g="0" b="0"/>
+          </a:effectRef>
           <a:fontRef idx="minor"/>
         </p:style>
         <p:txBody>
-          <a:bodyPr lIns="90000" rIns="90000" tIns="45000" bIns="45000"/>
+          <a:bodyPr lIns="90000" tIns="45000" rIns="90000" bIns="45000"/>
+          <a:lstStyle/>
           <a:p>
             <a:pPr>
               <a:lnSpc>
@@ -6337,30 +8064,33 @@
               </a:lnSpc>
             </a:pPr>
             <a:r>
-              <a:rPr b="1" lang="en-US" sz="900" spc="-1" strike="noStrike">
+              <a:rPr lang="en-US" sz="900" b="1" strike="noStrike" spc="-1" dirty="0">
                 <a:solidFill>
                   <a:srgbClr val="000000"/>
                 </a:solidFill>
                 <a:uFill>
                   <a:solidFill>
-                    <a:srgbClr val="ffffff"/>
+                    <a:srgbClr val="FFFFFF"/>
                   </a:solidFill>
                 </a:uFill>
-                <a:latin typeface="Arial"/>
-                <a:ea typeface="BMW Type Global Pro Regular"/>
+                <a:latin typeface="Arial" charset="0"/>
+                <a:ea typeface="Arial" charset="0"/>
+                <a:cs typeface="Arial" charset="0"/>
               </a:rPr>
               <a:t>1.9.</a:t>
             </a:r>
-            <a:endParaRPr b="0" lang="en-US" sz="900" spc="-1" strike="noStrike">
+            <a:endParaRPr lang="en-US" sz="900" b="0" strike="noStrike" spc="-1" dirty="0">
               <a:solidFill>
                 <a:srgbClr val="000000"/>
               </a:solidFill>
               <a:uFill>
                 <a:solidFill>
-                  <a:srgbClr val="ffffff"/>
+                  <a:srgbClr val="FFFFFF"/>
                 </a:solidFill>
               </a:uFill>
-              <a:latin typeface="Arial"/>
+              <a:latin typeface="Arial" charset="0"/>
+              <a:ea typeface="Arial" charset="0"/>
+              <a:cs typeface="Arial" charset="0"/>
             </a:endParaRPr>
           </a:p>
           <a:p>
@@ -6370,30 +8100,33 @@
               </a:lnSpc>
             </a:pPr>
             <a:r>
-              <a:rPr b="0" lang="en-US" sz="900" spc="-1" strike="noStrike">
+              <a:rPr lang="en-US" sz="900" b="0" strike="noStrike" spc="-1" dirty="0" err="1">
                 <a:solidFill>
                   <a:srgbClr val="000000"/>
                 </a:solidFill>
                 <a:uFill>
                   <a:solidFill>
-                    <a:srgbClr val="ffffff"/>
+                    <a:srgbClr val="FFFFFF"/>
                   </a:solidFill>
                 </a:uFill>
-                <a:latin typeface="Arial"/>
-                <a:ea typeface="BMW Type Global Pro Regular"/>
+                <a:latin typeface="Arial" charset="0"/>
+                <a:ea typeface="Arial" charset="0"/>
+                <a:cs typeface="Arial" charset="0"/>
               </a:rPr>
               <a:t>Produktivsetzung</a:t>
             </a:r>
-            <a:endParaRPr b="0" lang="en-US" sz="900" spc="-1" strike="noStrike">
+            <a:endParaRPr lang="en-US" sz="900" b="0" strike="noStrike" spc="-1" dirty="0">
               <a:solidFill>
                 <a:srgbClr val="000000"/>
               </a:solidFill>
               <a:uFill>
                 <a:solidFill>
-                  <a:srgbClr val="ffffff"/>
+                  <a:srgbClr val="FFFFFF"/>
                 </a:solidFill>
               </a:uFill>
-              <a:latin typeface="Arial"/>
+              <a:latin typeface="Arial" charset="0"/>
+              <a:ea typeface="Arial" charset="0"/>
+              <a:cs typeface="Arial" charset="0"/>
             </a:endParaRPr>
           </a:p>
         </p:txBody>
@@ -6406,7 +8139,7 @@
         </p:nvSpPr>
         <p:spPr>
           <a:xfrm>
-            <a:off x="3967560" y="3359880"/>
+            <a:off x="3952530" y="3483785"/>
             <a:ext cx="253800" cy="96840"/>
           </a:xfrm>
           <a:prstGeom prst="triangle">
@@ -6415,19 +8148,25 @@
             </a:avLst>
           </a:prstGeom>
           <a:solidFill>
-            <a:schemeClr val="accent4"/>
+            <a:srgbClr val="C00000"/>
           </a:solidFill>
           <a:ln w="12600">
             <a:solidFill>
-              <a:schemeClr val="accent4"/>
+              <a:srgbClr val="C00000"/>
             </a:solidFill>
             <a:miter/>
           </a:ln>
         </p:spPr>
         <p:style>
-          <a:lnRef idx="0"/>
-          <a:fillRef idx="0"/>
-          <a:effectRef idx="0"/>
+          <a:lnRef idx="0">
+            <a:scrgbClr r="0" g="0" b="0"/>
+          </a:lnRef>
+          <a:fillRef idx="0">
+            <a:scrgbClr r="0" g="0" b="0"/>
+          </a:fillRef>
+          <a:effectRef idx="0">
+            <a:scrgbClr r="0" g="0" b="0"/>
+          </a:effectRef>
           <a:fontRef idx="minor"/>
         </p:style>
       </p:sp>
@@ -6439,7 +8178,7 @@
         </p:nvSpPr>
         <p:spPr>
           <a:xfrm flipH="1" flipV="1">
-            <a:off x="4092120" y="2685240"/>
+            <a:off x="4077090" y="2809145"/>
             <a:ext cx="2520" cy="673200"/>
           </a:xfrm>
           <a:prstGeom prst="line">
@@ -6447,20 +8186,29 @@
           </a:prstGeom>
           <a:ln w="12600">
             <a:solidFill>
-              <a:schemeClr val="accent4"/>
+              <a:srgbClr val="C00000"/>
             </a:solidFill>
             <a:round/>
           </a:ln>
         </p:spPr>
         <p:style>
-          <a:lnRef idx="0"/>
-          <a:fillRef idx="0"/>
-          <a:effectRef idx="0"/>
+          <a:lnRef idx="0">
+            <a:scrgbClr r="0" g="0" b="0"/>
+          </a:lnRef>
+          <a:fillRef idx="0">
+            <a:scrgbClr r="0" g="0" b="0"/>
+          </a:fillRef>
+          <a:effectRef idx="0">
+            <a:scrgbClr r="0" g="0" b="0"/>
+          </a:effectRef>
           <a:fontRef idx="minor"/>
         </p:style>
       </p:sp>
     </p:spTree>
   </p:cSld>
+  <p:clrMapOvr>
+    <a:masterClrMapping/>
+  </p:clrMapOvr>
   <p:timing>
     <p:tnLst>
       <p:par>
@@ -6469,14 +8217,14 @@
             <p:seq>
               <p:cTn id="2" nodeType="mainSeq"/>
               <p:prevCondLst>
-                <p:cond delay="0" evt="onPrev">
+                <p:cond evt="onPrev" delay="0">
                   <p:tgtEl>
                     <p:sldTgt/>
                   </p:tgtEl>
                 </p:cond>
               </p:prevCondLst>
               <p:nextCondLst>
-                <p:cond delay="0" evt="onNext">
+                <p:cond evt="onNext" delay="0">
                   <p:tgtEl>
                     <p:sldTgt/>
                   </p:tgtEl>
@@ -6711,5 +8459,268 @@
       </a:bgFillStyleLst>
     </a:fmtScheme>
   </a:themeElements>
+  <a:objectDefaults/>
+  <a:extraClrSchemeLst/>
+</a:theme>
+</file>
+
+<file path=ppt/theme/theme2.xml><?xml version="1.0" encoding="utf-8"?>
+<a:theme xmlns:a="http://schemas.openxmlformats.org/drawingml/2006/main" name="Office-Design">
+  <a:themeElements>
+    <a:clrScheme name="Office">
+      <a:dk1>
+        <a:sysClr val="windowText" lastClr="000000"/>
+      </a:dk1>
+      <a:lt1>
+        <a:sysClr val="window" lastClr="FFFFFF"/>
+      </a:lt1>
+      <a:dk2>
+        <a:srgbClr val="44546A"/>
+      </a:dk2>
+      <a:lt2>
+        <a:srgbClr val="E7E6E6"/>
+      </a:lt2>
+      <a:accent1>
+        <a:srgbClr val="4472C4"/>
+      </a:accent1>
+      <a:accent2>
+        <a:srgbClr val="ED7D31"/>
+      </a:accent2>
+      <a:accent3>
+        <a:srgbClr val="A5A5A5"/>
+      </a:accent3>
+      <a:accent4>
+        <a:srgbClr val="FFC000"/>
+      </a:accent4>
+      <a:accent5>
+        <a:srgbClr val="5B9BD5"/>
+      </a:accent5>
+      <a:accent6>
+        <a:srgbClr val="70AD47"/>
+      </a:accent6>
+      <a:hlink>
+        <a:srgbClr val="0563C1"/>
+      </a:hlink>
+      <a:folHlink>
+        <a:srgbClr val="954F72"/>
+      </a:folHlink>
+    </a:clrScheme>
+    <a:fontScheme name="Office">
+      <a:majorFont>
+        <a:latin typeface="Calibri Light" panose="020F0302020204030204"/>
+        <a:ea typeface=""/>
+        <a:cs typeface=""/>
+        <a:font script="Jpan" typeface="Yu Gothic Light"/>
+        <a:font script="Hang" typeface="맑은 고딕"/>
+        <a:font script="Hans" typeface="DengXian Light"/>
+        <a:font script="Hant" typeface="新細明體"/>
+        <a:font script="Arab" typeface="Times New Roman"/>
+        <a:font script="Hebr" typeface="Times New Roman"/>
+        <a:font script="Thai" typeface="Angsana New"/>
+        <a:font script="Ethi" typeface="Nyala"/>
+        <a:font script="Beng" typeface="Vrinda"/>
+        <a:font script="Gujr" typeface="Shruti"/>
+        <a:font script="Khmr" typeface="MoolBoran"/>
+        <a:font script="Knda" typeface="Tunga"/>
+        <a:font script="Guru" typeface="Raavi"/>
+        <a:font script="Cans" typeface="Euphemia"/>
+        <a:font script="Cher" typeface="Plantagenet Cherokee"/>
+        <a:font script="Yiii" typeface="Microsoft Yi Baiti"/>
+        <a:font script="Tibt" typeface="Microsoft Himalaya"/>
+        <a:font script="Thaa" typeface="MV Boli"/>
+        <a:font script="Deva" typeface="Mangal"/>
+        <a:font script="Telu" typeface="Gautami"/>
+        <a:font script="Taml" typeface="Latha"/>
+        <a:font script="Syrc" typeface="Estrangelo Edessa"/>
+        <a:font script="Orya" typeface="Kalinga"/>
+        <a:font script="Mlym" typeface="Kartika"/>
+        <a:font script="Laoo" typeface="DokChampa"/>
+        <a:font script="Sinh" typeface="Iskoola Pota"/>
+        <a:font script="Mong" typeface="Mongolian Baiti"/>
+        <a:font script="Viet" typeface="Times New Roman"/>
+        <a:font script="Uigh" typeface="Microsoft Uighur"/>
+        <a:font script="Geor" typeface="Sylfaen"/>
+      </a:majorFont>
+      <a:minorFont>
+        <a:latin typeface="Calibri" panose="020F0502020204030204"/>
+        <a:ea typeface=""/>
+        <a:cs typeface=""/>
+        <a:font script="Jpan" typeface="Yu Gothic"/>
+        <a:font script="Hang" typeface="맑은 고딕"/>
+        <a:font script="Hans" typeface="DengXian"/>
+        <a:font script="Hant" typeface="新細明體"/>
+        <a:font script="Arab" typeface="Arial"/>
+        <a:font script="Hebr" typeface="Arial"/>
+        <a:font script="Thai" typeface="Cordia New"/>
+        <a:font script="Ethi" typeface="Nyala"/>
+        <a:font script="Beng" typeface="Vrinda"/>
+        <a:font script="Gujr" typeface="Shruti"/>
+        <a:font script="Khmr" typeface="DaunPenh"/>
+        <a:font script="Knda" typeface="Tunga"/>
+        <a:font script="Guru" typeface="Raavi"/>
+        <a:font script="Cans" typeface="Euphemia"/>
+        <a:font script="Cher" typeface="Plantagenet Cherokee"/>
+        <a:font script="Yiii" typeface="Microsoft Yi Baiti"/>
+        <a:font script="Tibt" typeface="Microsoft Himalaya"/>
+        <a:font script="Thaa" typeface="MV Boli"/>
+        <a:font script="Deva" typeface="Mangal"/>
+        <a:font script="Telu" typeface="Gautami"/>
+        <a:font script="Taml" typeface="Latha"/>
+        <a:font script="Syrc" typeface="Estrangelo Edessa"/>
+        <a:font script="Orya" typeface="Kalinga"/>
+        <a:font script="Mlym" typeface="Kartika"/>
+        <a:font script="Laoo" typeface="DokChampa"/>
+        <a:font script="Sinh" typeface="Iskoola Pota"/>
+        <a:font script="Mong" typeface="Mongolian Baiti"/>
+        <a:font script="Viet" typeface="Arial"/>
+        <a:font script="Uigh" typeface="Microsoft Uighur"/>
+        <a:font script="Geor" typeface="Sylfaen"/>
+      </a:minorFont>
+    </a:fontScheme>
+    <a:fmtScheme name="Office">
+      <a:fillStyleLst>
+        <a:solidFill>
+          <a:schemeClr val="phClr"/>
+        </a:solidFill>
+        <a:gradFill rotWithShape="1">
+          <a:gsLst>
+            <a:gs pos="0">
+              <a:schemeClr val="phClr">
+                <a:lumMod val="110000"/>
+                <a:satMod val="105000"/>
+                <a:tint val="67000"/>
+              </a:schemeClr>
+            </a:gs>
+            <a:gs pos="50000">
+              <a:schemeClr val="phClr">
+                <a:lumMod val="105000"/>
+                <a:satMod val="103000"/>
+                <a:tint val="73000"/>
+              </a:schemeClr>
+            </a:gs>
+            <a:gs pos="100000">
+              <a:schemeClr val="phClr">
+                <a:lumMod val="105000"/>
+                <a:satMod val="109000"/>
+                <a:tint val="81000"/>
+              </a:schemeClr>
+            </a:gs>
+          </a:gsLst>
+          <a:lin ang="5400000" scaled="0"/>
+        </a:gradFill>
+        <a:gradFill rotWithShape="1">
+          <a:gsLst>
+            <a:gs pos="0">
+              <a:schemeClr val="phClr">
+                <a:satMod val="103000"/>
+                <a:lumMod val="102000"/>
+                <a:tint val="94000"/>
+              </a:schemeClr>
+            </a:gs>
+            <a:gs pos="50000">
+              <a:schemeClr val="phClr">
+                <a:satMod val="110000"/>
+                <a:lumMod val="100000"/>
+                <a:shade val="100000"/>
+              </a:schemeClr>
+            </a:gs>
+            <a:gs pos="100000">
+              <a:schemeClr val="phClr">
+                <a:lumMod val="99000"/>
+                <a:satMod val="120000"/>
+                <a:shade val="78000"/>
+              </a:schemeClr>
+            </a:gs>
+          </a:gsLst>
+          <a:lin ang="5400000" scaled="0"/>
+        </a:gradFill>
+      </a:fillStyleLst>
+      <a:lnStyleLst>
+        <a:ln w="6350" cap="flat" cmpd="sng" algn="ctr">
+          <a:solidFill>
+            <a:schemeClr val="phClr"/>
+          </a:solidFill>
+          <a:prstDash val="solid"/>
+          <a:miter lim="800000"/>
+        </a:ln>
+        <a:ln w="12700" cap="flat" cmpd="sng" algn="ctr">
+          <a:solidFill>
+            <a:schemeClr val="phClr"/>
+          </a:solidFill>
+          <a:prstDash val="solid"/>
+          <a:miter lim="800000"/>
+        </a:ln>
+        <a:ln w="19050" cap="flat" cmpd="sng" algn="ctr">
+          <a:solidFill>
+            <a:schemeClr val="phClr"/>
+          </a:solidFill>
+          <a:prstDash val="solid"/>
+          <a:miter lim="800000"/>
+        </a:ln>
+      </a:lnStyleLst>
+      <a:effectStyleLst>
+        <a:effectStyle>
+          <a:effectLst/>
+        </a:effectStyle>
+        <a:effectStyle>
+          <a:effectLst/>
+        </a:effectStyle>
+        <a:effectStyle>
+          <a:effectLst>
+            <a:outerShdw blurRad="57150" dist="19050" dir="5400000" algn="ctr" rotWithShape="0">
+              <a:srgbClr val="000000">
+                <a:alpha val="63000"/>
+              </a:srgbClr>
+            </a:outerShdw>
+          </a:effectLst>
+        </a:effectStyle>
+      </a:effectStyleLst>
+      <a:bgFillStyleLst>
+        <a:solidFill>
+          <a:schemeClr val="phClr"/>
+        </a:solidFill>
+        <a:solidFill>
+          <a:schemeClr val="phClr">
+            <a:tint val="95000"/>
+            <a:satMod val="170000"/>
+          </a:schemeClr>
+        </a:solidFill>
+        <a:gradFill rotWithShape="1">
+          <a:gsLst>
+            <a:gs pos="0">
+              <a:schemeClr val="phClr">
+                <a:tint val="93000"/>
+                <a:satMod val="150000"/>
+                <a:shade val="98000"/>
+                <a:lumMod val="102000"/>
+              </a:schemeClr>
+            </a:gs>
+            <a:gs pos="50000">
+              <a:schemeClr val="phClr">
+                <a:tint val="98000"/>
+                <a:satMod val="130000"/>
+                <a:shade val="90000"/>
+                <a:lumMod val="103000"/>
+              </a:schemeClr>
+            </a:gs>
+            <a:gs pos="100000">
+              <a:schemeClr val="phClr">
+                <a:shade val="63000"/>
+                <a:satMod val="120000"/>
+              </a:schemeClr>
+            </a:gs>
+          </a:gsLst>
+          <a:lin ang="5400000" scaled="0"/>
+        </a:gradFill>
+      </a:bgFillStyleLst>
+    </a:fmtScheme>
+  </a:themeElements>
+  <a:objectDefaults/>
+  <a:extraClrSchemeLst/>
+  <a:extLst>
+    <a:ext uri="{05A4C25C-085E-4340-85A3-A5531E510DB2}">
+      <thm15:themeFamily xmlns:thm15="http://schemas.microsoft.com/office/thememl/2012/main" name="Office Theme" id="{62F939B6-93AF-4DB8-9C6B-D6C7DFDC589F}" vid="{4A3C46E8-61CC-4603-A589-7422A47A8E4A}"/>
+    </a:ext>
+  </a:extLst>
 </a:theme>
 </file>